--- a/UnitTests.pptx
+++ b/UnitTests.pptx
@@ -2,19 +2,15 @@
 <file path=ppt/presentation.xml><?xml version="1.0" encoding="utf-8"?>
 <p:presentation xmlns:a="http://schemas.openxmlformats.org/drawingml/2006/main" xmlns:r="http://schemas.openxmlformats.org/officeDocument/2006/relationships" xmlns:p="http://schemas.openxmlformats.org/presentationml/2006/main" autoCompressPictures="0">
   <p:sldMasterIdLst>
-    <p:sldMasterId id="2147483648" r:id="rId1"/>
+    <p:sldMasterId id="2147483648" r:id="rId4"/>
   </p:sldMasterIdLst>
   <p:sldIdLst>
-    <p:sldId id="256" r:id="rId2"/>
-    <p:sldId id="257" r:id="rId3"/>
-    <p:sldId id="258" r:id="rId4"/>
-    <p:sldId id="259" r:id="rId5"/>
-    <p:sldId id="260" r:id="rId6"/>
-    <p:sldId id="261" r:id="rId7"/>
-    <p:sldId id="262" r:id="rId8"/>
-    <p:sldId id="263" r:id="rId9"/>
-    <p:sldId id="264" r:id="rId10"/>
-    <p:sldId id="265" r:id="rId11"/>
+    <p:sldId id="256" r:id="rId5"/>
+    <p:sldId id="257" r:id="rId6"/>
+    <p:sldId id="258" r:id="rId7"/>
+    <p:sldId id="259" r:id="rId8"/>
+    <p:sldId id="260" r:id="rId9"/>
+    <p:sldId id="261" r:id="rId10"/>
   </p:sldIdLst>
   <p:sldSz cx="12192000" cy="6858000"/>
   <p:notesSz cx="6858000" cy="9144000"/>
@@ -121,6 +117,14 @@
 </p:presentation>
 </file>
 
+<file path=ppt/revisionInfo.xml><?xml version="1.0" encoding="utf-8"?>
+<p1510:revInfo xmlns:a="http://schemas.openxmlformats.org/drawingml/2006/main" xmlns:r="http://schemas.openxmlformats.org/officeDocument/2006/relationships" xmlns:p1510="http://schemas.microsoft.com/office/powerpoint/2015/10/main">
+  <p1510:revLst>
+    <p1510:client id="{D2BF839D-618B-4408-AE90-600580DF24FF}" v="20" dt="2020-10-18T18:40:02.634"/>
+  </p1510:revLst>
+</p1510:revInfo>
+</file>
+
 <file path=ppt/slideLayouts/slideLayout1.xml><?xml version="1.0" encoding="utf-8"?>
 <p:sldLayout xmlns:a="http://schemas.openxmlformats.org/drawingml/2006/main" xmlns:r="http://schemas.openxmlformats.org/officeDocument/2006/relationships" xmlns:p="http://schemas.openxmlformats.org/presentationml/2006/main" type="title" preserve="1">
   <p:cSld name="Title Slide">
@@ -310,7 +314,7 @@
             <a:fld id="{B61BEF0D-F0BB-DE4B-95CE-6DB70DBA9567}" type="datetimeFigureOut">
               <a:rPr lang="en-US" dirty="0"/>
               <a:pPr/>
-              <a:t>10/12/2020</a:t>
+              <a:t>10/18/2020</a:t>
             </a:fld>
             <a:endParaRPr lang="en-US" dirty="0"/>
           </a:p>
@@ -645,7 +649,7 @@
             <a:fld id="{B61BEF0D-F0BB-DE4B-95CE-6DB70DBA9567}" type="datetimeFigureOut">
               <a:rPr lang="en-US" dirty="0"/>
               <a:pPr/>
-              <a:t>10/12/2020</a:t>
+              <a:t>10/18/2020</a:t>
             </a:fld>
             <a:endParaRPr lang="en-US" dirty="0"/>
           </a:p>
@@ -1043,7 +1047,7 @@
             <a:fld id="{B61BEF0D-F0BB-DE4B-95CE-6DB70DBA9567}" type="datetimeFigureOut">
               <a:rPr lang="en-US" dirty="0"/>
               <a:pPr/>
-              <a:t>10/12/2020</a:t>
+              <a:t>10/18/2020</a:t>
             </a:fld>
             <a:endParaRPr lang="en-US" dirty="0"/>
           </a:p>
@@ -1376,7 +1380,7 @@
             <a:fld id="{B61BEF0D-F0BB-DE4B-95CE-6DB70DBA9567}" type="datetimeFigureOut">
               <a:rPr lang="en-US" dirty="0"/>
               <a:pPr/>
-              <a:t>10/12/2020</a:t>
+              <a:t>10/18/2020</a:t>
             </a:fld>
             <a:endParaRPr lang="en-US" dirty="0"/>
           </a:p>
@@ -1693,7 +1697,7 @@
             <a:fld id="{B61BEF0D-F0BB-DE4B-95CE-6DB70DBA9567}" type="datetimeFigureOut">
               <a:rPr lang="en-US" dirty="0"/>
               <a:pPr/>
-              <a:t>10/12/2020</a:t>
+              <a:t>10/18/2020</a:t>
             </a:fld>
             <a:endParaRPr lang="en-US" dirty="0"/>
           </a:p>
@@ -2086,7 +2090,7 @@
             <a:fld id="{B61BEF0D-F0BB-DE4B-95CE-6DB70DBA9567}" type="datetimeFigureOut">
               <a:rPr lang="en-US" dirty="0"/>
               <a:pPr/>
-              <a:t>10/12/2020</a:t>
+              <a:t>10/18/2020</a:t>
             </a:fld>
             <a:endParaRPr lang="en-US" dirty="0"/>
           </a:p>
@@ -2340,7 +2344,7 @@
             <a:fld id="{B61BEF0D-F0BB-DE4B-95CE-6DB70DBA9567}" type="datetimeFigureOut">
               <a:rPr lang="en-US" dirty="0"/>
               <a:pPr/>
-              <a:t>10/12/2020</a:t>
+              <a:t>10/18/2020</a:t>
             </a:fld>
             <a:endParaRPr lang="en-US" dirty="0"/>
           </a:p>
@@ -2599,7 +2603,7 @@
             <a:fld id="{B61BEF0D-F0BB-DE4B-95CE-6DB70DBA9567}" type="datetimeFigureOut">
               <a:rPr lang="en-US" dirty="0"/>
               <a:pPr/>
-              <a:t>10/12/2020</a:t>
+              <a:t>10/18/2020</a:t>
             </a:fld>
             <a:endParaRPr lang="en-US" dirty="0"/>
           </a:p>
@@ -2858,7 +2862,7 @@
             <a:fld id="{B61BEF0D-F0BB-DE4B-95CE-6DB70DBA9567}" type="datetimeFigureOut">
               <a:rPr lang="en-US" dirty="0"/>
               <a:pPr/>
-              <a:t>10/12/2020</a:t>
+              <a:t>10/18/2020</a:t>
             </a:fld>
             <a:endParaRPr lang="en-US" dirty="0"/>
           </a:p>
@@ -3184,7 +3188,7 @@
             <a:fld id="{B61BEF0D-F0BB-DE4B-95CE-6DB70DBA9567}" type="datetimeFigureOut">
               <a:rPr lang="en-US" dirty="0"/>
               <a:pPr/>
-              <a:t>10/12/2020</a:t>
+              <a:t>10/18/2020</a:t>
             </a:fld>
             <a:endParaRPr lang="en-US" dirty="0"/>
           </a:p>
@@ -3504,7 +3508,7 @@
             <a:fld id="{B61BEF0D-F0BB-DE4B-95CE-6DB70DBA9567}" type="datetimeFigureOut">
               <a:rPr lang="en-US" dirty="0"/>
               <a:pPr/>
-              <a:t>10/12/2020</a:t>
+              <a:t>10/18/2020</a:t>
             </a:fld>
             <a:endParaRPr lang="en-US" dirty="0"/>
           </a:p>
@@ -3958,7 +3962,7 @@
             <a:fld id="{B61BEF0D-F0BB-DE4B-95CE-6DB70DBA9567}" type="datetimeFigureOut">
               <a:rPr lang="en-US" dirty="0"/>
               <a:pPr/>
-              <a:t>10/12/2020</a:t>
+              <a:t>10/18/2020</a:t>
             </a:fld>
             <a:endParaRPr lang="en-US" dirty="0"/>
           </a:p>
@@ -4160,7 +4164,7 @@
             <a:fld id="{B61BEF0D-F0BB-DE4B-95CE-6DB70DBA9567}" type="datetimeFigureOut">
               <a:rPr lang="en-US" dirty="0"/>
               <a:pPr/>
-              <a:t>10/12/2020</a:t>
+              <a:t>10/18/2020</a:t>
             </a:fld>
             <a:endParaRPr lang="en-US" dirty="0"/>
           </a:p>
@@ -4334,7 +4338,7 @@
             <a:fld id="{B61BEF0D-F0BB-DE4B-95CE-6DB70DBA9567}" type="datetimeFigureOut">
               <a:rPr lang="en-US" dirty="0"/>
               <a:pPr/>
-              <a:t>10/12/2020</a:t>
+              <a:t>10/18/2020</a:t>
             </a:fld>
             <a:endParaRPr lang="en-US" dirty="0"/>
           </a:p>
@@ -4664,7 +4668,7 @@
             <a:fld id="{B61BEF0D-F0BB-DE4B-95CE-6DB70DBA9567}" type="datetimeFigureOut">
               <a:rPr lang="en-US" dirty="0"/>
               <a:pPr/>
-              <a:t>10/12/2020</a:t>
+              <a:t>10/18/2020</a:t>
             </a:fld>
             <a:endParaRPr lang="en-US" dirty="0"/>
           </a:p>
@@ -5006,7 +5010,7 @@
             <a:fld id="{B61BEF0D-F0BB-DE4B-95CE-6DB70DBA9567}" type="datetimeFigureOut">
               <a:rPr lang="en-US" dirty="0"/>
               <a:pPr/>
-              <a:t>10/12/2020</a:t>
+              <a:t>10/18/2020</a:t>
             </a:fld>
             <a:endParaRPr lang="en-US" dirty="0"/>
           </a:p>
@@ -7120,7 +7124,7 @@
             <a:fld id="{B61BEF0D-F0BB-DE4B-95CE-6DB70DBA9567}" type="datetimeFigureOut">
               <a:rPr lang="en-US" dirty="0"/>
               <a:pPr/>
-              <a:t>10/12/2020</a:t>
+              <a:t>10/18/2020</a:t>
             </a:fld>
             <a:endParaRPr lang="en-US" dirty="0"/>
           </a:p>
@@ -7656,7 +7660,7 @@
           <a:p>
             <a:r>
               <a:rPr lang="en-US" dirty="0"/>
-              <a:t>WinForms</a:t>
+              <a:t>Unit Testy v .NET</a:t>
             </a:r>
             <a:endParaRPr lang="cs-CZ" dirty="0"/>
           </a:p>
@@ -7683,6 +7687,14 @@
           <a:bodyPr/>
           <a:lstStyle/>
           <a:p>
+            <a:r>
+              <a:rPr lang="en-US" dirty="0"/>
+              <a:t>Petr </a:t>
+            </a:r>
+            <a:r>
+              <a:rPr lang="cs-CZ" dirty="0"/>
+              <a:t>Janiš</a:t>
+            </a:r>
             <a:endParaRPr lang="en-US" dirty="0"/>
           </a:p>
         </p:txBody>
@@ -7691,660 +7703,6 @@
     <p:extLst>
       <p:ext uri="{BB962C8B-B14F-4D97-AF65-F5344CB8AC3E}">
         <p14:creationId xmlns:p14="http://schemas.microsoft.com/office/powerpoint/2010/main" val="2810062939"/>
-      </p:ext>
-    </p:extLst>
-  </p:cSld>
-  <p:clrMapOvr>
-    <a:masterClrMapping/>
-  </p:clrMapOvr>
-</p:sld>
-</file>
-
-<file path=ppt/slides/slide10.xml><?xml version="1.0" encoding="utf-8"?>
-<p:sld xmlns:a="http://schemas.openxmlformats.org/drawingml/2006/main" xmlns:r="http://schemas.openxmlformats.org/officeDocument/2006/relationships" xmlns:p="http://schemas.openxmlformats.org/presentationml/2006/main">
-  <p:cSld>
-    <p:spTree>
-      <p:nvGrpSpPr>
-        <p:cNvPr id="1" name=""/>
-        <p:cNvGrpSpPr/>
-        <p:nvPr/>
-      </p:nvGrpSpPr>
-      <p:grpSpPr>
-        <a:xfrm>
-          <a:off x="0" y="0"/>
-          <a:ext cx="0" cy="0"/>
-          <a:chOff x="0" y="0"/>
-          <a:chExt cx="0" cy="0"/>
-        </a:xfrm>
-      </p:grpSpPr>
-      <p:sp>
-        <p:nvSpPr>
-          <p:cNvPr id="2" name="Title 1">
-            <a:extLst>
-              <a:ext uri="{FF2B5EF4-FFF2-40B4-BE49-F238E27FC236}">
-                <a16:creationId xmlns:a16="http://schemas.microsoft.com/office/drawing/2014/main" id="{DB7D95DE-2362-4D55-A51F-DD7B74E432AC}"/>
-              </a:ext>
-            </a:extLst>
-          </p:cNvPr>
-          <p:cNvSpPr>
-            <a:spLocks noGrp="1"/>
-          </p:cNvSpPr>
-          <p:nvPr>
-            <p:ph type="title"/>
-          </p:nvPr>
-        </p:nvSpPr>
-        <p:spPr/>
-        <p:txBody>
-          <a:bodyPr/>
-          <a:lstStyle/>
-          <a:p>
-            <a:r>
-              <a:rPr lang="cs-CZ" dirty="0"/>
-              <a:t>Změna vlastností komponenty</a:t>
-            </a:r>
-            <a:endParaRPr lang="en-US" dirty="0"/>
-          </a:p>
-        </p:txBody>
-      </p:sp>
-      <p:sp>
-        <p:nvSpPr>
-          <p:cNvPr id="3" name="Content Placeholder 2">
-            <a:extLst>
-              <a:ext uri="{FF2B5EF4-FFF2-40B4-BE49-F238E27FC236}">
-                <a16:creationId xmlns:a16="http://schemas.microsoft.com/office/drawing/2014/main" id="{5BA1B989-C4E4-44F0-9C78-449A3D874A5A}"/>
-              </a:ext>
-            </a:extLst>
-          </p:cNvPr>
-          <p:cNvSpPr>
-            <a:spLocks noGrp="1"/>
-          </p:cNvSpPr>
-          <p:nvPr>
-            <p:ph idx="1"/>
-          </p:nvPr>
-        </p:nvSpPr>
-        <p:spPr>
-          <a:xfrm>
-            <a:off x="2592925" y="1655427"/>
-            <a:ext cx="8915400" cy="3777622"/>
-          </a:xfrm>
-        </p:spPr>
-        <p:txBody>
-          <a:bodyPr/>
-          <a:lstStyle/>
-          <a:p>
-            <a:r>
-              <a:rPr lang="en-US" dirty="0"/>
-              <a:t>V </a:t>
-            </a:r>
-            <a:r>
-              <a:rPr lang="en-US" dirty="0" err="1"/>
-              <a:t>kódu</a:t>
-            </a:r>
-            <a:r>
-              <a:rPr lang="en-US" dirty="0"/>
-              <a:t> </a:t>
-            </a:r>
-            <a:r>
-              <a:rPr lang="en-US" dirty="0" err="1"/>
-              <a:t>pracujeme</a:t>
-            </a:r>
-            <a:r>
-              <a:rPr lang="en-US" dirty="0"/>
-              <a:t> s </a:t>
-            </a:r>
-            <a:r>
-              <a:rPr lang="en-US" dirty="0" err="1"/>
-              <a:t>objekty</a:t>
-            </a:r>
-            <a:r>
-              <a:rPr lang="en-US" dirty="0"/>
-              <a:t> </a:t>
-            </a:r>
-            <a:r>
-              <a:rPr lang="en-US" dirty="0" err="1"/>
-              <a:t>představující</a:t>
-            </a:r>
-            <a:r>
-              <a:rPr lang="en-US" dirty="0"/>
-              <a:t> </a:t>
-            </a:r>
-            <a:r>
-              <a:rPr lang="en-US" dirty="0" err="1"/>
-              <a:t>komponenty</a:t>
-            </a:r>
-            <a:r>
-              <a:rPr lang="en-US" dirty="0"/>
-              <a:t>. </a:t>
-            </a:r>
-            <a:r>
-              <a:rPr lang="en-US" dirty="0" err="1"/>
-              <a:t>Jejich</a:t>
-            </a:r>
-            <a:r>
-              <a:rPr lang="en-US" dirty="0"/>
-              <a:t> </a:t>
-            </a:r>
-            <a:r>
-              <a:rPr lang="en-US" dirty="0" err="1"/>
-              <a:t>vlastnosti</a:t>
-            </a:r>
-            <a:r>
-              <a:rPr lang="en-US" dirty="0"/>
-              <a:t> </a:t>
-            </a:r>
-            <a:r>
-              <a:rPr lang="en-US" dirty="0" err="1"/>
-              <a:t>mohou</a:t>
-            </a:r>
-            <a:r>
-              <a:rPr lang="en-US" dirty="0"/>
-              <a:t> </a:t>
-            </a:r>
-            <a:r>
-              <a:rPr lang="en-US" dirty="0" err="1"/>
-              <a:t>být</a:t>
-            </a:r>
-            <a:r>
-              <a:rPr lang="en-US" dirty="0"/>
-              <a:t> </a:t>
-            </a:r>
-            <a:r>
-              <a:rPr lang="en-US" dirty="0" err="1"/>
-              <a:t>měněny</a:t>
-            </a:r>
-            <a:r>
-              <a:rPr lang="en-US" dirty="0"/>
-              <a:t> za </a:t>
-            </a:r>
-            <a:r>
-              <a:rPr lang="en-US" dirty="0" err="1"/>
-              <a:t>běhu</a:t>
-            </a:r>
-            <a:r>
-              <a:rPr lang="en-US" dirty="0"/>
-              <a:t> </a:t>
-            </a:r>
-            <a:r>
-              <a:rPr lang="en-US" dirty="0" err="1"/>
-              <a:t>programu</a:t>
-            </a:r>
-            <a:r>
-              <a:rPr lang="en-US" dirty="0"/>
-              <a:t> </a:t>
-            </a:r>
-            <a:r>
-              <a:rPr lang="en-US" dirty="0" err="1"/>
-              <a:t>uživatelem</a:t>
-            </a:r>
-            <a:r>
-              <a:rPr lang="en-US" dirty="0"/>
-              <a:t>, </a:t>
-            </a:r>
-            <a:r>
-              <a:rPr lang="en-US" dirty="0" err="1"/>
-              <a:t>nebo</a:t>
-            </a:r>
-            <a:r>
-              <a:rPr lang="en-US" dirty="0"/>
-              <a:t> </a:t>
-            </a:r>
-            <a:r>
-              <a:rPr lang="en-US" dirty="0" err="1"/>
-              <a:t>přímo</a:t>
-            </a:r>
-            <a:r>
-              <a:rPr lang="en-US" dirty="0"/>
-              <a:t> z </a:t>
-            </a:r>
-            <a:r>
-              <a:rPr lang="en-US" dirty="0" err="1"/>
-              <a:t>kódu</a:t>
-            </a:r>
-            <a:r>
-              <a:rPr lang="en-US" dirty="0"/>
-              <a:t>.</a:t>
-            </a:r>
-            <a:endParaRPr lang="cs-CZ" dirty="0"/>
-          </a:p>
-          <a:p>
-            <a:endParaRPr lang="cs-CZ" dirty="0"/>
-          </a:p>
-          <a:p>
-            <a:endParaRPr lang="cs-CZ" dirty="0"/>
-          </a:p>
-          <a:p>
-            <a:endParaRPr lang="cs-CZ" dirty="0"/>
-          </a:p>
-          <a:p>
-            <a:endParaRPr lang="cs-CZ" dirty="0"/>
-          </a:p>
-          <a:p>
-            <a:endParaRPr lang="cs-CZ" dirty="0"/>
-          </a:p>
-          <a:p>
-            <a:r>
-              <a:rPr lang="en-US" dirty="0"/>
-              <a:t>textBox1 je </a:t>
-            </a:r>
-            <a:r>
-              <a:rPr lang="en-US" dirty="0" err="1"/>
-              <a:t>proměnná</a:t>
-            </a:r>
-            <a:r>
-              <a:rPr lang="en-US" dirty="0"/>
-              <a:t> </a:t>
-            </a:r>
-            <a:r>
-              <a:rPr lang="en-US" dirty="0" err="1"/>
-              <a:t>ve</a:t>
-            </a:r>
-            <a:r>
-              <a:rPr lang="en-US" dirty="0"/>
-              <a:t> </a:t>
-            </a:r>
-            <a:r>
-              <a:rPr lang="en-US" dirty="0" err="1"/>
-              <a:t>které</a:t>
-            </a:r>
-            <a:r>
-              <a:rPr lang="en-US" dirty="0"/>
-              <a:t> je </a:t>
-            </a:r>
-            <a:r>
-              <a:rPr lang="en-US" dirty="0" err="1"/>
-              <a:t>uchována</a:t>
-            </a:r>
-            <a:r>
-              <a:rPr lang="en-US" dirty="0"/>
-              <a:t> reference </a:t>
-            </a:r>
-            <a:r>
-              <a:rPr lang="en-US" dirty="0" err="1"/>
-              <a:t>na</a:t>
-            </a:r>
-            <a:r>
-              <a:rPr lang="en-US" dirty="0"/>
-              <a:t> </a:t>
-            </a:r>
-            <a:r>
-              <a:rPr lang="en-US" dirty="0" err="1"/>
-              <a:t>instanci</a:t>
-            </a:r>
-            <a:r>
-              <a:rPr lang="en-US" dirty="0"/>
-              <a:t> </a:t>
-            </a:r>
-            <a:r>
-              <a:rPr lang="en-US" dirty="0" err="1"/>
-              <a:t>třídy</a:t>
-            </a:r>
-            <a:r>
-              <a:rPr lang="en-US" dirty="0"/>
-              <a:t> </a:t>
-            </a:r>
-            <a:r>
-              <a:rPr lang="en-US" dirty="0" err="1"/>
-              <a:t>TextBox</a:t>
-            </a:r>
-            <a:r>
-              <a:rPr lang="en-US" dirty="0"/>
-              <a:t>. </a:t>
-            </a:r>
-            <a:r>
-              <a:rPr lang="en-US" dirty="0" err="1"/>
-              <a:t>Jedna</a:t>
-            </a:r>
-            <a:r>
-              <a:rPr lang="en-US" dirty="0"/>
-              <a:t> z </a:t>
-            </a:r>
-            <a:r>
-              <a:rPr lang="en-US" dirty="0" err="1"/>
-              <a:t>vlastností</a:t>
-            </a:r>
-            <a:r>
-              <a:rPr lang="cs-CZ" dirty="0"/>
-              <a:t> této třídy</a:t>
-            </a:r>
-            <a:r>
-              <a:rPr lang="en-US" dirty="0"/>
-              <a:t> je </a:t>
-            </a:r>
-            <a:r>
-              <a:rPr lang="cs-CZ" dirty="0"/>
-              <a:t>„</a:t>
-            </a:r>
-            <a:r>
-              <a:rPr lang="en-US" dirty="0"/>
-              <a:t>text</a:t>
-            </a:r>
-            <a:r>
-              <a:rPr lang="cs-CZ" dirty="0"/>
-              <a:t>“</a:t>
-            </a:r>
-            <a:r>
-              <a:rPr lang="en-US" dirty="0"/>
-              <a:t>, </a:t>
-            </a:r>
-            <a:r>
-              <a:rPr lang="en-US" dirty="0" err="1"/>
-              <a:t>který</a:t>
-            </a:r>
-            <a:r>
-              <a:rPr lang="en-US" dirty="0"/>
-              <a:t> je </a:t>
-            </a:r>
-            <a:r>
-              <a:rPr lang="en-US" dirty="0" err="1"/>
-              <a:t>možno</a:t>
-            </a:r>
-            <a:r>
-              <a:rPr lang="en-US" dirty="0"/>
-              <a:t> </a:t>
-            </a:r>
-            <a:r>
-              <a:rPr lang="en-US" dirty="0" err="1"/>
-              <a:t>buďto</a:t>
-            </a:r>
-            <a:r>
-              <a:rPr lang="en-US" dirty="0"/>
-              <a:t> </a:t>
-            </a:r>
-            <a:r>
-              <a:rPr lang="en-US" dirty="0" err="1"/>
-              <a:t>přečíst</a:t>
-            </a:r>
-            <a:r>
-              <a:rPr lang="en-US" dirty="0"/>
-              <a:t> </a:t>
-            </a:r>
-            <a:r>
-              <a:rPr lang="en-US" dirty="0" err="1"/>
-              <a:t>nebo</a:t>
-            </a:r>
-            <a:r>
-              <a:rPr lang="en-US" dirty="0"/>
-              <a:t> </a:t>
-            </a:r>
-            <a:r>
-              <a:rPr lang="en-US" dirty="0" err="1"/>
-              <a:t>změnit</a:t>
-            </a:r>
-            <a:r>
-              <a:rPr lang="en-US" dirty="0"/>
-              <a:t>.</a:t>
-            </a:r>
-          </a:p>
-        </p:txBody>
-      </p:sp>
-      <p:sp>
-        <p:nvSpPr>
-          <p:cNvPr id="4" name="Rectangle 3">
-            <a:extLst>
-              <a:ext uri="{FF2B5EF4-FFF2-40B4-BE49-F238E27FC236}">
-                <a16:creationId xmlns:a16="http://schemas.microsoft.com/office/drawing/2014/main" id="{D35F58A6-1377-4DDC-AF97-7A5C854D2C7D}"/>
-              </a:ext>
-            </a:extLst>
-          </p:cNvPr>
-          <p:cNvSpPr/>
-          <p:nvPr/>
-        </p:nvSpPr>
-        <p:spPr>
-          <a:xfrm>
-            <a:off x="1827402" y="2619967"/>
-            <a:ext cx="8805644" cy="1477328"/>
-          </a:xfrm>
-          <a:prstGeom prst="rect">
-            <a:avLst/>
-          </a:prstGeom>
-        </p:spPr>
-        <p:txBody>
-          <a:bodyPr wrap="square">
-            <a:spAutoFit/>
-          </a:bodyPr>
-          <a:lstStyle/>
-          <a:p>
-            <a:r>
-              <a:rPr lang="cs-CZ" dirty="0">
-                <a:solidFill>
-                  <a:srgbClr val="0000FF"/>
-                </a:solidFill>
-                <a:latin typeface="Consolas" panose="020B0609020204030204" pitchFamily="49" charset="0"/>
-              </a:rPr>
-              <a:t>        </a:t>
-            </a:r>
-            <a:r>
-              <a:rPr lang="en-US" dirty="0">
-                <a:solidFill>
-                  <a:srgbClr val="0000FF"/>
-                </a:solidFill>
-                <a:latin typeface="Consolas" panose="020B0609020204030204" pitchFamily="49" charset="0"/>
-              </a:rPr>
-              <a:t>private</a:t>
-            </a:r>
-            <a:r>
-              <a:rPr lang="en-US" dirty="0">
-                <a:solidFill>
-                  <a:srgbClr val="000000"/>
-                </a:solidFill>
-                <a:latin typeface="Consolas" panose="020B0609020204030204" pitchFamily="49" charset="0"/>
-              </a:rPr>
-              <a:t> </a:t>
-            </a:r>
-            <a:r>
-              <a:rPr lang="en-US" dirty="0">
-                <a:solidFill>
-                  <a:srgbClr val="0000FF"/>
-                </a:solidFill>
-                <a:latin typeface="Consolas" panose="020B0609020204030204" pitchFamily="49" charset="0"/>
-              </a:rPr>
-              <a:t>void</a:t>
-            </a:r>
-            <a:r>
-              <a:rPr lang="en-US" dirty="0">
-                <a:solidFill>
-                  <a:srgbClr val="000000"/>
-                </a:solidFill>
-                <a:latin typeface="Consolas" panose="020B0609020204030204" pitchFamily="49" charset="0"/>
-              </a:rPr>
-              <a:t> button1_Click(</a:t>
-            </a:r>
-            <a:r>
-              <a:rPr lang="en-US" dirty="0">
-                <a:solidFill>
-                  <a:srgbClr val="0000FF"/>
-                </a:solidFill>
-                <a:latin typeface="Consolas" panose="020B0609020204030204" pitchFamily="49" charset="0"/>
-              </a:rPr>
-              <a:t>object</a:t>
-            </a:r>
-            <a:r>
-              <a:rPr lang="en-US" dirty="0">
-                <a:solidFill>
-                  <a:srgbClr val="000000"/>
-                </a:solidFill>
-                <a:latin typeface="Consolas" panose="020B0609020204030204" pitchFamily="49" charset="0"/>
-              </a:rPr>
-              <a:t> sender, </a:t>
-            </a:r>
-            <a:r>
-              <a:rPr lang="en-US" dirty="0" err="1">
-                <a:solidFill>
-                  <a:srgbClr val="000000"/>
-                </a:solidFill>
-                <a:latin typeface="Consolas" panose="020B0609020204030204" pitchFamily="49" charset="0"/>
-              </a:rPr>
-              <a:t>EventArgs</a:t>
-            </a:r>
-            <a:r>
-              <a:rPr lang="en-US" dirty="0">
-                <a:solidFill>
-                  <a:srgbClr val="000000"/>
-                </a:solidFill>
-                <a:latin typeface="Consolas" panose="020B0609020204030204" pitchFamily="49" charset="0"/>
-              </a:rPr>
-              <a:t> e)</a:t>
-            </a:r>
-          </a:p>
-          <a:p>
-            <a:r>
-              <a:rPr lang="en-US" dirty="0">
-                <a:solidFill>
-                  <a:srgbClr val="000000"/>
-                </a:solidFill>
-                <a:latin typeface="Consolas" panose="020B0609020204030204" pitchFamily="49" charset="0"/>
-              </a:rPr>
-              <a:t>        {</a:t>
-            </a:r>
-          </a:p>
-          <a:p>
-            <a:r>
-              <a:rPr lang="en-US" dirty="0">
-                <a:solidFill>
-                  <a:srgbClr val="000000"/>
-                </a:solidFill>
-                <a:latin typeface="Consolas" panose="020B0609020204030204" pitchFamily="49" charset="0"/>
-              </a:rPr>
-              <a:t>            </a:t>
-            </a:r>
-            <a:r>
-              <a:rPr lang="en-US" dirty="0" err="1">
-                <a:solidFill>
-                  <a:srgbClr val="000000"/>
-                </a:solidFill>
-                <a:latin typeface="Consolas" panose="020B0609020204030204" pitchFamily="49" charset="0"/>
-              </a:rPr>
-              <a:t>MessageBox.Show</a:t>
-            </a:r>
-            <a:r>
-              <a:rPr lang="en-US" dirty="0">
-                <a:solidFill>
-                  <a:srgbClr val="000000"/>
-                </a:solidFill>
-                <a:latin typeface="Consolas" panose="020B0609020204030204" pitchFamily="49" charset="0"/>
-              </a:rPr>
-              <a:t>(</a:t>
-            </a:r>
-            <a:r>
-              <a:rPr lang="en-US" dirty="0">
-                <a:solidFill>
-                  <a:srgbClr val="800000"/>
-                </a:solidFill>
-                <a:latin typeface="Consolas" panose="020B0609020204030204" pitchFamily="49" charset="0"/>
-              </a:rPr>
-              <a:t>$@"Text in </a:t>
-            </a:r>
-            <a:r>
-              <a:rPr lang="en-US" dirty="0" err="1">
-                <a:solidFill>
-                  <a:srgbClr val="800000"/>
-                </a:solidFill>
-                <a:latin typeface="Consolas" panose="020B0609020204030204" pitchFamily="49" charset="0"/>
-              </a:rPr>
-              <a:t>textBox</a:t>
-            </a:r>
-            <a:r>
-              <a:rPr lang="en-US" dirty="0">
-                <a:solidFill>
-                  <a:srgbClr val="800000"/>
-                </a:solidFill>
-                <a:latin typeface="Consolas" panose="020B0609020204030204" pitchFamily="49" charset="0"/>
-              </a:rPr>
-              <a:t>: </a:t>
-            </a:r>
-            <a:r>
-              <a:rPr lang="en-US" dirty="0">
-                <a:solidFill>
-                  <a:srgbClr val="000000"/>
-                </a:solidFill>
-                <a:latin typeface="Consolas" panose="020B0609020204030204" pitchFamily="49" charset="0"/>
-              </a:rPr>
-              <a:t>{textBox1.Text}</a:t>
-            </a:r>
-            <a:r>
-              <a:rPr lang="en-US" dirty="0">
-                <a:solidFill>
-                  <a:srgbClr val="800000"/>
-                </a:solidFill>
-                <a:latin typeface="Consolas" panose="020B0609020204030204" pitchFamily="49" charset="0"/>
-              </a:rPr>
-              <a:t>"</a:t>
-            </a:r>
-            <a:r>
-              <a:rPr lang="en-US" dirty="0">
-                <a:solidFill>
-                  <a:srgbClr val="000000"/>
-                </a:solidFill>
-                <a:latin typeface="Consolas" panose="020B0609020204030204" pitchFamily="49" charset="0"/>
-              </a:rPr>
-              <a:t>);</a:t>
-            </a:r>
-          </a:p>
-          <a:p>
-            <a:r>
-              <a:rPr lang="en-US" dirty="0">
-                <a:solidFill>
-                  <a:srgbClr val="000000"/>
-                </a:solidFill>
-                <a:latin typeface="Consolas" panose="020B0609020204030204" pitchFamily="49" charset="0"/>
-              </a:rPr>
-              <a:t>            textBox1.Text = </a:t>
-            </a:r>
-            <a:r>
-              <a:rPr lang="en-US" dirty="0">
-                <a:solidFill>
-                  <a:srgbClr val="800000"/>
-                </a:solidFill>
-                <a:latin typeface="Consolas" panose="020B0609020204030204" pitchFamily="49" charset="0"/>
-              </a:rPr>
-              <a:t>@"Setting text to </a:t>
-            </a:r>
-            <a:r>
-              <a:rPr lang="en-US" dirty="0" err="1">
-                <a:solidFill>
-                  <a:srgbClr val="800000"/>
-                </a:solidFill>
-                <a:latin typeface="Consolas" panose="020B0609020204030204" pitchFamily="49" charset="0"/>
-              </a:rPr>
-              <a:t>textBox</a:t>
-            </a:r>
-            <a:r>
-              <a:rPr lang="en-US" dirty="0">
-                <a:solidFill>
-                  <a:srgbClr val="800000"/>
-                </a:solidFill>
-                <a:latin typeface="Consolas" panose="020B0609020204030204" pitchFamily="49" charset="0"/>
-              </a:rPr>
-              <a:t>"</a:t>
-            </a:r>
-            <a:r>
-              <a:rPr lang="en-US" dirty="0">
-                <a:solidFill>
-                  <a:srgbClr val="000000"/>
-                </a:solidFill>
-                <a:latin typeface="Consolas" panose="020B0609020204030204" pitchFamily="49" charset="0"/>
-              </a:rPr>
-              <a:t>;</a:t>
-            </a:r>
-          </a:p>
-          <a:p>
-            <a:r>
-              <a:rPr lang="en-US" dirty="0">
-                <a:solidFill>
-                  <a:srgbClr val="000000"/>
-                </a:solidFill>
-                <a:latin typeface="Consolas" panose="020B0609020204030204" pitchFamily="49" charset="0"/>
-              </a:rPr>
-              <a:t>        }</a:t>
-            </a:r>
-            <a:endParaRPr lang="en-US" dirty="0"/>
-          </a:p>
-        </p:txBody>
-      </p:sp>
-    </p:spTree>
-    <p:extLst>
-      <p:ext uri="{BB962C8B-B14F-4D97-AF65-F5344CB8AC3E}">
-        <p14:creationId xmlns:p14="http://schemas.microsoft.com/office/powerpoint/2010/main" val="2330358258"/>
       </p:ext>
     </p:extLst>
   </p:cSld>
@@ -8376,7 +7734,7 @@
           <p:cNvPr id="2" name="Title 1">
             <a:extLst>
               <a:ext uri="{FF2B5EF4-FFF2-40B4-BE49-F238E27FC236}">
-                <a16:creationId xmlns:a16="http://schemas.microsoft.com/office/drawing/2014/main" id="{12C8EDA6-0160-4746-8AB3-42BE0F0D4CDB}"/>
+                <a16:creationId xmlns:a16="http://schemas.microsoft.com/office/drawing/2014/main" id="{2DE417A3-1B7F-49A3-80AC-FD749D717D82}"/>
               </a:ext>
             </a:extLst>
           </p:cNvPr>
@@ -8393,12 +7751,8 @@
           <a:lstStyle/>
           <a:p>
             <a:r>
-              <a:rPr lang="en-US" dirty="0"/>
-              <a:t>T</a:t>
-            </a:r>
-            <a:r>
               <a:rPr lang="cs-CZ" dirty="0"/>
-              <a:t>řidy</a:t>
+              <a:t>Testování SW</a:t>
             </a:r>
             <a:endParaRPr lang="en-US" dirty="0"/>
           </a:p>
@@ -8406,601 +7760,179 @@
       </p:sp>
       <p:sp>
         <p:nvSpPr>
-          <p:cNvPr id="4" name="Rectangle 3">
+          <p:cNvPr id="3" name="Content Placeholder 2">
             <a:extLst>
               <a:ext uri="{FF2B5EF4-FFF2-40B4-BE49-F238E27FC236}">
-                <a16:creationId xmlns:a16="http://schemas.microsoft.com/office/drawing/2014/main" id="{A2F34B64-2ED7-4E70-9057-7A7083AAFDA0}"/>
+                <a16:creationId xmlns:a16="http://schemas.microsoft.com/office/drawing/2014/main" id="{E8C03075-A65C-4B0C-896F-962D90AC2C5D}"/>
               </a:ext>
             </a:extLst>
           </p:cNvPr>
-          <p:cNvSpPr/>
-          <p:nvPr/>
-        </p:nvSpPr>
-        <p:spPr>
-          <a:xfrm>
-            <a:off x="1571537" y="1435413"/>
-            <a:ext cx="10248551" cy="5078313"/>
-          </a:xfrm>
-          <a:prstGeom prst="rect">
-            <a:avLst/>
-          </a:prstGeom>
-        </p:spPr>
-        <p:txBody>
-          <a:bodyPr wrap="square">
-            <a:spAutoFit/>
-          </a:bodyPr>
+          <p:cNvSpPr>
+            <a:spLocks noGrp="1"/>
+          </p:cNvSpPr>
+          <p:nvPr>
+            <p:ph idx="1"/>
+          </p:nvPr>
+        </p:nvSpPr>
+        <p:spPr/>
+        <p:txBody>
+          <a:bodyPr/>
           <a:lstStyle/>
           <a:p>
             <a:r>
-              <a:rPr lang="en-US" dirty="0">
-                <a:solidFill>
-                  <a:srgbClr val="000000"/>
-                </a:solidFill>
-                <a:latin typeface="Consolas" panose="020B0609020204030204" pitchFamily="49" charset="0"/>
-              </a:rPr>
+              <a:rPr lang="en-US" dirty="0" err="1"/>
+              <a:t>proces</a:t>
+            </a:r>
+            <a:r>
+              <a:rPr lang="en-US" dirty="0"/>
               <a:t> </a:t>
             </a:r>
             <a:r>
-              <a:rPr lang="en-US" dirty="0">
-                <a:solidFill>
-                  <a:srgbClr val="0000FF"/>
-                </a:solidFill>
-                <a:latin typeface="Consolas" panose="020B0609020204030204" pitchFamily="49" charset="0"/>
-              </a:rPr>
-              <a:t>class</a:t>
-            </a:r>
-            <a:r>
-              <a:rPr lang="en-US" dirty="0">
-                <a:solidFill>
-                  <a:srgbClr val="000000"/>
-                </a:solidFill>
-                <a:latin typeface="Consolas" panose="020B0609020204030204" pitchFamily="49" charset="0"/>
-              </a:rPr>
+              <a:rPr lang="en-US" dirty="0" err="1"/>
+              <a:t>při</a:t>
+            </a:r>
+            <a:r>
+              <a:rPr lang="en-US" dirty="0"/>
               <a:t> </a:t>
             </a:r>
             <a:r>
-              <a:rPr lang="en-US" dirty="0">
-                <a:solidFill>
-                  <a:srgbClr val="2B91AF"/>
-                </a:solidFill>
-                <a:latin typeface="Consolas" panose="020B0609020204030204" pitchFamily="49" charset="0"/>
-              </a:rPr>
-              <a:t>Person</a:t>
-            </a:r>
-            <a:endParaRPr lang="en-US" dirty="0">
-              <a:solidFill>
-                <a:srgbClr val="000000"/>
-              </a:solidFill>
-              <a:latin typeface="Consolas" panose="020B0609020204030204" pitchFamily="49" charset="0"/>
-            </a:endParaRPr>
-          </a:p>
-          <a:p>
-            <a:r>
-              <a:rPr lang="en-US" dirty="0">
-                <a:solidFill>
-                  <a:srgbClr val="000000"/>
-                </a:solidFill>
-                <a:latin typeface="Consolas" panose="020B0609020204030204" pitchFamily="49" charset="0"/>
-              </a:rPr>
-              <a:t>    {</a:t>
-            </a:r>
-          </a:p>
-          <a:p>
-            <a:r>
-              <a:rPr lang="en-US" dirty="0">
-                <a:solidFill>
-                  <a:srgbClr val="000000"/>
-                </a:solidFill>
-                <a:latin typeface="Consolas" panose="020B0609020204030204" pitchFamily="49" charset="0"/>
-              </a:rPr>
-              <a:t>        </a:t>
-            </a:r>
-            <a:r>
-              <a:rPr lang="en-US" dirty="0">
-                <a:solidFill>
-                  <a:srgbClr val="0000FF"/>
-                </a:solidFill>
-                <a:latin typeface="Consolas" panose="020B0609020204030204" pitchFamily="49" charset="0"/>
-              </a:rPr>
-              <a:t>public</a:t>
-            </a:r>
-            <a:r>
-              <a:rPr lang="en-US" dirty="0">
-                <a:solidFill>
-                  <a:srgbClr val="000000"/>
-                </a:solidFill>
-                <a:latin typeface="Consolas" panose="020B0609020204030204" pitchFamily="49" charset="0"/>
-              </a:rPr>
+              <a:rPr lang="en-US" dirty="0" err="1"/>
+              <a:t>kterém</a:t>
+            </a:r>
+            <a:r>
+              <a:rPr lang="en-US" dirty="0"/>
+              <a:t> je </a:t>
+            </a:r>
+            <a:r>
+              <a:rPr lang="en-US" dirty="0" err="1"/>
+              <a:t>zjišťováno</a:t>
+            </a:r>
+            <a:r>
+              <a:rPr lang="en-US" dirty="0"/>
               <a:t> </a:t>
             </a:r>
             <a:r>
-              <a:rPr lang="en-US" dirty="0">
-                <a:solidFill>
-                  <a:srgbClr val="0000FF"/>
-                </a:solidFill>
-                <a:latin typeface="Consolas" panose="020B0609020204030204" pitchFamily="49" charset="0"/>
-              </a:rPr>
-              <a:t>string</a:t>
-            </a:r>
-            <a:r>
-              <a:rPr lang="en-US" dirty="0">
-                <a:solidFill>
-                  <a:srgbClr val="000000"/>
-                </a:solidFill>
-                <a:latin typeface="Consolas" panose="020B0609020204030204" pitchFamily="49" charset="0"/>
-              </a:rPr>
-              <a:t> Name; </a:t>
-            </a:r>
-            <a:r>
-              <a:rPr lang="en-US" dirty="0">
-                <a:solidFill>
-                  <a:srgbClr val="008000"/>
-                </a:solidFill>
-                <a:latin typeface="Consolas" panose="020B0609020204030204" pitchFamily="49" charset="0"/>
-              </a:rPr>
-              <a:t>// accessible from other object via reference</a:t>
-            </a:r>
-            <a:endParaRPr lang="en-US" dirty="0">
-              <a:solidFill>
-                <a:srgbClr val="000000"/>
-              </a:solidFill>
-              <a:latin typeface="Consolas" panose="020B0609020204030204" pitchFamily="49" charset="0"/>
-            </a:endParaRPr>
-          </a:p>
-          <a:p>
-            <a:r>
-              <a:rPr lang="en-US" dirty="0">
-                <a:solidFill>
-                  <a:srgbClr val="000000"/>
-                </a:solidFill>
-                <a:latin typeface="Consolas" panose="020B0609020204030204" pitchFamily="49" charset="0"/>
-              </a:rPr>
-              <a:t>        </a:t>
-            </a:r>
-            <a:r>
-              <a:rPr lang="en-US" dirty="0">
-                <a:solidFill>
-                  <a:srgbClr val="0000FF"/>
-                </a:solidFill>
-                <a:latin typeface="Consolas" panose="020B0609020204030204" pitchFamily="49" charset="0"/>
-              </a:rPr>
-              <a:t>private</a:t>
-            </a:r>
-            <a:r>
-              <a:rPr lang="en-US" dirty="0">
-                <a:solidFill>
-                  <a:srgbClr val="000000"/>
-                </a:solidFill>
-                <a:latin typeface="Consolas" panose="020B0609020204030204" pitchFamily="49" charset="0"/>
-              </a:rPr>
+              <a:rPr lang="en-US" dirty="0" err="1"/>
+              <a:t>jestli</a:t>
+            </a:r>
+            <a:r>
+              <a:rPr lang="cs-CZ" dirty="0"/>
+              <a:t> je</a:t>
+            </a:r>
+            <a:r>
+              <a:rPr lang="en-US" dirty="0"/>
+              <a:t> SW </a:t>
+            </a:r>
+            <a:r>
+              <a:rPr lang="cs-CZ" dirty="0"/>
+              <a:t>v souladu s</a:t>
+            </a:r>
+            <a:r>
+              <a:rPr lang="en-US" dirty="0"/>
               <a:t> </a:t>
             </a:r>
             <a:r>
-              <a:rPr lang="en-US" dirty="0">
-                <a:solidFill>
-                  <a:srgbClr val="0000FF"/>
-                </a:solidFill>
-                <a:latin typeface="Consolas" panose="020B0609020204030204" pitchFamily="49" charset="0"/>
-              </a:rPr>
-              <a:t>int</a:t>
-            </a:r>
-            <a:r>
-              <a:rPr lang="en-US" dirty="0">
-                <a:solidFill>
-                  <a:srgbClr val="000000"/>
-                </a:solidFill>
-                <a:latin typeface="Consolas" panose="020B0609020204030204" pitchFamily="49" charset="0"/>
-              </a:rPr>
-              <a:t> Age; </a:t>
-            </a:r>
-            <a:r>
-              <a:rPr lang="en-US" dirty="0">
-                <a:solidFill>
-                  <a:srgbClr val="008000"/>
-                </a:solidFill>
-                <a:latin typeface="Consolas" panose="020B0609020204030204" pitchFamily="49" charset="0"/>
-              </a:rPr>
-              <a:t>// accessible only from inside the class</a:t>
-            </a:r>
-            <a:endParaRPr lang="en-US" dirty="0">
-              <a:solidFill>
-                <a:srgbClr val="000000"/>
-              </a:solidFill>
-              <a:latin typeface="Consolas" panose="020B0609020204030204" pitchFamily="49" charset="0"/>
-            </a:endParaRPr>
-          </a:p>
-          <a:p>
-            <a:endParaRPr lang="en-US" dirty="0">
-              <a:solidFill>
-                <a:srgbClr val="000000"/>
-              </a:solidFill>
-              <a:latin typeface="Consolas" panose="020B0609020204030204" pitchFamily="49" charset="0"/>
-            </a:endParaRPr>
-          </a:p>
-          <a:p>
-            <a:r>
-              <a:rPr lang="en-US" dirty="0">
-                <a:solidFill>
-                  <a:srgbClr val="000000"/>
-                </a:solidFill>
-                <a:latin typeface="Consolas" panose="020B0609020204030204" pitchFamily="49" charset="0"/>
-              </a:rPr>
-              <a:t>        </a:t>
-            </a:r>
-            <a:r>
-              <a:rPr lang="en-US" dirty="0">
-                <a:solidFill>
-                  <a:srgbClr val="008000"/>
-                </a:solidFill>
-                <a:latin typeface="Consolas" panose="020B0609020204030204" pitchFamily="49" charset="0"/>
-              </a:rPr>
-              <a:t>// constructor =&gt; method called every time when new instance</a:t>
-            </a:r>
-            <a:endParaRPr lang="en-US" dirty="0">
-              <a:solidFill>
-                <a:srgbClr val="000000"/>
-              </a:solidFill>
-              <a:latin typeface="Consolas" panose="020B0609020204030204" pitchFamily="49" charset="0"/>
-            </a:endParaRPr>
-          </a:p>
-          <a:p>
-            <a:r>
-              <a:rPr lang="en-US" dirty="0">
-                <a:solidFill>
-                  <a:srgbClr val="000000"/>
-                </a:solidFill>
-                <a:latin typeface="Consolas" panose="020B0609020204030204" pitchFamily="49" charset="0"/>
-              </a:rPr>
-              <a:t>        </a:t>
-            </a:r>
-            <a:r>
-              <a:rPr lang="en-US" dirty="0">
-                <a:solidFill>
-                  <a:srgbClr val="008000"/>
-                </a:solidFill>
-                <a:latin typeface="Consolas" panose="020B0609020204030204" pitchFamily="49" charset="0"/>
-              </a:rPr>
-              <a:t>// is created</a:t>
-            </a:r>
-            <a:endParaRPr lang="en-US" dirty="0">
-              <a:solidFill>
-                <a:srgbClr val="000000"/>
-              </a:solidFill>
-              <a:latin typeface="Consolas" panose="020B0609020204030204" pitchFamily="49" charset="0"/>
-            </a:endParaRPr>
-          </a:p>
-          <a:p>
-            <a:r>
-              <a:rPr lang="en-US" dirty="0">
-                <a:solidFill>
-                  <a:srgbClr val="000000"/>
-                </a:solidFill>
-                <a:latin typeface="Consolas" panose="020B0609020204030204" pitchFamily="49" charset="0"/>
-              </a:rPr>
-              <a:t>        </a:t>
-            </a:r>
-            <a:r>
-              <a:rPr lang="en-US" dirty="0">
-                <a:solidFill>
-                  <a:srgbClr val="0000FF"/>
-                </a:solidFill>
-                <a:latin typeface="Consolas" panose="020B0609020204030204" pitchFamily="49" charset="0"/>
-              </a:rPr>
-              <a:t>public</a:t>
-            </a:r>
-            <a:r>
-              <a:rPr lang="en-US" dirty="0">
-                <a:solidFill>
-                  <a:srgbClr val="000000"/>
-                </a:solidFill>
-                <a:latin typeface="Consolas" panose="020B0609020204030204" pitchFamily="49" charset="0"/>
-              </a:rPr>
+              <a:rPr lang="en-US" dirty="0" err="1"/>
+              <a:t>jeho</a:t>
+            </a:r>
+            <a:r>
+              <a:rPr lang="cs-CZ" dirty="0"/>
               <a:t> </a:t>
             </a:r>
             <a:r>
-              <a:rPr lang="en-US" dirty="0">
-                <a:solidFill>
-                  <a:srgbClr val="2B91AF"/>
-                </a:solidFill>
-                <a:latin typeface="Consolas" panose="020B0609020204030204" pitchFamily="49" charset="0"/>
-              </a:rPr>
-              <a:t>Person</a:t>
-            </a:r>
-            <a:r>
-              <a:rPr lang="en-US" dirty="0">
-                <a:solidFill>
-                  <a:srgbClr val="000000"/>
-                </a:solidFill>
-                <a:latin typeface="Consolas" panose="020B0609020204030204" pitchFamily="49" charset="0"/>
-              </a:rPr>
-              <a:t>(</a:t>
-            </a:r>
-            <a:r>
-              <a:rPr lang="en-US" dirty="0">
-                <a:solidFill>
-                  <a:srgbClr val="0000FF"/>
-                </a:solidFill>
-                <a:latin typeface="Consolas" panose="020B0609020204030204" pitchFamily="49" charset="0"/>
-              </a:rPr>
-              <a:t>int</a:t>
-            </a:r>
-            <a:r>
-              <a:rPr lang="en-US" dirty="0">
-                <a:solidFill>
-                  <a:srgbClr val="000000"/>
-                </a:solidFill>
-                <a:latin typeface="Consolas" panose="020B0609020204030204" pitchFamily="49" charset="0"/>
-              </a:rPr>
-              <a:t> age)</a:t>
-            </a:r>
-          </a:p>
-          <a:p>
-            <a:r>
-              <a:rPr lang="en-US" dirty="0">
-                <a:solidFill>
-                  <a:srgbClr val="000000"/>
-                </a:solidFill>
-                <a:latin typeface="Consolas" panose="020B0609020204030204" pitchFamily="49" charset="0"/>
-              </a:rPr>
-              <a:t>        {</a:t>
-            </a:r>
-          </a:p>
-          <a:p>
-            <a:r>
-              <a:rPr lang="en-US" dirty="0">
-                <a:solidFill>
-                  <a:srgbClr val="000000"/>
-                </a:solidFill>
-                <a:latin typeface="Consolas" panose="020B0609020204030204" pitchFamily="49" charset="0"/>
-              </a:rPr>
-              <a:t>            </a:t>
-            </a:r>
-            <a:r>
-              <a:rPr lang="en-US" dirty="0" err="1">
-                <a:solidFill>
-                  <a:srgbClr val="000000"/>
-                </a:solidFill>
-                <a:latin typeface="Consolas" panose="020B0609020204030204" pitchFamily="49" charset="0"/>
-              </a:rPr>
-              <a:t>Console.WriteLine</a:t>
-            </a:r>
-            <a:r>
-              <a:rPr lang="en-US" dirty="0">
-                <a:solidFill>
-                  <a:srgbClr val="000000"/>
-                </a:solidFill>
-                <a:latin typeface="Consolas" panose="020B0609020204030204" pitchFamily="49" charset="0"/>
-              </a:rPr>
-              <a:t>(</a:t>
-            </a:r>
-            <a:r>
-              <a:rPr lang="en-US" dirty="0">
-                <a:solidFill>
-                  <a:srgbClr val="A31515"/>
-                </a:solidFill>
-                <a:latin typeface="Consolas" panose="020B0609020204030204" pitchFamily="49" charset="0"/>
-              </a:rPr>
-              <a:t>"New instance of Person was just created."</a:t>
-            </a:r>
-            <a:r>
-              <a:rPr lang="en-US" dirty="0">
-                <a:solidFill>
-                  <a:srgbClr val="000000"/>
-                </a:solidFill>
-                <a:latin typeface="Consolas" panose="020B0609020204030204" pitchFamily="49" charset="0"/>
-              </a:rPr>
-              <a:t>);</a:t>
-            </a:r>
-          </a:p>
-          <a:p>
-            <a:r>
-              <a:rPr lang="en-US" dirty="0">
-                <a:solidFill>
-                  <a:srgbClr val="000000"/>
-                </a:solidFill>
-                <a:latin typeface="Consolas" panose="020B0609020204030204" pitchFamily="49" charset="0"/>
-              </a:rPr>
-              <a:t>            Age = age;</a:t>
-            </a:r>
-          </a:p>
-          <a:p>
-            <a:r>
-              <a:rPr lang="en-US" dirty="0">
-                <a:solidFill>
-                  <a:srgbClr val="000000"/>
-                </a:solidFill>
-                <a:latin typeface="Consolas" panose="020B0609020204030204" pitchFamily="49" charset="0"/>
-              </a:rPr>
-              <a:t>        }</a:t>
-            </a:r>
-          </a:p>
-          <a:p>
-            <a:endParaRPr lang="en-US" dirty="0">
-              <a:solidFill>
-                <a:srgbClr val="000000"/>
-              </a:solidFill>
-              <a:latin typeface="Consolas" panose="020B0609020204030204" pitchFamily="49" charset="0"/>
-            </a:endParaRPr>
-          </a:p>
-          <a:p>
-            <a:r>
-              <a:rPr lang="en-US" dirty="0">
-                <a:solidFill>
-                  <a:srgbClr val="000000"/>
-                </a:solidFill>
-                <a:latin typeface="Consolas" panose="020B0609020204030204" pitchFamily="49" charset="0"/>
-              </a:rPr>
-              <a:t>        </a:t>
-            </a:r>
-            <a:r>
-              <a:rPr lang="en-US" dirty="0">
-                <a:solidFill>
-                  <a:srgbClr val="0000FF"/>
-                </a:solidFill>
-                <a:latin typeface="Consolas" panose="020B0609020204030204" pitchFamily="49" charset="0"/>
-              </a:rPr>
-              <a:t>public</a:t>
-            </a:r>
-            <a:r>
-              <a:rPr lang="en-US" dirty="0">
-                <a:solidFill>
-                  <a:srgbClr val="000000"/>
-                </a:solidFill>
-                <a:latin typeface="Consolas" panose="020B0609020204030204" pitchFamily="49" charset="0"/>
-              </a:rPr>
+              <a:rPr lang="en-US" dirty="0"/>
+              <a:t>(funk</a:t>
+            </a:r>
+            <a:r>
+              <a:rPr lang="cs-CZ" dirty="0"/>
+              <a:t>ční</a:t>
+            </a:r>
+            <a:r>
+              <a:rPr lang="en-US" dirty="0"/>
+              <a:t>) </a:t>
+            </a:r>
+            <a:r>
+              <a:rPr lang="en-US" dirty="0" err="1"/>
+              <a:t>specifikaci</a:t>
+            </a:r>
+            <a:endParaRPr lang="cs-CZ" dirty="0"/>
+          </a:p>
+          <a:p>
+            <a:r>
+              <a:rPr lang="en-US" dirty="0" err="1"/>
+              <a:t>manuální</a:t>
+            </a:r>
+            <a:r>
+              <a:rPr lang="en-US" dirty="0"/>
+              <a:t> x </a:t>
+            </a:r>
+            <a:r>
+              <a:rPr lang="cs-CZ" dirty="0"/>
+              <a:t>automatické</a:t>
+            </a:r>
+          </a:p>
+          <a:p>
+            <a:r>
+              <a:rPr lang="cs-CZ" dirty="0"/>
+              <a:t>černá x bílá skříňka</a:t>
+            </a:r>
+          </a:p>
+          <a:p>
+            <a:r>
+              <a:rPr lang="en-US" dirty="0" err="1"/>
+              <a:t>typy</a:t>
+            </a:r>
+            <a:r>
+              <a:rPr lang="en-US" dirty="0"/>
               <a:t> </a:t>
             </a:r>
             <a:r>
-              <a:rPr lang="en-US" dirty="0">
-                <a:solidFill>
-                  <a:srgbClr val="0000FF"/>
-                </a:solidFill>
-                <a:latin typeface="Consolas" panose="020B0609020204030204" pitchFamily="49" charset="0"/>
-              </a:rPr>
-              <a:t>void</a:t>
-            </a:r>
-            <a:r>
-              <a:rPr lang="en-US" dirty="0">
-                <a:solidFill>
-                  <a:srgbClr val="000000"/>
-                </a:solidFill>
-                <a:latin typeface="Consolas" panose="020B0609020204030204" pitchFamily="49" charset="0"/>
-              </a:rPr>
+              <a:rPr lang="en-US" dirty="0" err="1"/>
+              <a:t>automatických</a:t>
+            </a:r>
+            <a:r>
+              <a:rPr lang="en-US" dirty="0"/>
               <a:t> </a:t>
             </a:r>
             <a:r>
-              <a:rPr lang="en-US" dirty="0" err="1">
-                <a:solidFill>
-                  <a:srgbClr val="000000"/>
-                </a:solidFill>
-                <a:latin typeface="Consolas" panose="020B0609020204030204" pitchFamily="49" charset="0"/>
-              </a:rPr>
-              <a:t>ShowMyInfo</a:t>
-            </a:r>
-            <a:r>
-              <a:rPr lang="en-US" dirty="0">
-                <a:solidFill>
-                  <a:srgbClr val="000000"/>
-                </a:solidFill>
-                <a:latin typeface="Consolas" panose="020B0609020204030204" pitchFamily="49" charset="0"/>
-              </a:rPr>
-              <a:t>()</a:t>
-            </a:r>
-          </a:p>
-          <a:p>
-            <a:r>
-              <a:rPr lang="en-US" dirty="0">
-                <a:solidFill>
-                  <a:srgbClr val="000000"/>
-                </a:solidFill>
-                <a:latin typeface="Consolas" panose="020B0609020204030204" pitchFamily="49" charset="0"/>
-              </a:rPr>
-              <a:t>        {</a:t>
-            </a:r>
-          </a:p>
-          <a:p>
-            <a:r>
-              <a:rPr lang="en-US" dirty="0">
-                <a:solidFill>
-                  <a:srgbClr val="000000"/>
-                </a:solidFill>
-                <a:latin typeface="Consolas" panose="020B0609020204030204" pitchFamily="49" charset="0"/>
-              </a:rPr>
-              <a:t>            </a:t>
-            </a:r>
-            <a:r>
-              <a:rPr lang="en-US" dirty="0" err="1">
-                <a:solidFill>
-                  <a:srgbClr val="000000"/>
-                </a:solidFill>
-                <a:latin typeface="Consolas" panose="020B0609020204030204" pitchFamily="49" charset="0"/>
-              </a:rPr>
-              <a:t>Console.WriteLine</a:t>
-            </a:r>
-            <a:r>
-              <a:rPr lang="en-US" dirty="0">
-                <a:solidFill>
-                  <a:srgbClr val="000000"/>
-                </a:solidFill>
-                <a:latin typeface="Consolas" panose="020B0609020204030204" pitchFamily="49" charset="0"/>
-              </a:rPr>
-              <a:t>(</a:t>
-            </a:r>
-            <a:r>
-              <a:rPr lang="en-US" dirty="0">
-                <a:solidFill>
-                  <a:srgbClr val="A31515"/>
-                </a:solidFill>
-                <a:latin typeface="Consolas" panose="020B0609020204030204" pitchFamily="49" charset="0"/>
-              </a:rPr>
-              <a:t>$"</a:t>
-            </a:r>
-            <a:r>
-              <a:rPr lang="en-US" dirty="0">
-                <a:solidFill>
-                  <a:srgbClr val="000000"/>
-                </a:solidFill>
-                <a:latin typeface="Consolas" panose="020B0609020204030204" pitchFamily="49" charset="0"/>
-              </a:rPr>
-              <a:t>{Name}</a:t>
-            </a:r>
-            <a:r>
-              <a:rPr lang="en-US" dirty="0">
-                <a:solidFill>
-                  <a:srgbClr val="A31515"/>
-                </a:solidFill>
-                <a:latin typeface="Consolas" panose="020B0609020204030204" pitchFamily="49" charset="0"/>
-              </a:rPr>
-              <a:t>, </a:t>
-            </a:r>
-            <a:r>
-              <a:rPr lang="en-US" dirty="0">
-                <a:solidFill>
-                  <a:srgbClr val="000000"/>
-                </a:solidFill>
-                <a:latin typeface="Consolas" panose="020B0609020204030204" pitchFamily="49" charset="0"/>
-              </a:rPr>
-              <a:t>{Age}</a:t>
-            </a:r>
-            <a:r>
-              <a:rPr lang="en-US" dirty="0">
-                <a:solidFill>
-                  <a:srgbClr val="A31515"/>
-                </a:solidFill>
-                <a:latin typeface="Consolas" panose="020B0609020204030204" pitchFamily="49" charset="0"/>
-              </a:rPr>
-              <a:t>"</a:t>
-            </a:r>
-            <a:r>
-              <a:rPr lang="en-US" dirty="0">
-                <a:solidFill>
-                  <a:srgbClr val="000000"/>
-                </a:solidFill>
-                <a:latin typeface="Consolas" panose="020B0609020204030204" pitchFamily="49" charset="0"/>
-              </a:rPr>
-              <a:t>);</a:t>
-            </a:r>
-          </a:p>
-          <a:p>
-            <a:r>
-              <a:rPr lang="en-US" dirty="0">
-                <a:solidFill>
-                  <a:srgbClr val="000000"/>
-                </a:solidFill>
-                <a:latin typeface="Consolas" panose="020B0609020204030204" pitchFamily="49" charset="0"/>
-              </a:rPr>
-              <a:t>        }</a:t>
-            </a:r>
-          </a:p>
-          <a:p>
-            <a:r>
-              <a:rPr lang="en-US" dirty="0">
-                <a:solidFill>
-                  <a:srgbClr val="000000"/>
-                </a:solidFill>
-                <a:latin typeface="Consolas" panose="020B0609020204030204" pitchFamily="49" charset="0"/>
-              </a:rPr>
-              <a:t>    }</a:t>
+              <a:rPr lang="en-US" dirty="0" err="1"/>
+              <a:t>testů</a:t>
+            </a:r>
+            <a:r>
+              <a:rPr lang="en-US" dirty="0"/>
+              <a:t> (unit, </a:t>
+            </a:r>
+            <a:r>
+              <a:rPr lang="en-US" dirty="0" err="1"/>
+              <a:t>integrační</a:t>
+            </a:r>
+            <a:r>
+              <a:rPr lang="en-US" dirty="0"/>
+              <a:t>, UI, performance)</a:t>
+            </a:r>
+            <a:endParaRPr lang="cs-CZ" dirty="0"/>
+          </a:p>
+          <a:p>
+            <a:r>
+              <a:rPr lang="cs-CZ" dirty="0"/>
+              <a:t>pokrytí</a:t>
+            </a:r>
+          </a:p>
+          <a:p>
+            <a:r>
+              <a:rPr lang="cs-CZ" dirty="0"/>
+              <a:t>zaručení kvality </a:t>
+            </a:r>
+            <a:r>
+              <a:rPr lang="en-US" dirty="0"/>
+              <a:t>(CI)</a:t>
+            </a:r>
+            <a:endParaRPr lang="cs-CZ" dirty="0"/>
+          </a:p>
+          <a:p>
+            <a:r>
+              <a:rPr lang="cs-CZ" dirty="0"/>
+              <a:t>Monolit x Microservice</a:t>
             </a:r>
             <a:endParaRPr lang="en-US" dirty="0"/>
           </a:p>
@@ -9009,7 +7941,7 @@
     </p:spTree>
     <p:extLst>
       <p:ext uri="{BB962C8B-B14F-4D97-AF65-F5344CB8AC3E}">
-        <p14:creationId xmlns:p14="http://schemas.microsoft.com/office/powerpoint/2010/main" val="1099940652"/>
+        <p14:creationId xmlns:p14="http://schemas.microsoft.com/office/powerpoint/2010/main" val="4010936206"/>
       </p:ext>
     </p:extLst>
   </p:cSld>
@@ -9041,7 +7973,7 @@
           <p:cNvPr id="2" name="Title 1">
             <a:extLst>
               <a:ext uri="{FF2B5EF4-FFF2-40B4-BE49-F238E27FC236}">
-                <a16:creationId xmlns:a16="http://schemas.microsoft.com/office/drawing/2014/main" id="{68D35851-E3B2-4A9E-AA68-57537F83FAF4}"/>
+                <a16:creationId xmlns:a16="http://schemas.microsoft.com/office/drawing/2014/main" id="{72788D0E-6495-40DB-A184-C4886AE5D554}"/>
               </a:ext>
             </a:extLst>
           </p:cNvPr>
@@ -9058,10 +7990,9 @@
           <a:lstStyle/>
           <a:p>
             <a:r>
-              <a:rPr lang="cs-CZ" dirty="0"/>
-              <a:t>Objekty</a:t>
-            </a:r>
-            <a:endParaRPr lang="en-US" dirty="0"/>
+              <a:rPr lang="en-US" dirty="0"/>
+              <a:t>Unit testy</a:t>
+            </a:r>
           </a:p>
         </p:txBody>
       </p:sp>
@@ -9070,7 +8001,7 @@
           <p:cNvPr id="3" name="Content Placeholder 2">
             <a:extLst>
               <a:ext uri="{FF2B5EF4-FFF2-40B4-BE49-F238E27FC236}">
-                <a16:creationId xmlns:a16="http://schemas.microsoft.com/office/drawing/2014/main" id="{FF41565E-10DA-4632-B29E-7B40E6F9122B}"/>
+                <a16:creationId xmlns:a16="http://schemas.microsoft.com/office/drawing/2014/main" id="{6E208A28-C975-40ED-BE50-CD2EA5A9BDB4}"/>
               </a:ext>
             </a:extLst>
           </p:cNvPr>
@@ -9087,351 +8018,283 @@
           <a:lstStyle/>
           <a:p>
             <a:r>
+              <a:rPr lang="en-US" dirty="0" err="1"/>
+              <a:t>většinou</a:t>
+            </a:r>
+            <a:r>
+              <a:rPr lang="en-US" dirty="0"/>
+              <a:t> </a:t>
+            </a:r>
+            <a:r>
+              <a:rPr lang="en-US" dirty="0" err="1"/>
+              <a:t>automatické</a:t>
+            </a:r>
+            <a:r>
+              <a:rPr lang="en-US" dirty="0"/>
+              <a:t> testy, </a:t>
+            </a:r>
+            <a:r>
+              <a:rPr lang="en-US" dirty="0" err="1"/>
+              <a:t>které</a:t>
+            </a:r>
+            <a:r>
+              <a:rPr lang="en-US" dirty="0"/>
+              <a:t> </a:t>
+            </a:r>
+            <a:r>
+              <a:rPr lang="en-US" dirty="0" err="1"/>
+              <a:t>testují</a:t>
+            </a:r>
+            <a:r>
+              <a:rPr lang="en-US" dirty="0"/>
+              <a:t> </a:t>
+            </a:r>
+            <a:r>
+              <a:rPr lang="en-US" dirty="0" err="1"/>
+              <a:t>určitou</a:t>
+            </a:r>
+            <a:r>
+              <a:rPr lang="en-US" dirty="0"/>
+              <a:t> </a:t>
+            </a:r>
+            <a:r>
+              <a:rPr lang="en-US" dirty="0" err="1"/>
+              <a:t>část</a:t>
+            </a:r>
+            <a:r>
+              <a:rPr lang="en-US" dirty="0"/>
+              <a:t> SW</a:t>
+            </a:r>
+            <a:endParaRPr lang="cs-CZ" dirty="0"/>
+          </a:p>
+          <a:p>
+            <a:r>
+              <a:rPr lang="en-US" dirty="0" err="1"/>
+              <a:t>nutnost</a:t>
+            </a:r>
+            <a:r>
+              <a:rPr lang="en-US" dirty="0"/>
+              <a:t> </a:t>
+            </a:r>
+            <a:r>
+              <a:rPr lang="en-US" dirty="0" err="1"/>
+              <a:t>odstínění</a:t>
+            </a:r>
+            <a:r>
+              <a:rPr lang="en-US" dirty="0"/>
+              <a:t> </a:t>
+            </a:r>
+            <a:r>
+              <a:rPr lang="en-US" dirty="0" err="1"/>
+              <a:t>závislostí</a:t>
+            </a:r>
+            <a:r>
+              <a:rPr lang="en-US" dirty="0"/>
+              <a:t> (</a:t>
+            </a:r>
+            <a:r>
+              <a:rPr lang="en-US" dirty="0" err="1"/>
+              <a:t>mocky</a:t>
+            </a:r>
+            <a:r>
+              <a:rPr lang="en-US" dirty="0"/>
+              <a:t>, fake data, ...)</a:t>
+            </a:r>
+            <a:endParaRPr lang="cs-CZ" dirty="0"/>
+          </a:p>
+          <a:p>
+            <a:r>
+              <a:rPr lang="en-US" dirty="0" err="1"/>
+              <a:t>množina</a:t>
+            </a:r>
+            <a:r>
+              <a:rPr lang="en-US" dirty="0"/>
+              <a:t> </a:t>
+            </a:r>
+            <a:r>
+              <a:rPr lang="en-US" dirty="0" err="1"/>
+              <a:t>vstupních</a:t>
+            </a:r>
+            <a:r>
+              <a:rPr lang="en-US" dirty="0"/>
+              <a:t> </a:t>
+            </a:r>
+            <a:r>
+              <a:rPr lang="en-US" dirty="0" err="1"/>
+              <a:t>dat</a:t>
+            </a:r>
+            <a:r>
+              <a:rPr lang="en-US" dirty="0"/>
+              <a:t> =&gt; </a:t>
+            </a:r>
+            <a:r>
+              <a:rPr lang="en-US" dirty="0" err="1"/>
+              <a:t>očekávaný</a:t>
+            </a:r>
+            <a:r>
+              <a:rPr lang="en-US" dirty="0"/>
+              <a:t> </a:t>
+            </a:r>
+            <a:r>
+              <a:rPr lang="en-US" dirty="0" err="1"/>
+              <a:t>výstup</a:t>
+            </a:r>
+            <a:r>
               <a:rPr lang="cs-CZ" dirty="0"/>
-              <a:t>Konkrétní instance dané třídy, nacházející se v daném stavu (nabývají konkrétní hodnoty) a poskytující rozhraní definované třídou.</a:t>
-            </a:r>
+              <a:t> </a:t>
+            </a:r>
+          </a:p>
+          <a:p>
+            <a:r>
+              <a:rPr lang="en-US" dirty="0"/>
+              <a:t>pro </a:t>
+            </a:r>
+            <a:r>
+              <a:rPr lang="en-US" dirty="0" err="1"/>
+              <a:t>každou</a:t>
+            </a:r>
+            <a:r>
+              <a:rPr lang="en-US" dirty="0"/>
+              <a:t> </a:t>
+            </a:r>
+            <a:r>
+              <a:rPr lang="en-US" dirty="0" err="1"/>
+              <a:t>část</a:t>
+            </a:r>
+            <a:r>
+              <a:rPr lang="en-US" dirty="0"/>
+              <a:t> </a:t>
+            </a:r>
+            <a:r>
+              <a:rPr lang="en-US" dirty="0" err="1"/>
+              <a:t>programu</a:t>
+            </a:r>
+            <a:r>
+              <a:rPr lang="en-US" dirty="0"/>
+              <a:t> je </a:t>
+            </a:r>
+            <a:r>
+              <a:rPr lang="en-US" dirty="0" err="1"/>
+              <a:t>možných</a:t>
+            </a:r>
+            <a:r>
+              <a:rPr lang="en-US" dirty="0"/>
+              <a:t> </a:t>
+            </a:r>
+            <a:r>
+              <a:rPr lang="en-US" dirty="0" err="1"/>
+              <a:t>hodně</a:t>
+            </a:r>
+            <a:r>
+              <a:rPr lang="en-US" dirty="0"/>
+              <a:t> </a:t>
+            </a:r>
+            <a:r>
+              <a:rPr lang="en-US" dirty="0" err="1"/>
+              <a:t>testovacích</a:t>
+            </a:r>
+            <a:r>
+              <a:rPr lang="en-US" dirty="0"/>
+              <a:t> </a:t>
+            </a:r>
+            <a:r>
+              <a:rPr lang="en-US" dirty="0" err="1"/>
+              <a:t>případů</a:t>
+            </a:r>
+            <a:r>
+              <a:rPr lang="cs-CZ" dirty="0"/>
+              <a:t> </a:t>
+            </a:r>
+            <a:r>
+              <a:rPr lang="en-US" dirty="0"/>
+              <a:t>(</a:t>
+            </a:r>
+            <a:r>
+              <a:rPr lang="en-US" dirty="0" err="1"/>
+              <a:t>probl</a:t>
+            </a:r>
+            <a:r>
+              <a:rPr lang="cs-CZ" dirty="0"/>
+              <a:t>ém s volbou</a:t>
+            </a:r>
+            <a:r>
+              <a:rPr lang="en-US" dirty="0"/>
+              <a:t>)</a:t>
+            </a:r>
+          </a:p>
+          <a:p>
+            <a:r>
+              <a:rPr lang="cs-CZ" dirty="0"/>
+              <a:t>TD</a:t>
+            </a:r>
+            <a:r>
+              <a:rPr lang="en-US" dirty="0"/>
+              <a:t>D</a:t>
+            </a:r>
+          </a:p>
+          <a:p>
+            <a:r>
+              <a:rPr lang="en-US" dirty="0" err="1"/>
+              <a:t>Regrese</a:t>
+            </a:r>
+            <a:endParaRPr lang="cs-CZ" dirty="0"/>
+          </a:p>
+          <a:p>
             <a:endParaRPr lang="en-US" dirty="0"/>
           </a:p>
-          <a:p>
-            <a:endParaRPr lang="en-US" dirty="0"/>
-          </a:p>
-        </p:txBody>
-      </p:sp>
-      <p:sp>
-        <p:nvSpPr>
-          <p:cNvPr id="6" name="Rectangle 5">
+        </p:txBody>
+      </p:sp>
+      <p:pic>
+        <p:nvPicPr>
+          <p:cNvPr id="1026" name="Picture 2" descr="Tests: : ProgrammerHumor">
             <a:extLst>
               <a:ext uri="{FF2B5EF4-FFF2-40B4-BE49-F238E27FC236}">
-                <a16:creationId xmlns:a16="http://schemas.microsoft.com/office/drawing/2014/main" id="{507910A7-3588-4C43-B39A-700303B5176D}"/>
+                <a16:creationId xmlns:a16="http://schemas.microsoft.com/office/drawing/2014/main" id="{AE24F222-3734-4D25-B089-D01D0FF4CAD7}"/>
               </a:ext>
             </a:extLst>
           </p:cNvPr>
-          <p:cNvSpPr/>
+          <p:cNvPicPr>
+            <a:picLocks noChangeAspect="1" noChangeArrowheads="1"/>
+          </p:cNvPicPr>
           <p:nvPr/>
-        </p:nvSpPr>
-        <p:spPr>
+        </p:nvPicPr>
+        <p:blipFill>
+          <a:blip r:embed="rId2">
+            <a:extLst>
+              <a:ext uri="{28A0092B-C50C-407E-A947-70E740481C1C}">
+                <a14:useLocalDpi xmlns:a14="http://schemas.microsoft.com/office/drawing/2010/main" val="0"/>
+              </a:ext>
+            </a:extLst>
+          </a:blip>
+          <a:srcRect/>
+          <a:stretch>
+            <a:fillRect/>
+          </a:stretch>
+        </p:blipFill>
+        <p:spPr bwMode="auto">
           <a:xfrm>
-            <a:off x="1949043" y="3923518"/>
-            <a:ext cx="6096000" cy="1477328"/>
+            <a:off x="8866908" y="3700699"/>
+            <a:ext cx="3074173" cy="3074173"/>
           </a:xfrm>
           <a:prstGeom prst="rect">
             <a:avLst/>
           </a:prstGeom>
-        </p:spPr>
-        <p:txBody>
-          <a:bodyPr>
-            <a:spAutoFit/>
-          </a:bodyPr>
-          <a:lstStyle/>
-          <a:p>
-            <a:r>
-              <a:rPr lang="en-US" dirty="0">
+          <a:noFill/>
+          <a:extLst>
+            <a:ext uri="{909E8E84-426E-40DD-AFC4-6F175D3DCCD1}">
+              <a14:hiddenFill xmlns:a14="http://schemas.microsoft.com/office/drawing/2010/main">
                 <a:solidFill>
-                  <a:srgbClr val="000000"/>
+                  <a:srgbClr val="FFFFFF"/>
                 </a:solidFill>
-                <a:latin typeface="Consolas" panose="020B0609020204030204" pitchFamily="49" charset="0"/>
-              </a:rPr>
-              <a:t> </a:t>
-            </a:r>
-            <a:r>
-              <a:rPr lang="en-US" dirty="0">
-                <a:solidFill>
-                  <a:srgbClr val="0000FF"/>
-                </a:solidFill>
-                <a:latin typeface="Consolas" panose="020B0609020204030204" pitchFamily="49" charset="0"/>
-              </a:rPr>
-              <a:t>var</a:t>
-            </a:r>
-            <a:r>
-              <a:rPr lang="en-US" dirty="0">
-                <a:solidFill>
-                  <a:srgbClr val="000000"/>
-                </a:solidFill>
-                <a:latin typeface="Consolas" panose="020B0609020204030204" pitchFamily="49" charset="0"/>
-              </a:rPr>
-              <a:t> person = </a:t>
-            </a:r>
-            <a:r>
-              <a:rPr lang="en-US" dirty="0">
-                <a:solidFill>
-                  <a:srgbClr val="0000FF"/>
-                </a:solidFill>
-                <a:latin typeface="Consolas" panose="020B0609020204030204" pitchFamily="49" charset="0"/>
-              </a:rPr>
-              <a:t>new</a:t>
-            </a:r>
-            <a:r>
-              <a:rPr lang="en-US" dirty="0">
-                <a:solidFill>
-                  <a:srgbClr val="000000"/>
-                </a:solidFill>
-                <a:latin typeface="Consolas" panose="020B0609020204030204" pitchFamily="49" charset="0"/>
-              </a:rPr>
-              <a:t> Person(23);</a:t>
-            </a:r>
-          </a:p>
-          <a:p>
-            <a:r>
-              <a:rPr lang="en-US" dirty="0">
-                <a:solidFill>
-                  <a:srgbClr val="000000"/>
-                </a:solidFill>
-                <a:latin typeface="Consolas" panose="020B0609020204030204" pitchFamily="49" charset="0"/>
-              </a:rPr>
-              <a:t> </a:t>
-            </a:r>
-            <a:r>
-              <a:rPr lang="en-US" dirty="0" err="1">
-                <a:solidFill>
-                  <a:srgbClr val="000000"/>
-                </a:solidFill>
-                <a:latin typeface="Consolas" panose="020B0609020204030204" pitchFamily="49" charset="0"/>
-              </a:rPr>
-              <a:t>person.Name</a:t>
-            </a:r>
-            <a:r>
-              <a:rPr lang="en-US" dirty="0">
-                <a:solidFill>
-                  <a:srgbClr val="000000"/>
-                </a:solidFill>
-                <a:latin typeface="Consolas" panose="020B0609020204030204" pitchFamily="49" charset="0"/>
-              </a:rPr>
-              <a:t> = </a:t>
-            </a:r>
-            <a:r>
-              <a:rPr lang="en-US" dirty="0">
-                <a:solidFill>
-                  <a:srgbClr val="A31515"/>
-                </a:solidFill>
-                <a:latin typeface="Consolas" panose="020B0609020204030204" pitchFamily="49" charset="0"/>
-              </a:rPr>
-              <a:t>"Petr Janis"</a:t>
-            </a:r>
-            <a:r>
-              <a:rPr lang="en-US" dirty="0">
-                <a:solidFill>
-                  <a:srgbClr val="000000"/>
-                </a:solidFill>
-                <a:latin typeface="Consolas" panose="020B0609020204030204" pitchFamily="49" charset="0"/>
-              </a:rPr>
-              <a:t>;</a:t>
-            </a:r>
-          </a:p>
-          <a:p>
-            <a:r>
-              <a:rPr lang="en-US" dirty="0">
-                <a:solidFill>
-                  <a:srgbClr val="000000"/>
-                </a:solidFill>
-                <a:latin typeface="Consolas" panose="020B0609020204030204" pitchFamily="49" charset="0"/>
-              </a:rPr>
-              <a:t> </a:t>
-            </a:r>
-            <a:r>
-              <a:rPr lang="en-US" dirty="0" err="1">
-                <a:solidFill>
-                  <a:srgbClr val="000000"/>
-                </a:solidFill>
-                <a:latin typeface="Consolas" panose="020B0609020204030204" pitchFamily="49" charset="0"/>
-              </a:rPr>
-              <a:t>Console.WriteLine</a:t>
-            </a:r>
-            <a:r>
-              <a:rPr lang="en-US" dirty="0">
-                <a:solidFill>
-                  <a:srgbClr val="000000"/>
-                </a:solidFill>
-                <a:latin typeface="Consolas" panose="020B0609020204030204" pitchFamily="49" charset="0"/>
-              </a:rPr>
-              <a:t>(</a:t>
-            </a:r>
-            <a:r>
-              <a:rPr lang="en-US" dirty="0" err="1">
-                <a:solidFill>
-                  <a:srgbClr val="000000"/>
-                </a:solidFill>
-                <a:latin typeface="Consolas" panose="020B0609020204030204" pitchFamily="49" charset="0"/>
-              </a:rPr>
-              <a:t>person.Name</a:t>
-            </a:r>
-            <a:r>
-              <a:rPr lang="en-US" dirty="0">
-                <a:solidFill>
-                  <a:srgbClr val="000000"/>
-                </a:solidFill>
-                <a:latin typeface="Consolas" panose="020B0609020204030204" pitchFamily="49" charset="0"/>
-              </a:rPr>
-              <a:t>);</a:t>
-            </a:r>
-          </a:p>
-          <a:p>
-            <a:r>
-              <a:rPr lang="en-US" dirty="0">
-                <a:solidFill>
-                  <a:srgbClr val="000000"/>
-                </a:solidFill>
-                <a:latin typeface="Consolas" panose="020B0609020204030204" pitchFamily="49" charset="0"/>
-              </a:rPr>
-              <a:t> </a:t>
-            </a:r>
-            <a:r>
-              <a:rPr lang="en-US" dirty="0" err="1">
-                <a:solidFill>
-                  <a:srgbClr val="000000"/>
-                </a:solidFill>
-                <a:latin typeface="Consolas" panose="020B0609020204030204" pitchFamily="49" charset="0"/>
-              </a:rPr>
-              <a:t>person.ShowMyInfo</a:t>
-            </a:r>
-            <a:r>
-              <a:rPr lang="en-US" dirty="0">
-                <a:solidFill>
-                  <a:srgbClr val="000000"/>
-                </a:solidFill>
-                <a:latin typeface="Consolas" panose="020B0609020204030204" pitchFamily="49" charset="0"/>
-              </a:rPr>
-              <a:t>();</a:t>
-            </a:r>
-          </a:p>
-          <a:p>
-            <a:r>
-              <a:rPr lang="en-US" dirty="0">
-                <a:solidFill>
-                  <a:srgbClr val="000000"/>
-                </a:solidFill>
-                <a:latin typeface="Consolas" panose="020B0609020204030204" pitchFamily="49" charset="0"/>
-              </a:rPr>
-              <a:t> </a:t>
-            </a:r>
-            <a:r>
-              <a:rPr lang="en-US" dirty="0" err="1">
-                <a:solidFill>
-                  <a:srgbClr val="000000"/>
-                </a:solidFill>
-                <a:latin typeface="Consolas" panose="020B0609020204030204" pitchFamily="49" charset="0"/>
-              </a:rPr>
-              <a:t>person.Age</a:t>
-            </a:r>
-            <a:r>
-              <a:rPr lang="en-US" dirty="0">
-                <a:solidFill>
-                  <a:srgbClr val="000000"/>
-                </a:solidFill>
-                <a:latin typeface="Consolas" panose="020B0609020204030204" pitchFamily="49" charset="0"/>
-              </a:rPr>
-              <a:t> = </a:t>
-            </a:r>
-            <a:r>
-              <a:rPr lang="en-US" dirty="0">
-                <a:solidFill>
-                  <a:srgbClr val="A31515"/>
-                </a:solidFill>
-                <a:latin typeface="Consolas" panose="020B0609020204030204" pitchFamily="49" charset="0"/>
-              </a:rPr>
-              <a:t>"23"</a:t>
-            </a:r>
-            <a:r>
-              <a:rPr lang="en-US" dirty="0">
-                <a:solidFill>
-                  <a:srgbClr val="000000"/>
-                </a:solidFill>
-                <a:latin typeface="Consolas" panose="020B0609020204030204" pitchFamily="49" charset="0"/>
-              </a:rPr>
-              <a:t>; </a:t>
-            </a:r>
-            <a:r>
-              <a:rPr lang="en-US" dirty="0">
-                <a:solidFill>
-                  <a:srgbClr val="008000"/>
-                </a:solidFill>
-                <a:latin typeface="Consolas" panose="020B0609020204030204" pitchFamily="49" charset="0"/>
-              </a:rPr>
-              <a:t>// error</a:t>
-            </a:r>
-            <a:endParaRPr lang="en-US" dirty="0"/>
-          </a:p>
-        </p:txBody>
-      </p:sp>
-      <p:pic>
-        <p:nvPicPr>
-          <p:cNvPr id="8" name="Picture 7">
-            <a:extLst>
-              <a:ext uri="{FF2B5EF4-FFF2-40B4-BE49-F238E27FC236}">
-                <a16:creationId xmlns:a16="http://schemas.microsoft.com/office/drawing/2014/main" id="{CE4EB7CF-74EF-43C5-8E53-DF001E1A7A81}"/>
-              </a:ext>
-            </a:extLst>
-          </p:cNvPr>
-          <p:cNvPicPr>
-            <a:picLocks noChangeAspect="1"/>
-          </p:cNvPicPr>
-          <p:nvPr/>
-        </p:nvPicPr>
-        <p:blipFill>
-          <a:blip r:embed="rId2"/>
-          <a:stretch>
-            <a:fillRect/>
-          </a:stretch>
-        </p:blipFill>
-        <p:spPr>
-          <a:xfrm>
-            <a:off x="6655607" y="4166799"/>
-            <a:ext cx="4740048" cy="816262"/>
-          </a:xfrm>
-          <a:prstGeom prst="rect">
-            <a:avLst/>
-          </a:prstGeom>
+              </a14:hiddenFill>
+            </a:ext>
+          </a:extLst>
         </p:spPr>
       </p:pic>
-      <p:sp>
-        <p:nvSpPr>
-          <p:cNvPr id="9" name="Arrow: Right 8">
-            <a:extLst>
-              <a:ext uri="{FF2B5EF4-FFF2-40B4-BE49-F238E27FC236}">
-                <a16:creationId xmlns:a16="http://schemas.microsoft.com/office/drawing/2014/main" id="{CDB4ED1A-209A-4A16-9729-BB4A0DAD4D9F}"/>
-              </a:ext>
-            </a:extLst>
-          </p:cNvPr>
-          <p:cNvSpPr/>
-          <p:nvPr/>
-        </p:nvSpPr>
-        <p:spPr>
-          <a:xfrm>
-            <a:off x="6233020" y="4362275"/>
-            <a:ext cx="218114" cy="243281"/>
-          </a:xfrm>
-          <a:prstGeom prst="rightArrow">
-            <a:avLst/>
-          </a:prstGeom>
-        </p:spPr>
-        <p:style>
-          <a:lnRef idx="2">
-            <a:schemeClr val="accent1">
-              <a:shade val="50000"/>
-            </a:schemeClr>
-          </a:lnRef>
-          <a:fillRef idx="1">
-            <a:schemeClr val="accent1"/>
-          </a:fillRef>
-          <a:effectRef idx="0">
-            <a:schemeClr val="accent1"/>
-          </a:effectRef>
-          <a:fontRef idx="minor">
-            <a:schemeClr val="lt1"/>
-          </a:fontRef>
-        </p:style>
-        <p:txBody>
-          <a:bodyPr rtlCol="0" anchor="ctr"/>
-          <a:lstStyle/>
-          <a:p>
-            <a:pPr algn="ctr"/>
-            <a:endParaRPr lang="en-US"/>
-          </a:p>
-        </p:txBody>
-      </p:sp>
     </p:spTree>
     <p:extLst>
       <p:ext uri="{BB962C8B-B14F-4D97-AF65-F5344CB8AC3E}">
-        <p14:creationId xmlns:p14="http://schemas.microsoft.com/office/powerpoint/2010/main" val="1591544566"/>
+        <p14:creationId xmlns:p14="http://schemas.microsoft.com/office/powerpoint/2010/main" val="674429190"/>
       </p:ext>
     </p:extLst>
   </p:cSld>
@@ -9463,7 +8326,7 @@
           <p:cNvPr id="2" name="Title 1">
             <a:extLst>
               <a:ext uri="{FF2B5EF4-FFF2-40B4-BE49-F238E27FC236}">
-                <a16:creationId xmlns:a16="http://schemas.microsoft.com/office/drawing/2014/main" id="{839A4867-15AA-4977-80FB-469BFC6B3899}"/>
+                <a16:creationId xmlns:a16="http://schemas.microsoft.com/office/drawing/2014/main" id="{34A8966B-E73C-46C2-84CB-818A1D298519}"/>
               </a:ext>
             </a:extLst>
           </p:cNvPr>
@@ -9480,12 +8343,8 @@
           <a:lstStyle/>
           <a:p>
             <a:r>
-              <a:rPr lang="cs-CZ" dirty="0"/>
-              <a:t>Částečné třídy </a:t>
-            </a:r>
-            <a:r>
               <a:rPr lang="en-US" dirty="0"/>
-              <a:t>(partial classes)</a:t>
+              <a:t>.NET</a:t>
             </a:r>
           </a:p>
         </p:txBody>
@@ -9495,7 +8354,7 @@
           <p:cNvPr id="3" name="Content Placeholder 2">
             <a:extLst>
               <a:ext uri="{FF2B5EF4-FFF2-40B4-BE49-F238E27FC236}">
-                <a16:creationId xmlns:a16="http://schemas.microsoft.com/office/drawing/2014/main" id="{3CBE790C-C3C1-4618-9858-92703703AED6}"/>
+                <a16:creationId xmlns:a16="http://schemas.microsoft.com/office/drawing/2014/main" id="{17B8AE43-B41B-47BF-9BF2-6DFDE883AC3D}"/>
               </a:ext>
             </a:extLst>
           </p:cNvPr>
@@ -9506,751 +8365,56 @@
             <p:ph idx="1"/>
           </p:nvPr>
         </p:nvSpPr>
-        <p:spPr>
-          <a:xfrm>
-            <a:off x="2656324" y="1540189"/>
-            <a:ext cx="8915400" cy="3777622"/>
-          </a:xfrm>
-        </p:spPr>
+        <p:spPr/>
         <p:txBody>
           <a:bodyPr/>
           <a:lstStyle/>
           <a:p>
             <a:r>
+              <a:rPr lang="en-US" dirty="0">
+                <a:hlinkClick r:id="rId2"/>
+              </a:rPr>
+              <a:t>https://docs.microsoft.com/en-us/dotnet/core/testing/</a:t>
+            </a:r>
+            <a:endParaRPr lang="en-US" dirty="0"/>
+          </a:p>
+          <a:p>
+            <a:r>
+              <a:rPr lang="en-US" dirty="0" err="1"/>
+              <a:t>Knihovny</a:t>
+            </a:r>
+            <a:r>
               <a:rPr lang="en-US" dirty="0"/>
-              <a:t>T</a:t>
-            </a:r>
-            <a:r>
-              <a:rPr lang="cs-CZ" dirty="0"/>
-              <a:t>řídy jejichž definice je rozdělena do více souborů.</a:t>
+              <a:t> </a:t>
+            </a:r>
+            <a:r>
+              <a:rPr lang="en-US" dirty="0" err="1"/>
+              <a:t>MSTest</a:t>
+            </a:r>
+            <a:r>
+              <a:rPr lang="en-US" dirty="0"/>
+              <a:t>, </a:t>
+            </a:r>
+            <a:r>
+              <a:rPr lang="en-US" dirty="0" err="1"/>
+              <a:t>xUnit</a:t>
+            </a:r>
+            <a:r>
+              <a:rPr lang="en-US" dirty="0"/>
+              <a:t>, </a:t>
+            </a:r>
+            <a:r>
+              <a:rPr lang="en-US" dirty="0" err="1"/>
+              <a:t>NUnit</a:t>
             </a:r>
             <a:endParaRPr lang="en-US" dirty="0"/>
-          </a:p>
-        </p:txBody>
-      </p:sp>
-      <p:sp>
-        <p:nvSpPr>
-          <p:cNvPr id="4" name="Rectangle 3">
-            <a:extLst>
-              <a:ext uri="{FF2B5EF4-FFF2-40B4-BE49-F238E27FC236}">
-                <a16:creationId xmlns:a16="http://schemas.microsoft.com/office/drawing/2014/main" id="{3B9BF569-84CB-41E9-84DF-CA040F13C504}"/>
-              </a:ext>
-            </a:extLst>
-          </p:cNvPr>
-          <p:cNvSpPr/>
-          <p:nvPr/>
-        </p:nvSpPr>
-        <p:spPr>
-          <a:xfrm>
-            <a:off x="774584" y="2186186"/>
-            <a:ext cx="6523838" cy="3970318"/>
-          </a:xfrm>
-          <a:prstGeom prst="rect">
-            <a:avLst/>
-          </a:prstGeom>
-        </p:spPr>
-        <p:txBody>
-          <a:bodyPr wrap="square">
-            <a:spAutoFit/>
-          </a:bodyPr>
-          <a:lstStyle/>
-          <a:p>
-            <a:r>
-              <a:rPr lang="cs-CZ" dirty="0">
-                <a:solidFill>
-                  <a:srgbClr val="0000FF"/>
-                </a:solidFill>
-                <a:latin typeface="Consolas" panose="020B0609020204030204" pitchFamily="49" charset="0"/>
-              </a:rPr>
-              <a:t>    </a:t>
-            </a:r>
-            <a:r>
-              <a:rPr lang="en-US" dirty="0">
-                <a:solidFill>
-                  <a:srgbClr val="0000FF"/>
-                </a:solidFill>
-                <a:latin typeface="Consolas" panose="020B0609020204030204" pitchFamily="49" charset="0"/>
-              </a:rPr>
-              <a:t>public</a:t>
-            </a:r>
-            <a:r>
-              <a:rPr lang="en-US" dirty="0">
-                <a:solidFill>
-                  <a:srgbClr val="000000"/>
-                </a:solidFill>
-                <a:latin typeface="Consolas" panose="020B0609020204030204" pitchFamily="49" charset="0"/>
-              </a:rPr>
-              <a:t> </a:t>
-            </a:r>
-            <a:r>
-              <a:rPr lang="en-US" dirty="0">
-                <a:solidFill>
-                  <a:srgbClr val="0000FF"/>
-                </a:solidFill>
-                <a:latin typeface="Consolas" panose="020B0609020204030204" pitchFamily="49" charset="0"/>
-              </a:rPr>
-              <a:t>partial</a:t>
-            </a:r>
-            <a:r>
-              <a:rPr lang="en-US" dirty="0">
-                <a:solidFill>
-                  <a:srgbClr val="000000"/>
-                </a:solidFill>
-                <a:latin typeface="Consolas" panose="020B0609020204030204" pitchFamily="49" charset="0"/>
-              </a:rPr>
-              <a:t> </a:t>
-            </a:r>
-            <a:r>
-              <a:rPr lang="en-US" dirty="0">
-                <a:solidFill>
-                  <a:srgbClr val="0000FF"/>
-                </a:solidFill>
-                <a:latin typeface="Consolas" panose="020B0609020204030204" pitchFamily="49" charset="0"/>
-              </a:rPr>
-              <a:t>class</a:t>
-            </a:r>
-            <a:r>
-              <a:rPr lang="en-US" dirty="0">
-                <a:solidFill>
-                  <a:srgbClr val="000000"/>
-                </a:solidFill>
-                <a:latin typeface="Consolas" panose="020B0609020204030204" pitchFamily="49" charset="0"/>
-              </a:rPr>
-              <a:t> </a:t>
-            </a:r>
-            <a:r>
-              <a:rPr lang="en-US" dirty="0">
-                <a:solidFill>
-                  <a:srgbClr val="2B91AF"/>
-                </a:solidFill>
-                <a:latin typeface="Consolas" panose="020B0609020204030204" pitchFamily="49" charset="0"/>
-              </a:rPr>
-              <a:t>Employee</a:t>
-            </a:r>
-            <a:endParaRPr lang="en-US" dirty="0">
-              <a:solidFill>
-                <a:srgbClr val="000000"/>
-              </a:solidFill>
-              <a:latin typeface="Consolas" panose="020B0609020204030204" pitchFamily="49" charset="0"/>
-            </a:endParaRPr>
-          </a:p>
-          <a:p>
-            <a:r>
-              <a:rPr lang="en-US" dirty="0">
-                <a:solidFill>
-                  <a:srgbClr val="000000"/>
-                </a:solidFill>
-                <a:latin typeface="Consolas" panose="020B0609020204030204" pitchFamily="49" charset="0"/>
-              </a:rPr>
-              <a:t>    {</a:t>
-            </a:r>
-          </a:p>
-          <a:p>
-            <a:r>
-              <a:rPr lang="en-US" dirty="0">
-                <a:solidFill>
-                  <a:srgbClr val="000000"/>
-                </a:solidFill>
-                <a:latin typeface="Consolas" panose="020B0609020204030204" pitchFamily="49" charset="0"/>
-              </a:rPr>
-              <a:t>        </a:t>
-            </a:r>
-            <a:r>
-              <a:rPr lang="en-US" dirty="0">
-                <a:solidFill>
-                  <a:srgbClr val="0000FF"/>
-                </a:solidFill>
-                <a:latin typeface="Consolas" panose="020B0609020204030204" pitchFamily="49" charset="0"/>
-              </a:rPr>
-              <a:t>public</a:t>
-            </a:r>
-            <a:r>
-              <a:rPr lang="en-US" dirty="0">
-                <a:solidFill>
-                  <a:srgbClr val="000000"/>
-                </a:solidFill>
-                <a:latin typeface="Consolas" panose="020B0609020204030204" pitchFamily="49" charset="0"/>
-              </a:rPr>
-              <a:t> </a:t>
-            </a:r>
-            <a:r>
-              <a:rPr lang="en-US" dirty="0">
-                <a:solidFill>
-                  <a:srgbClr val="0000FF"/>
-                </a:solidFill>
-                <a:latin typeface="Consolas" panose="020B0609020204030204" pitchFamily="49" charset="0"/>
-              </a:rPr>
-              <a:t>void</a:t>
-            </a:r>
-            <a:r>
-              <a:rPr lang="en-US" dirty="0">
-                <a:solidFill>
-                  <a:srgbClr val="000000"/>
-                </a:solidFill>
-                <a:latin typeface="Consolas" panose="020B0609020204030204" pitchFamily="49" charset="0"/>
-              </a:rPr>
-              <a:t> </a:t>
-            </a:r>
-            <a:r>
-              <a:rPr lang="en-US" dirty="0" err="1">
-                <a:solidFill>
-                  <a:srgbClr val="000000"/>
-                </a:solidFill>
-                <a:latin typeface="Consolas" panose="020B0609020204030204" pitchFamily="49" charset="0"/>
-              </a:rPr>
-              <a:t>DoWork</a:t>
-            </a:r>
-            <a:r>
-              <a:rPr lang="en-US" dirty="0">
-                <a:solidFill>
-                  <a:srgbClr val="000000"/>
-                </a:solidFill>
-                <a:latin typeface="Consolas" panose="020B0609020204030204" pitchFamily="49" charset="0"/>
-              </a:rPr>
-              <a:t>()</a:t>
-            </a:r>
-          </a:p>
-          <a:p>
-            <a:r>
-              <a:rPr lang="en-US" dirty="0">
-                <a:solidFill>
-                  <a:srgbClr val="000000"/>
-                </a:solidFill>
-                <a:latin typeface="Consolas" panose="020B0609020204030204" pitchFamily="49" charset="0"/>
-              </a:rPr>
-              <a:t>        {</a:t>
-            </a:r>
-          </a:p>
-          <a:p>
-            <a:r>
-              <a:rPr lang="en-US" dirty="0">
-                <a:solidFill>
-                  <a:srgbClr val="000000"/>
-                </a:solidFill>
-                <a:latin typeface="Consolas" panose="020B0609020204030204" pitchFamily="49" charset="0"/>
-              </a:rPr>
-              <a:t>            </a:t>
-            </a:r>
-            <a:r>
-              <a:rPr lang="en-US" dirty="0" err="1">
-                <a:solidFill>
-                  <a:srgbClr val="000000"/>
-                </a:solidFill>
-                <a:latin typeface="Consolas" panose="020B0609020204030204" pitchFamily="49" charset="0"/>
-              </a:rPr>
-              <a:t>Console.WriteLine</a:t>
-            </a:r>
-            <a:r>
-              <a:rPr lang="en-US" dirty="0">
-                <a:solidFill>
-                  <a:srgbClr val="000000"/>
-                </a:solidFill>
-                <a:latin typeface="Consolas" panose="020B0609020204030204" pitchFamily="49" charset="0"/>
-              </a:rPr>
-              <a:t>(</a:t>
-            </a:r>
-            <a:r>
-              <a:rPr lang="en-US" dirty="0">
-                <a:solidFill>
-                  <a:srgbClr val="A31515"/>
-                </a:solidFill>
-                <a:latin typeface="Consolas" panose="020B0609020204030204" pitchFamily="49" charset="0"/>
-              </a:rPr>
-              <a:t>"Doing work"</a:t>
-            </a:r>
-            <a:r>
-              <a:rPr lang="en-US" dirty="0">
-                <a:solidFill>
-                  <a:srgbClr val="000000"/>
-                </a:solidFill>
-                <a:latin typeface="Consolas" panose="020B0609020204030204" pitchFamily="49" charset="0"/>
-              </a:rPr>
-              <a:t>);</a:t>
-            </a:r>
-          </a:p>
-          <a:p>
-            <a:r>
-              <a:rPr lang="en-US" dirty="0">
-                <a:solidFill>
-                  <a:srgbClr val="000000"/>
-                </a:solidFill>
-                <a:latin typeface="Consolas" panose="020B0609020204030204" pitchFamily="49" charset="0"/>
-              </a:rPr>
-              <a:t>        }</a:t>
-            </a:r>
-          </a:p>
-          <a:p>
-            <a:r>
-              <a:rPr lang="en-US" dirty="0">
-                <a:solidFill>
-                  <a:srgbClr val="000000"/>
-                </a:solidFill>
-                <a:latin typeface="Consolas" panose="020B0609020204030204" pitchFamily="49" charset="0"/>
-              </a:rPr>
-              <a:t>    }</a:t>
-            </a:r>
-          </a:p>
-          <a:p>
-            <a:r>
-              <a:rPr lang="en-US" dirty="0">
-                <a:solidFill>
-                  <a:srgbClr val="000000"/>
-                </a:solidFill>
-                <a:latin typeface="Consolas" panose="020B0609020204030204" pitchFamily="49" charset="0"/>
-              </a:rPr>
-              <a:t>    </a:t>
-            </a:r>
-            <a:r>
-              <a:rPr lang="en-US" dirty="0">
-                <a:solidFill>
-                  <a:srgbClr val="0000FF"/>
-                </a:solidFill>
-                <a:latin typeface="Consolas" panose="020B0609020204030204" pitchFamily="49" charset="0"/>
-              </a:rPr>
-              <a:t>public</a:t>
-            </a:r>
-            <a:r>
-              <a:rPr lang="en-US" dirty="0">
-                <a:solidFill>
-                  <a:srgbClr val="000000"/>
-                </a:solidFill>
-                <a:latin typeface="Consolas" panose="020B0609020204030204" pitchFamily="49" charset="0"/>
-              </a:rPr>
-              <a:t> </a:t>
-            </a:r>
-            <a:r>
-              <a:rPr lang="en-US" dirty="0">
-                <a:solidFill>
-                  <a:srgbClr val="0000FF"/>
-                </a:solidFill>
-                <a:latin typeface="Consolas" panose="020B0609020204030204" pitchFamily="49" charset="0"/>
-              </a:rPr>
-              <a:t>partial</a:t>
-            </a:r>
-            <a:r>
-              <a:rPr lang="en-US" dirty="0">
-                <a:solidFill>
-                  <a:srgbClr val="000000"/>
-                </a:solidFill>
-                <a:latin typeface="Consolas" panose="020B0609020204030204" pitchFamily="49" charset="0"/>
-              </a:rPr>
-              <a:t> </a:t>
-            </a:r>
-            <a:r>
-              <a:rPr lang="en-US" dirty="0">
-                <a:solidFill>
-                  <a:srgbClr val="0000FF"/>
-                </a:solidFill>
-                <a:latin typeface="Consolas" panose="020B0609020204030204" pitchFamily="49" charset="0"/>
-              </a:rPr>
-              <a:t>class</a:t>
-            </a:r>
-            <a:r>
-              <a:rPr lang="en-US" dirty="0">
-                <a:solidFill>
-                  <a:srgbClr val="000000"/>
-                </a:solidFill>
-                <a:latin typeface="Consolas" panose="020B0609020204030204" pitchFamily="49" charset="0"/>
-              </a:rPr>
-              <a:t> </a:t>
-            </a:r>
-            <a:r>
-              <a:rPr lang="en-US" dirty="0">
-                <a:solidFill>
-                  <a:srgbClr val="2B91AF"/>
-                </a:solidFill>
-                <a:latin typeface="Consolas" panose="020B0609020204030204" pitchFamily="49" charset="0"/>
-              </a:rPr>
-              <a:t>Employee</a:t>
-            </a:r>
-            <a:endParaRPr lang="en-US" dirty="0">
-              <a:solidFill>
-                <a:srgbClr val="000000"/>
-              </a:solidFill>
-              <a:latin typeface="Consolas" panose="020B0609020204030204" pitchFamily="49" charset="0"/>
-            </a:endParaRPr>
-          </a:p>
-          <a:p>
-            <a:r>
-              <a:rPr lang="en-US" dirty="0">
-                <a:solidFill>
-                  <a:srgbClr val="000000"/>
-                </a:solidFill>
-                <a:latin typeface="Consolas" panose="020B0609020204030204" pitchFamily="49" charset="0"/>
-              </a:rPr>
-              <a:t>    {</a:t>
-            </a:r>
-          </a:p>
-          <a:p>
-            <a:r>
-              <a:rPr lang="en-US" dirty="0">
-                <a:solidFill>
-                  <a:srgbClr val="000000"/>
-                </a:solidFill>
-                <a:latin typeface="Consolas" panose="020B0609020204030204" pitchFamily="49" charset="0"/>
-              </a:rPr>
-              <a:t>        </a:t>
-            </a:r>
-            <a:r>
-              <a:rPr lang="en-US" dirty="0">
-                <a:solidFill>
-                  <a:srgbClr val="0000FF"/>
-                </a:solidFill>
-                <a:latin typeface="Consolas" panose="020B0609020204030204" pitchFamily="49" charset="0"/>
-              </a:rPr>
-              <a:t>public</a:t>
-            </a:r>
-            <a:r>
-              <a:rPr lang="en-US" dirty="0">
-                <a:solidFill>
-                  <a:srgbClr val="000000"/>
-                </a:solidFill>
-                <a:latin typeface="Consolas" panose="020B0609020204030204" pitchFamily="49" charset="0"/>
-              </a:rPr>
-              <a:t> </a:t>
-            </a:r>
-            <a:r>
-              <a:rPr lang="en-US" dirty="0">
-                <a:solidFill>
-                  <a:srgbClr val="0000FF"/>
-                </a:solidFill>
-                <a:latin typeface="Consolas" panose="020B0609020204030204" pitchFamily="49" charset="0"/>
-              </a:rPr>
-              <a:t>void</a:t>
-            </a:r>
-            <a:r>
-              <a:rPr lang="en-US" dirty="0">
-                <a:solidFill>
-                  <a:srgbClr val="000000"/>
-                </a:solidFill>
-                <a:latin typeface="Consolas" panose="020B0609020204030204" pitchFamily="49" charset="0"/>
-              </a:rPr>
-              <a:t> </a:t>
-            </a:r>
-            <a:r>
-              <a:rPr lang="en-US" dirty="0" err="1">
-                <a:solidFill>
-                  <a:srgbClr val="000000"/>
-                </a:solidFill>
-                <a:latin typeface="Consolas" panose="020B0609020204030204" pitchFamily="49" charset="0"/>
-              </a:rPr>
-              <a:t>GoToLunch</a:t>
-            </a:r>
-            <a:r>
-              <a:rPr lang="en-US" dirty="0">
-                <a:solidFill>
-                  <a:srgbClr val="000000"/>
-                </a:solidFill>
-                <a:latin typeface="Consolas" panose="020B0609020204030204" pitchFamily="49" charset="0"/>
-              </a:rPr>
-              <a:t>()</a:t>
-            </a:r>
-          </a:p>
-          <a:p>
-            <a:r>
-              <a:rPr lang="en-US" dirty="0">
-                <a:solidFill>
-                  <a:srgbClr val="000000"/>
-                </a:solidFill>
-                <a:latin typeface="Consolas" panose="020B0609020204030204" pitchFamily="49" charset="0"/>
-              </a:rPr>
-              <a:t>        {</a:t>
-            </a:r>
-          </a:p>
-          <a:p>
-            <a:r>
-              <a:rPr lang="en-US" dirty="0">
-                <a:solidFill>
-                  <a:srgbClr val="000000"/>
-                </a:solidFill>
-                <a:latin typeface="Consolas" panose="020B0609020204030204" pitchFamily="49" charset="0"/>
-              </a:rPr>
-              <a:t>            </a:t>
-            </a:r>
-            <a:r>
-              <a:rPr lang="en-US" dirty="0" err="1">
-                <a:solidFill>
-                  <a:srgbClr val="000000"/>
-                </a:solidFill>
-                <a:latin typeface="Consolas" panose="020B0609020204030204" pitchFamily="49" charset="0"/>
-              </a:rPr>
-              <a:t>Console.WriteLine</a:t>
-            </a:r>
-            <a:r>
-              <a:rPr lang="en-US" dirty="0">
-                <a:solidFill>
-                  <a:srgbClr val="000000"/>
-                </a:solidFill>
-                <a:latin typeface="Consolas" panose="020B0609020204030204" pitchFamily="49" charset="0"/>
-              </a:rPr>
-              <a:t>(</a:t>
-            </a:r>
-            <a:r>
-              <a:rPr lang="en-US" dirty="0">
-                <a:solidFill>
-                  <a:srgbClr val="A31515"/>
-                </a:solidFill>
-                <a:latin typeface="Consolas" panose="020B0609020204030204" pitchFamily="49" charset="0"/>
-              </a:rPr>
-              <a:t>"Going to lunch"</a:t>
-            </a:r>
-            <a:r>
-              <a:rPr lang="en-US" dirty="0">
-                <a:solidFill>
-                  <a:srgbClr val="000000"/>
-                </a:solidFill>
-                <a:latin typeface="Consolas" panose="020B0609020204030204" pitchFamily="49" charset="0"/>
-              </a:rPr>
-              <a:t>);</a:t>
-            </a:r>
-          </a:p>
-          <a:p>
-            <a:r>
-              <a:rPr lang="en-US" dirty="0">
-                <a:solidFill>
-                  <a:srgbClr val="000000"/>
-                </a:solidFill>
-                <a:latin typeface="Consolas" panose="020B0609020204030204" pitchFamily="49" charset="0"/>
-              </a:rPr>
-              <a:t>        }</a:t>
-            </a:r>
-          </a:p>
-          <a:p>
-            <a:r>
-              <a:rPr lang="en-US" dirty="0">
-                <a:solidFill>
-                  <a:srgbClr val="000000"/>
-                </a:solidFill>
-                <a:latin typeface="Consolas" panose="020B0609020204030204" pitchFamily="49" charset="0"/>
-              </a:rPr>
-              <a:t>    }</a:t>
-            </a:r>
-            <a:endParaRPr lang="en-US" dirty="0"/>
-          </a:p>
-        </p:txBody>
-      </p:sp>
-      <p:sp>
-        <p:nvSpPr>
-          <p:cNvPr id="5" name="Rectangle 4">
-            <a:extLst>
-              <a:ext uri="{FF2B5EF4-FFF2-40B4-BE49-F238E27FC236}">
-                <a16:creationId xmlns:a16="http://schemas.microsoft.com/office/drawing/2014/main" id="{A03EE717-9B17-4256-81CC-517245BFB0BC}"/>
-              </a:ext>
-            </a:extLst>
-          </p:cNvPr>
-          <p:cNvSpPr/>
-          <p:nvPr/>
-        </p:nvSpPr>
-        <p:spPr>
-          <a:xfrm>
-            <a:off x="5539123" y="2186186"/>
-            <a:ext cx="6096000" cy="1200329"/>
-          </a:xfrm>
-          <a:prstGeom prst="rect">
-            <a:avLst/>
-          </a:prstGeom>
-        </p:spPr>
-        <p:txBody>
-          <a:bodyPr>
-            <a:spAutoFit/>
-          </a:bodyPr>
-          <a:lstStyle/>
-          <a:p>
-            <a:endParaRPr lang="en-US" dirty="0">
-              <a:solidFill>
-                <a:srgbClr val="000000"/>
-              </a:solidFill>
-              <a:latin typeface="Consolas" panose="020B0609020204030204" pitchFamily="49" charset="0"/>
-            </a:endParaRPr>
-          </a:p>
-          <a:p>
-            <a:r>
-              <a:rPr lang="en-US" dirty="0">
-                <a:solidFill>
-                  <a:srgbClr val="000000"/>
-                </a:solidFill>
-                <a:latin typeface="Consolas" panose="020B0609020204030204" pitchFamily="49" charset="0"/>
-              </a:rPr>
-              <a:t>            </a:t>
-            </a:r>
-            <a:r>
-              <a:rPr lang="en-US" dirty="0">
-                <a:solidFill>
-                  <a:srgbClr val="0000FF"/>
-                </a:solidFill>
-                <a:latin typeface="Consolas" panose="020B0609020204030204" pitchFamily="49" charset="0"/>
-              </a:rPr>
-              <a:t>var</a:t>
-            </a:r>
-            <a:r>
-              <a:rPr lang="en-US" dirty="0">
-                <a:solidFill>
-                  <a:srgbClr val="000000"/>
-                </a:solidFill>
-                <a:latin typeface="Consolas" panose="020B0609020204030204" pitchFamily="49" charset="0"/>
-              </a:rPr>
-              <a:t> employee = </a:t>
-            </a:r>
-            <a:r>
-              <a:rPr lang="en-US" dirty="0">
-                <a:solidFill>
-                  <a:srgbClr val="0000FF"/>
-                </a:solidFill>
-                <a:latin typeface="Consolas" panose="020B0609020204030204" pitchFamily="49" charset="0"/>
-              </a:rPr>
-              <a:t>new</a:t>
-            </a:r>
-            <a:r>
-              <a:rPr lang="en-US" dirty="0">
-                <a:solidFill>
-                  <a:srgbClr val="000000"/>
-                </a:solidFill>
-                <a:latin typeface="Consolas" panose="020B0609020204030204" pitchFamily="49" charset="0"/>
-              </a:rPr>
-              <a:t> Employee();</a:t>
-            </a:r>
-          </a:p>
-          <a:p>
-            <a:r>
-              <a:rPr lang="en-US" dirty="0">
-                <a:solidFill>
-                  <a:srgbClr val="000000"/>
-                </a:solidFill>
-                <a:latin typeface="Consolas" panose="020B0609020204030204" pitchFamily="49" charset="0"/>
-              </a:rPr>
-              <a:t>            </a:t>
-            </a:r>
-            <a:r>
-              <a:rPr lang="en-US" dirty="0" err="1">
-                <a:solidFill>
-                  <a:srgbClr val="000000"/>
-                </a:solidFill>
-                <a:latin typeface="Consolas" panose="020B0609020204030204" pitchFamily="49" charset="0"/>
-              </a:rPr>
-              <a:t>employee.DoWork</a:t>
-            </a:r>
-            <a:r>
-              <a:rPr lang="en-US" dirty="0">
-                <a:solidFill>
-                  <a:srgbClr val="000000"/>
-                </a:solidFill>
-                <a:latin typeface="Consolas" panose="020B0609020204030204" pitchFamily="49" charset="0"/>
-              </a:rPr>
-              <a:t>();</a:t>
-            </a:r>
-          </a:p>
-          <a:p>
-            <a:r>
-              <a:rPr lang="en-US" dirty="0">
-                <a:solidFill>
-                  <a:srgbClr val="000000"/>
-                </a:solidFill>
-                <a:latin typeface="Consolas" panose="020B0609020204030204" pitchFamily="49" charset="0"/>
-              </a:rPr>
-              <a:t>            </a:t>
-            </a:r>
-            <a:r>
-              <a:rPr lang="en-US" dirty="0" err="1">
-                <a:solidFill>
-                  <a:srgbClr val="000000"/>
-                </a:solidFill>
-                <a:latin typeface="Consolas" panose="020B0609020204030204" pitchFamily="49" charset="0"/>
-              </a:rPr>
-              <a:t>employee.GoToLunch</a:t>
-            </a:r>
-            <a:r>
-              <a:rPr lang="en-US" dirty="0">
-                <a:solidFill>
-                  <a:srgbClr val="000000"/>
-                </a:solidFill>
-                <a:latin typeface="Consolas" panose="020B0609020204030204" pitchFamily="49" charset="0"/>
-              </a:rPr>
-              <a:t>();</a:t>
-            </a:r>
-            <a:endParaRPr lang="en-US" dirty="0"/>
-          </a:p>
-        </p:txBody>
-      </p:sp>
-      <p:pic>
-        <p:nvPicPr>
-          <p:cNvPr id="6" name="Picture 5">
-            <a:extLst>
-              <a:ext uri="{FF2B5EF4-FFF2-40B4-BE49-F238E27FC236}">
-                <a16:creationId xmlns:a16="http://schemas.microsoft.com/office/drawing/2014/main" id="{D731806D-C3D8-46F3-B80E-2E1E6D145509}"/>
-              </a:ext>
-            </a:extLst>
-          </p:cNvPr>
-          <p:cNvPicPr>
-            <a:picLocks noChangeAspect="1"/>
-          </p:cNvPicPr>
-          <p:nvPr/>
-        </p:nvPicPr>
-        <p:blipFill>
-          <a:blip r:embed="rId2"/>
-          <a:stretch>
-            <a:fillRect/>
-          </a:stretch>
-        </p:blipFill>
-        <p:spPr>
-          <a:xfrm>
-            <a:off x="7138010" y="3879609"/>
-            <a:ext cx="2042152" cy="583472"/>
-          </a:xfrm>
-          <a:prstGeom prst="rect">
-            <a:avLst/>
-          </a:prstGeom>
-        </p:spPr>
-      </p:pic>
-      <p:sp>
-        <p:nvSpPr>
-          <p:cNvPr id="7" name="Arrow: Down 6">
-            <a:extLst>
-              <a:ext uri="{FF2B5EF4-FFF2-40B4-BE49-F238E27FC236}">
-                <a16:creationId xmlns:a16="http://schemas.microsoft.com/office/drawing/2014/main" id="{C8BB3A10-7F0A-44BD-B23B-069633545D89}"/>
-              </a:ext>
-            </a:extLst>
-          </p:cNvPr>
-          <p:cNvSpPr/>
-          <p:nvPr/>
-        </p:nvSpPr>
-        <p:spPr>
-          <a:xfrm>
-            <a:off x="8019875" y="3386515"/>
-            <a:ext cx="209725" cy="346586"/>
-          </a:xfrm>
-          <a:prstGeom prst="downArrow">
-            <a:avLst/>
-          </a:prstGeom>
-        </p:spPr>
-        <p:style>
-          <a:lnRef idx="2">
-            <a:schemeClr val="accent1">
-              <a:shade val="50000"/>
-            </a:schemeClr>
-          </a:lnRef>
-          <a:fillRef idx="1">
-            <a:schemeClr val="accent1"/>
-          </a:fillRef>
-          <a:effectRef idx="0">
-            <a:schemeClr val="accent1"/>
-          </a:effectRef>
-          <a:fontRef idx="minor">
-            <a:schemeClr val="lt1"/>
-          </a:fontRef>
-        </p:style>
-        <p:txBody>
-          <a:bodyPr rtlCol="0" anchor="ctr"/>
-          <a:lstStyle/>
-          <a:p>
-            <a:pPr algn="ctr"/>
-            <a:endParaRPr lang="en-US"/>
           </a:p>
         </p:txBody>
       </p:sp>
     </p:spTree>
     <p:extLst>
       <p:ext uri="{BB962C8B-B14F-4D97-AF65-F5344CB8AC3E}">
-        <p14:creationId xmlns:p14="http://schemas.microsoft.com/office/powerpoint/2010/main" val="1687772918"/>
+        <p14:creationId xmlns:p14="http://schemas.microsoft.com/office/powerpoint/2010/main" val="3236894370"/>
       </p:ext>
     </p:extLst>
   </p:cSld>
@@ -10282,7 +8446,7 @@
           <p:cNvPr id="2" name="Title 1">
             <a:extLst>
               <a:ext uri="{FF2B5EF4-FFF2-40B4-BE49-F238E27FC236}">
-                <a16:creationId xmlns:a16="http://schemas.microsoft.com/office/drawing/2014/main" id="{E350A585-EBD2-42D8-AC70-901717DC1A80}"/>
+                <a16:creationId xmlns:a16="http://schemas.microsoft.com/office/drawing/2014/main" id="{62ED763A-1FC0-422D-95DA-3C562F37BEBF}"/>
               </a:ext>
             </a:extLst>
           </p:cNvPr>
@@ -10299,10 +8463,9 @@
           <a:lstStyle/>
           <a:p>
             <a:r>
-              <a:rPr lang="cs-CZ" dirty="0"/>
-              <a:t>WinForms</a:t>
-            </a:r>
-            <a:endParaRPr lang="en-US" dirty="0"/>
+              <a:rPr lang="en-US" dirty="0"/>
+              <a:t>Demo</a:t>
+            </a:r>
           </a:p>
         </p:txBody>
       </p:sp>
@@ -10311,7 +8474,7 @@
           <p:cNvPr id="3" name="Content Placeholder 2">
             <a:extLst>
               <a:ext uri="{FF2B5EF4-FFF2-40B4-BE49-F238E27FC236}">
-                <a16:creationId xmlns:a16="http://schemas.microsoft.com/office/drawing/2014/main" id="{54044A92-6A53-469D-8A27-FDC8EEDA9D0D}"/>
+                <a16:creationId xmlns:a16="http://schemas.microsoft.com/office/drawing/2014/main" id="{04D2F037-7CC3-45B4-834F-63E57F8F6144}"/>
               </a:ext>
             </a:extLst>
           </p:cNvPr>
@@ -10322,268 +8485,19 @@
             <p:ph idx="1"/>
           </p:nvPr>
         </p:nvSpPr>
-        <p:spPr>
-          <a:xfrm>
-            <a:off x="2589212" y="1400961"/>
-            <a:ext cx="8915400" cy="4510261"/>
-          </a:xfrm>
-        </p:spPr>
+        <p:spPr/>
         <p:txBody>
           <a:bodyPr/>
           <a:lstStyle/>
           <a:p>
-            <a:r>
-              <a:rPr lang="cs-CZ" dirty="0"/>
-              <a:t>Framework </a:t>
-            </a:r>
-            <a:r>
-              <a:rPr lang="en-US" dirty="0"/>
-              <a:t>pro </a:t>
-            </a:r>
-            <a:r>
-              <a:rPr lang="en-US" dirty="0" err="1"/>
-              <a:t>tvorbu</a:t>
-            </a:r>
-            <a:r>
-              <a:rPr lang="en-US" dirty="0"/>
-              <a:t> </a:t>
-            </a:r>
-            <a:r>
-              <a:rPr lang="en-US" dirty="0" err="1"/>
-              <a:t>okenních</a:t>
-            </a:r>
-            <a:r>
-              <a:rPr lang="en-US" dirty="0"/>
-              <a:t> </a:t>
-            </a:r>
-            <a:r>
-              <a:rPr lang="en-US" dirty="0" err="1"/>
-              <a:t>aplikací</a:t>
-            </a:r>
-            <a:r>
-              <a:rPr lang="en-US" dirty="0"/>
-              <a:t> pro Windows.</a:t>
-            </a:r>
-          </a:p>
-          <a:p>
-            <a:r>
-              <a:rPr lang="en-US" dirty="0" err="1"/>
-              <a:t>Aplikace</a:t>
-            </a:r>
-            <a:r>
-              <a:rPr lang="en-US" dirty="0"/>
-              <a:t> je </a:t>
-            </a:r>
-            <a:r>
-              <a:rPr lang="en-US" dirty="0" err="1"/>
-              <a:t>tvořena</a:t>
-            </a:r>
-            <a:r>
-              <a:rPr lang="en-US" dirty="0"/>
-              <a:t> ze </a:t>
-            </a:r>
-            <a:r>
-              <a:rPr lang="en-US" dirty="0" err="1"/>
-              <a:t>sady</a:t>
-            </a:r>
-            <a:r>
-              <a:rPr lang="en-US" dirty="0"/>
-              <a:t> </a:t>
-            </a:r>
-            <a:r>
-              <a:rPr lang="en-US" dirty="0" err="1"/>
-              <a:t>předdefinovaných</a:t>
-            </a:r>
-            <a:r>
-              <a:rPr lang="en-US" dirty="0"/>
-              <a:t> </a:t>
-            </a:r>
-            <a:r>
-              <a:rPr lang="en-US" dirty="0" err="1"/>
-              <a:t>komponent</a:t>
-            </a:r>
-            <a:r>
-              <a:rPr lang="en-US" dirty="0"/>
-              <a:t> z </a:t>
-            </a:r>
-            <a:r>
-              <a:rPr lang="en-US" dirty="0" err="1"/>
-              <a:t>namespacu</a:t>
-            </a:r>
-            <a:r>
-              <a:rPr lang="en-US" dirty="0"/>
-              <a:t> </a:t>
-            </a:r>
-            <a:r>
-              <a:rPr lang="en-US" dirty="0" err="1"/>
-              <a:t>System.Windows.Forms</a:t>
-            </a:r>
-            <a:endParaRPr lang="cs-CZ" dirty="0"/>
-          </a:p>
-          <a:p>
-            <a:r>
-              <a:rPr lang="en-US" dirty="0" err="1"/>
-              <a:t>Každé</a:t>
-            </a:r>
-            <a:r>
-              <a:rPr lang="en-US" dirty="0"/>
-              <a:t> </a:t>
-            </a:r>
-            <a:r>
-              <a:rPr lang="en-US" dirty="0" err="1"/>
-              <a:t>okno</a:t>
-            </a:r>
-            <a:r>
-              <a:rPr lang="en-US" dirty="0"/>
-              <a:t>/</a:t>
-            </a:r>
-            <a:r>
-              <a:rPr lang="en-US" dirty="0" err="1"/>
-              <a:t>formulář</a:t>
-            </a:r>
-            <a:r>
-              <a:rPr lang="en-US" dirty="0"/>
-              <a:t> se z </a:t>
-            </a:r>
-            <a:r>
-              <a:rPr lang="en-US" dirty="0" err="1"/>
-              <a:t>pohledu</a:t>
-            </a:r>
-            <a:r>
-              <a:rPr lang="en-US" dirty="0"/>
-              <a:t> </a:t>
-            </a:r>
-            <a:r>
-              <a:rPr lang="en-US" dirty="0" err="1"/>
-              <a:t>kódu</a:t>
-            </a:r>
-            <a:r>
-              <a:rPr lang="en-US" dirty="0"/>
-              <a:t>/</a:t>
-            </a:r>
-            <a:r>
-              <a:rPr lang="en-US" dirty="0" err="1"/>
-              <a:t>struktury</a:t>
-            </a:r>
-            <a:r>
-              <a:rPr lang="en-US" dirty="0"/>
-              <a:t> </a:t>
-            </a:r>
-            <a:r>
-              <a:rPr lang="en-US" dirty="0" err="1"/>
-              <a:t>skládá</a:t>
-            </a:r>
-            <a:r>
-              <a:rPr lang="en-US" dirty="0"/>
-              <a:t> ze 2 </a:t>
-            </a:r>
-            <a:r>
-              <a:rPr lang="en-US" dirty="0" err="1"/>
-              <a:t>souborů</a:t>
-            </a:r>
-            <a:r>
-              <a:rPr lang="cs-CZ" dirty="0"/>
-              <a:t> </a:t>
-            </a:r>
-            <a:r>
-              <a:rPr lang="en-US" dirty="0"/>
-              <a:t>(</a:t>
-            </a:r>
-            <a:r>
-              <a:rPr lang="cs-CZ" dirty="0"/>
-              <a:t>částečné třídy</a:t>
-            </a:r>
-            <a:r>
-              <a:rPr lang="en-US" dirty="0"/>
-              <a:t>):</a:t>
-            </a:r>
-            <a:endParaRPr lang="cs-CZ" dirty="0"/>
-          </a:p>
-          <a:p>
-            <a:pPr lvl="1"/>
-            <a:r>
-              <a:rPr lang="en-US" dirty="0"/>
-              <a:t>*.Designer </a:t>
-            </a:r>
-            <a:r>
-              <a:rPr lang="en-US" dirty="0" err="1"/>
-              <a:t>soubor</a:t>
-            </a:r>
-            <a:r>
-              <a:rPr lang="en-US" dirty="0"/>
-              <a:t> =&gt; </a:t>
-            </a:r>
-            <a:r>
-              <a:rPr lang="en-US" dirty="0" err="1"/>
-              <a:t>obsahuje</a:t>
-            </a:r>
-            <a:r>
-              <a:rPr lang="en-US" dirty="0"/>
-              <a:t> </a:t>
-            </a:r>
-            <a:r>
-              <a:rPr lang="en-US" dirty="0" err="1"/>
-              <a:t>vygenerovaný</a:t>
-            </a:r>
-            <a:r>
-              <a:rPr lang="en-US" dirty="0"/>
-              <a:t> </a:t>
-            </a:r>
-            <a:r>
-              <a:rPr lang="en-US" dirty="0" err="1"/>
-              <a:t>kód</a:t>
-            </a:r>
-            <a:r>
-              <a:rPr lang="en-US" dirty="0"/>
-              <a:t>, </a:t>
-            </a:r>
-            <a:r>
-              <a:rPr lang="en-US" dirty="0" err="1"/>
-              <a:t>který</a:t>
-            </a:r>
-            <a:r>
-              <a:rPr lang="en-US" dirty="0"/>
-              <a:t> se </a:t>
-            </a:r>
-            <a:r>
-              <a:rPr lang="en-US" dirty="0" err="1"/>
-              <a:t>stará</a:t>
-            </a:r>
-            <a:r>
-              <a:rPr lang="en-US" dirty="0"/>
-              <a:t> o </a:t>
-            </a:r>
-            <a:r>
-              <a:rPr lang="en-US" dirty="0" err="1"/>
-              <a:t>vykreslení</a:t>
-            </a:r>
-            <a:r>
-              <a:rPr lang="en-US" dirty="0"/>
-              <a:t> </a:t>
-            </a:r>
-            <a:r>
-              <a:rPr lang="en-US" dirty="0" err="1"/>
-              <a:t>komponent</a:t>
-            </a:r>
-            <a:r>
-              <a:rPr lang="en-US" dirty="0"/>
-              <a:t>.</a:t>
-            </a:r>
-            <a:endParaRPr lang="cs-CZ" dirty="0"/>
-          </a:p>
-          <a:p>
-            <a:pPr lvl="1"/>
-            <a:r>
-              <a:rPr lang="cs-CZ" dirty="0"/>
-              <a:t>Soubor s „custom“ kódem</a:t>
-            </a:r>
+            <a:endParaRPr lang="en-US"/>
           </a:p>
         </p:txBody>
       </p:sp>
     </p:spTree>
     <p:extLst>
       <p:ext uri="{BB962C8B-B14F-4D97-AF65-F5344CB8AC3E}">
-        <p14:creationId xmlns:p14="http://schemas.microsoft.com/office/powerpoint/2010/main" val="3629382109"/>
+        <p14:creationId xmlns:p14="http://schemas.microsoft.com/office/powerpoint/2010/main" val="142730398"/>
       </p:ext>
     </p:extLst>
   </p:cSld>
@@ -10615,7 +8529,7 @@
           <p:cNvPr id="2" name="Title 1">
             <a:extLst>
               <a:ext uri="{FF2B5EF4-FFF2-40B4-BE49-F238E27FC236}">
-                <a16:creationId xmlns:a16="http://schemas.microsoft.com/office/drawing/2014/main" id="{FAC63BC7-BE09-4C1F-A982-CC2C4A5192B1}"/>
+                <a16:creationId xmlns:a16="http://schemas.microsoft.com/office/drawing/2014/main" id="{9122DB19-14DC-478A-8B02-7CE14C403536}"/>
               </a:ext>
             </a:extLst>
           </p:cNvPr>
@@ -10626,19 +8540,18 @@
             <p:ph type="title"/>
           </p:nvPr>
         </p:nvSpPr>
-        <p:spPr>
-          <a:xfrm>
-            <a:off x="2592925" y="624110"/>
-            <a:ext cx="8911687" cy="760073"/>
-          </a:xfrm>
-        </p:spPr>
+        <p:spPr/>
         <p:txBody>
           <a:bodyPr/>
           <a:lstStyle/>
           <a:p>
             <a:r>
               <a:rPr lang="cs-CZ" dirty="0"/>
-              <a:t>Grafický náhled</a:t>
+              <a:t>Ú</a:t>
+            </a:r>
+            <a:r>
+              <a:rPr lang="en-US" dirty="0" err="1"/>
+              <a:t>kol</a:t>
             </a:r>
             <a:endParaRPr lang="en-US" dirty="0"/>
           </a:p>
@@ -10649,7 +8562,7 @@
           <p:cNvPr id="3" name="Content Placeholder 2">
             <a:extLst>
               <a:ext uri="{FF2B5EF4-FFF2-40B4-BE49-F238E27FC236}">
-                <a16:creationId xmlns:a16="http://schemas.microsoft.com/office/drawing/2014/main" id="{B3556E91-E36C-4E44-87A9-679C2C92017A}"/>
+                <a16:creationId xmlns:a16="http://schemas.microsoft.com/office/drawing/2014/main" id="{3B45990D-2B7B-48BB-902D-4D4BA4040DCD}"/>
               </a:ext>
             </a:extLst>
           </p:cNvPr>
@@ -10660,2300 +8573,19 @@
             <p:ph idx="1"/>
           </p:nvPr>
         </p:nvSpPr>
-        <p:spPr>
-          <a:xfrm>
-            <a:off x="2589212" y="1384183"/>
-            <a:ext cx="8915400" cy="4527039"/>
-          </a:xfrm>
-        </p:spPr>
+        <p:spPr/>
         <p:txBody>
           <a:bodyPr/>
           <a:lstStyle/>
           <a:p>
-            <a:r>
-              <a:rPr lang="en-US" dirty="0" err="1"/>
-              <a:t>Náhled</a:t>
-            </a:r>
-            <a:r>
-              <a:rPr lang="en-US" dirty="0"/>
-              <a:t>, </a:t>
-            </a:r>
-            <a:r>
-              <a:rPr lang="en-US" dirty="0" err="1"/>
-              <a:t>jak</a:t>
-            </a:r>
-            <a:r>
-              <a:rPr lang="en-US" dirty="0"/>
-              <a:t> </a:t>
-            </a:r>
-            <a:r>
-              <a:rPr lang="en-US" dirty="0" err="1"/>
-              <a:t>bude</a:t>
-            </a:r>
-            <a:r>
-              <a:rPr lang="en-US" dirty="0"/>
-              <a:t> </a:t>
-            </a:r>
-            <a:r>
-              <a:rPr lang="en-US" dirty="0" err="1"/>
-              <a:t>aplikace</a:t>
-            </a:r>
-            <a:r>
-              <a:rPr lang="en-US" dirty="0"/>
-              <a:t> po </a:t>
-            </a:r>
-            <a:r>
-              <a:rPr lang="en-US" dirty="0" err="1"/>
-              <a:t>spuštění</a:t>
-            </a:r>
-            <a:r>
-              <a:rPr lang="en-US" dirty="0"/>
-              <a:t> </a:t>
-            </a:r>
-            <a:r>
-              <a:rPr lang="en-US" dirty="0" err="1"/>
-              <a:t>vypadat</a:t>
-            </a:r>
-            <a:r>
-              <a:rPr lang="en-US" dirty="0"/>
-              <a:t>.</a:t>
-            </a:r>
-          </a:p>
-          <a:p>
-            <a:r>
-              <a:rPr lang="en-US" dirty="0" err="1"/>
-              <a:t>Zde</a:t>
-            </a:r>
-            <a:r>
-              <a:rPr lang="en-US" dirty="0"/>
-              <a:t> </a:t>
-            </a:r>
-            <a:r>
-              <a:rPr lang="en-US" dirty="0" err="1"/>
-              <a:t>lze</a:t>
-            </a:r>
-            <a:r>
-              <a:rPr lang="en-US" dirty="0"/>
-              <a:t> </a:t>
-            </a:r>
-            <a:r>
-              <a:rPr lang="en-US" dirty="0" err="1"/>
-              <a:t>přidávat</a:t>
-            </a:r>
-            <a:r>
-              <a:rPr lang="en-US" dirty="0"/>
-              <a:t> </a:t>
-            </a:r>
-            <a:r>
-              <a:rPr lang="en-US" dirty="0" err="1"/>
-              <a:t>jednotlivé</a:t>
-            </a:r>
-            <a:r>
-              <a:rPr lang="en-US" dirty="0"/>
-              <a:t> </a:t>
-            </a:r>
-            <a:r>
-              <a:rPr lang="en-US" dirty="0" err="1"/>
-              <a:t>komponenty</a:t>
-            </a:r>
-            <a:r>
-              <a:rPr lang="en-US" dirty="0"/>
-              <a:t> z "</a:t>
-            </a:r>
-            <a:r>
-              <a:rPr lang="en-US" dirty="0" err="1"/>
-              <a:t>ToolBoxu</a:t>
-            </a:r>
-            <a:r>
-              <a:rPr lang="en-US" dirty="0"/>
-              <a:t>" (Ctrl + Alt + X)</a:t>
-            </a:r>
-          </a:p>
-          <a:p>
-            <a:r>
-              <a:rPr lang="en-US" dirty="0"/>
-              <a:t>Po </a:t>
-            </a:r>
-            <a:r>
-              <a:rPr lang="en-US" dirty="0" err="1"/>
-              <a:t>přidání</a:t>
-            </a:r>
-            <a:r>
-              <a:rPr lang="en-US" dirty="0"/>
-              <a:t> </a:t>
-            </a:r>
-            <a:r>
-              <a:rPr lang="en-US" dirty="0" err="1"/>
-              <a:t>komponenty</a:t>
-            </a:r>
-            <a:r>
-              <a:rPr lang="en-US" dirty="0"/>
-              <a:t> </a:t>
-            </a:r>
-            <a:r>
-              <a:rPr lang="en-US" dirty="0" err="1"/>
-              <a:t>dojde</a:t>
-            </a:r>
-            <a:r>
-              <a:rPr lang="en-US" dirty="0"/>
-              <a:t> </a:t>
-            </a:r>
-            <a:r>
-              <a:rPr lang="en-US" dirty="0" err="1"/>
-              <a:t>ke</a:t>
-            </a:r>
-            <a:r>
-              <a:rPr lang="en-US" dirty="0"/>
-              <a:t> </a:t>
-            </a:r>
-            <a:r>
-              <a:rPr lang="en-US" dirty="0" err="1"/>
-              <a:t>změně</a:t>
-            </a:r>
-            <a:r>
-              <a:rPr lang="en-US" dirty="0"/>
-              <a:t> designer </a:t>
-            </a:r>
-            <a:r>
-              <a:rPr lang="en-US" dirty="0" err="1"/>
-              <a:t>souboru</a:t>
-            </a:r>
-            <a:r>
-              <a:rPr lang="en-US" dirty="0"/>
-              <a:t>. </a:t>
-            </a:r>
-            <a:r>
-              <a:rPr lang="en-US" dirty="0" err="1"/>
-              <a:t>Vygeneruje</a:t>
-            </a:r>
-            <a:r>
-              <a:rPr lang="en-US" dirty="0"/>
-              <a:t> se </a:t>
-            </a:r>
-            <a:r>
-              <a:rPr lang="en-US" dirty="0" err="1"/>
-              <a:t>kód</a:t>
-            </a:r>
-            <a:r>
-              <a:rPr lang="en-US" dirty="0"/>
-              <a:t>, </a:t>
-            </a:r>
-            <a:r>
-              <a:rPr lang="en-US" dirty="0" err="1"/>
-              <a:t>který</a:t>
-            </a:r>
-            <a:r>
-              <a:rPr lang="en-US" dirty="0"/>
-              <a:t> </a:t>
-            </a:r>
-            <a:r>
-              <a:rPr lang="en-US" dirty="0" err="1"/>
-              <a:t>vytvoří</a:t>
-            </a:r>
-            <a:r>
-              <a:rPr lang="en-US" dirty="0"/>
-              <a:t> </a:t>
-            </a:r>
-            <a:r>
-              <a:rPr lang="en-US" dirty="0" err="1"/>
-              <a:t>instanci</a:t>
-            </a:r>
-            <a:r>
-              <a:rPr lang="en-US" dirty="0"/>
-              <a:t> </a:t>
-            </a:r>
-            <a:r>
-              <a:rPr lang="en-US" dirty="0" err="1"/>
-              <a:t>třídy</a:t>
-            </a:r>
-            <a:r>
-              <a:rPr lang="en-US" dirty="0"/>
-              <a:t> </a:t>
-            </a:r>
-            <a:r>
-              <a:rPr lang="en-US" dirty="0" err="1"/>
-              <a:t>představující</a:t>
-            </a:r>
-            <a:r>
-              <a:rPr lang="en-US" dirty="0"/>
-              <a:t> </a:t>
-            </a:r>
-            <a:r>
-              <a:rPr lang="en-US" dirty="0" err="1"/>
-              <a:t>tuto</a:t>
-            </a:r>
-            <a:r>
-              <a:rPr lang="en-US" dirty="0"/>
-              <a:t> </a:t>
-            </a:r>
-            <a:r>
-              <a:rPr lang="en-US" dirty="0" err="1"/>
-              <a:t>komponentu</a:t>
-            </a:r>
-            <a:r>
-              <a:rPr lang="en-US" dirty="0"/>
-              <a:t> a </a:t>
-            </a:r>
-            <a:r>
-              <a:rPr lang="en-US" dirty="0" err="1"/>
-              <a:t>uloží</a:t>
-            </a:r>
-            <a:r>
-              <a:rPr lang="en-US" dirty="0"/>
-              <a:t> do </a:t>
-            </a:r>
-            <a:r>
-              <a:rPr lang="en-US" dirty="0" err="1"/>
-              <a:t>jeho</a:t>
-            </a:r>
-            <a:r>
-              <a:rPr lang="en-US" dirty="0"/>
-              <a:t> </a:t>
-            </a:r>
-            <a:r>
-              <a:rPr lang="en-US" dirty="0" err="1"/>
-              <a:t>vlastností</a:t>
-            </a:r>
-            <a:r>
-              <a:rPr lang="en-US" dirty="0"/>
-              <a:t> </a:t>
-            </a:r>
-            <a:r>
-              <a:rPr lang="en-US" dirty="0" err="1"/>
-              <a:t>hodnoty</a:t>
-            </a:r>
-            <a:r>
-              <a:rPr lang="en-US" dirty="0"/>
-              <a:t> </a:t>
-            </a:r>
-            <a:r>
-              <a:rPr lang="en-US" dirty="0" err="1"/>
-              <a:t>jako</a:t>
-            </a:r>
-            <a:r>
-              <a:rPr lang="en-US" dirty="0"/>
-              <a:t> (</a:t>
-            </a:r>
-            <a:r>
-              <a:rPr lang="en-US" dirty="0" err="1"/>
-              <a:t>jméno</a:t>
-            </a:r>
-            <a:r>
-              <a:rPr lang="en-US" dirty="0"/>
-              <a:t>, </a:t>
-            </a:r>
-            <a:r>
-              <a:rPr lang="en-US" dirty="0" err="1"/>
-              <a:t>umístění</a:t>
-            </a:r>
-            <a:r>
-              <a:rPr lang="en-US" dirty="0"/>
-              <a:t> v </a:t>
-            </a:r>
-            <a:r>
-              <a:rPr lang="en-US" dirty="0" err="1"/>
-              <a:t>okně</a:t>
-            </a:r>
-            <a:r>
-              <a:rPr lang="en-US" dirty="0"/>
-              <a:t>, </a:t>
-            </a:r>
-            <a:r>
-              <a:rPr lang="en-US" dirty="0" err="1"/>
-              <a:t>velikost</a:t>
-            </a:r>
-            <a:r>
-              <a:rPr lang="en-US" dirty="0"/>
-              <a:t>,...). (detail </a:t>
-            </a:r>
-            <a:r>
-              <a:rPr lang="en-US" dirty="0" err="1"/>
-              <a:t>dále</a:t>
-            </a:r>
-            <a:r>
-              <a:rPr lang="en-US" dirty="0"/>
-              <a:t>)</a:t>
-            </a:r>
-          </a:p>
-          <a:p>
-            <a:r>
-              <a:rPr lang="en-US" dirty="0" err="1"/>
-              <a:t>Hodnoty</a:t>
-            </a:r>
-            <a:r>
-              <a:rPr lang="en-US" dirty="0"/>
-              <a:t> </a:t>
-            </a:r>
-            <a:r>
-              <a:rPr lang="en-US" dirty="0" err="1"/>
-              <a:t>na</a:t>
-            </a:r>
-            <a:r>
-              <a:rPr lang="en-US" dirty="0"/>
-              <a:t> </a:t>
-            </a:r>
-            <a:r>
-              <a:rPr lang="en-US" dirty="0" err="1"/>
-              <a:t>které</a:t>
-            </a:r>
-            <a:r>
-              <a:rPr lang="en-US" dirty="0"/>
-              <a:t> </a:t>
-            </a:r>
-            <a:r>
-              <a:rPr lang="en-US" dirty="0" err="1"/>
-              <a:t>jsou</a:t>
-            </a:r>
-            <a:r>
-              <a:rPr lang="en-US" dirty="0"/>
-              <a:t> </a:t>
-            </a:r>
-            <a:r>
-              <a:rPr lang="en-US" dirty="0" err="1"/>
-              <a:t>vlastnosti</a:t>
-            </a:r>
-            <a:r>
-              <a:rPr lang="en-US" dirty="0"/>
-              <a:t> </a:t>
-            </a:r>
-            <a:r>
-              <a:rPr lang="en-US" dirty="0" err="1"/>
-              <a:t>tohoto</a:t>
-            </a:r>
-            <a:r>
-              <a:rPr lang="en-US" dirty="0"/>
-              <a:t> </a:t>
-            </a:r>
-            <a:r>
-              <a:rPr lang="en-US" dirty="0" err="1"/>
-              <a:t>objektu</a:t>
-            </a:r>
-            <a:r>
-              <a:rPr lang="en-US" dirty="0"/>
-              <a:t> </a:t>
-            </a:r>
-            <a:r>
-              <a:rPr lang="en-US" dirty="0" err="1"/>
-              <a:t>inicializovány</a:t>
-            </a:r>
-            <a:r>
-              <a:rPr lang="en-US" dirty="0"/>
-              <a:t> </a:t>
-            </a:r>
-            <a:r>
-              <a:rPr lang="en-US" dirty="0" err="1"/>
-              <a:t>lze</a:t>
-            </a:r>
-            <a:r>
-              <a:rPr lang="en-US" dirty="0"/>
-              <a:t> </a:t>
-            </a:r>
-            <a:r>
-              <a:rPr lang="en-US" dirty="0" err="1"/>
-              <a:t>změnit</a:t>
-            </a:r>
-            <a:r>
-              <a:rPr lang="en-US" dirty="0"/>
-              <a:t> </a:t>
-            </a:r>
-            <a:r>
-              <a:rPr lang="en-US" dirty="0" err="1"/>
-              <a:t>přímo</a:t>
-            </a:r>
-            <a:r>
-              <a:rPr lang="en-US" dirty="0"/>
-              <a:t> v </a:t>
-            </a:r>
-            <a:r>
-              <a:rPr lang="en-US" dirty="0" err="1"/>
-              <a:t>náhledu</a:t>
-            </a:r>
-            <a:r>
-              <a:rPr lang="en-US" dirty="0"/>
-              <a:t>. </a:t>
-            </a:r>
-            <a:endParaRPr lang="cs-CZ" dirty="0"/>
-          </a:p>
-          <a:p>
-            <a:r>
-              <a:rPr lang="en-US" dirty="0" err="1"/>
-              <a:t>Jméno</a:t>
-            </a:r>
-            <a:r>
-              <a:rPr lang="en-US" dirty="0"/>
-              <a:t> </a:t>
-            </a:r>
-            <a:r>
-              <a:rPr lang="en-US" dirty="0" err="1"/>
-              <a:t>ve</a:t>
-            </a:r>
-            <a:r>
-              <a:rPr lang="en-US" dirty="0"/>
-              <a:t> </a:t>
-            </a:r>
-            <a:r>
-              <a:rPr lang="en-US" dirty="0" err="1"/>
-              <a:t>vlastnostech</a:t>
-            </a:r>
-            <a:r>
-              <a:rPr lang="en-US" dirty="0"/>
-              <a:t> = </a:t>
-            </a:r>
-            <a:r>
-              <a:rPr lang="en-US" dirty="0" err="1"/>
-              <a:t>identifikátor</a:t>
-            </a:r>
-            <a:r>
-              <a:rPr lang="en-US" dirty="0"/>
-              <a:t> </a:t>
-            </a:r>
-            <a:r>
-              <a:rPr lang="en-US" dirty="0" err="1"/>
-              <a:t>objektu</a:t>
-            </a:r>
-            <a:r>
-              <a:rPr lang="cs-CZ" dirty="0"/>
-              <a:t> </a:t>
-            </a:r>
-            <a:r>
-              <a:rPr lang="en-US" dirty="0"/>
-              <a:t>(</a:t>
-            </a:r>
-            <a:r>
-              <a:rPr lang="en-US" dirty="0" err="1"/>
-              <a:t>jméno</a:t>
-            </a:r>
-            <a:r>
-              <a:rPr lang="en-US" dirty="0"/>
-              <a:t> </a:t>
-            </a:r>
-            <a:r>
-              <a:rPr lang="en-US" dirty="0" err="1"/>
-              <a:t>proměnné</a:t>
-            </a:r>
-            <a:r>
-              <a:rPr lang="en-US" dirty="0"/>
-              <a:t> </a:t>
-            </a:r>
-            <a:r>
-              <a:rPr lang="en-US" dirty="0" err="1"/>
-              <a:t>ve</a:t>
-            </a:r>
-            <a:r>
-              <a:rPr lang="en-US" dirty="0"/>
-              <a:t> </a:t>
-            </a:r>
-            <a:r>
-              <a:rPr lang="en-US" dirty="0" err="1"/>
-              <a:t>které</a:t>
-            </a:r>
-            <a:r>
-              <a:rPr lang="en-US" dirty="0"/>
-              <a:t> </a:t>
-            </a:r>
-            <a:r>
-              <a:rPr lang="en-US" dirty="0" err="1"/>
-              <a:t>bude</a:t>
-            </a:r>
-            <a:r>
-              <a:rPr lang="en-US" dirty="0"/>
-              <a:t> reference </a:t>
-            </a:r>
-            <a:r>
-              <a:rPr lang="en-US" dirty="0" err="1"/>
-              <a:t>na</a:t>
-            </a:r>
-            <a:r>
-              <a:rPr lang="en-US" dirty="0"/>
-              <a:t> </a:t>
-            </a:r>
-            <a:r>
-              <a:rPr lang="en-US" dirty="0" err="1"/>
-              <a:t>objekt</a:t>
-            </a:r>
-            <a:r>
-              <a:rPr lang="cs-CZ" dirty="0"/>
-              <a:t> </a:t>
-            </a:r>
-            <a:r>
-              <a:rPr lang="en-US" dirty="0" err="1"/>
-              <a:t>uložena</a:t>
-            </a:r>
-            <a:r>
-              <a:rPr lang="cs-CZ" dirty="0"/>
-              <a:t> </a:t>
-            </a:r>
-            <a:r>
-              <a:rPr lang="en-US" dirty="0"/>
-              <a:t>- </a:t>
-            </a:r>
-            <a:r>
-              <a:rPr lang="en-US" dirty="0" err="1"/>
-              <a:t>doporučuji</a:t>
-            </a:r>
-            <a:r>
-              <a:rPr lang="en-US" dirty="0"/>
-              <a:t> </a:t>
-            </a:r>
-            <a:r>
-              <a:rPr lang="en-US" dirty="0" err="1"/>
-              <a:t>pojmenovat</a:t>
-            </a:r>
-            <a:r>
-              <a:rPr lang="en-US" dirty="0"/>
-              <a:t> </a:t>
-            </a:r>
-            <a:r>
-              <a:rPr lang="en-US" dirty="0" err="1"/>
-              <a:t>smysluplně</a:t>
-            </a:r>
-            <a:r>
-              <a:rPr lang="en-US" dirty="0"/>
-              <a:t> </a:t>
-            </a:r>
-            <a:r>
-              <a:rPr lang="en-US" dirty="0" err="1"/>
-              <a:t>stejně</a:t>
-            </a:r>
-            <a:r>
-              <a:rPr lang="en-US" dirty="0"/>
-              <a:t> </a:t>
-            </a:r>
-            <a:r>
-              <a:rPr lang="en-US" dirty="0" err="1"/>
-              <a:t>jako</a:t>
-            </a:r>
-            <a:r>
-              <a:rPr lang="en-US" dirty="0"/>
-              <a:t> </a:t>
-            </a:r>
-            <a:r>
-              <a:rPr lang="en-US" dirty="0" err="1"/>
-              <a:t>jakoukoliv</a:t>
-            </a:r>
-            <a:r>
-              <a:rPr lang="en-US" dirty="0"/>
-              <a:t> </a:t>
-            </a:r>
-            <a:r>
-              <a:rPr lang="en-US" dirty="0" err="1"/>
-              <a:t>proměnnou</a:t>
-            </a:r>
-            <a:r>
-              <a:rPr lang="en-US" dirty="0"/>
-              <a:t>)</a:t>
-            </a:r>
-          </a:p>
-        </p:txBody>
-      </p:sp>
-      <p:pic>
-        <p:nvPicPr>
-          <p:cNvPr id="9" name="Picture 8">
-            <a:extLst>
-              <a:ext uri="{FF2B5EF4-FFF2-40B4-BE49-F238E27FC236}">
-                <a16:creationId xmlns:a16="http://schemas.microsoft.com/office/drawing/2014/main" id="{41B8DD09-B703-4ACA-BDC3-7B50FF12FFBC}"/>
-              </a:ext>
-            </a:extLst>
-          </p:cNvPr>
-          <p:cNvPicPr>
-            <a:picLocks noChangeAspect="1"/>
-          </p:cNvPicPr>
-          <p:nvPr/>
-        </p:nvPicPr>
-        <p:blipFill>
-          <a:blip r:embed="rId2"/>
-          <a:stretch>
-            <a:fillRect/>
-          </a:stretch>
-        </p:blipFill>
-        <p:spPr>
-          <a:xfrm>
-            <a:off x="500264" y="4038550"/>
-            <a:ext cx="2243003" cy="2632745"/>
-          </a:xfrm>
-          <a:prstGeom prst="rect">
-            <a:avLst/>
-          </a:prstGeom>
-        </p:spPr>
-      </p:pic>
-      <p:pic>
-        <p:nvPicPr>
-          <p:cNvPr id="13" name="Picture 12">
-            <a:extLst>
-              <a:ext uri="{FF2B5EF4-FFF2-40B4-BE49-F238E27FC236}">
-                <a16:creationId xmlns:a16="http://schemas.microsoft.com/office/drawing/2014/main" id="{5992FC89-A5E9-4B97-90F8-A590C5B5957E}"/>
-              </a:ext>
-            </a:extLst>
-          </p:cNvPr>
-          <p:cNvPicPr>
-            <a:picLocks noChangeAspect="1"/>
-          </p:cNvPicPr>
-          <p:nvPr/>
-        </p:nvPicPr>
-        <p:blipFill>
-          <a:blip r:embed="rId3"/>
-          <a:stretch>
-            <a:fillRect/>
-          </a:stretch>
-        </p:blipFill>
-        <p:spPr>
-          <a:xfrm>
-            <a:off x="3692630" y="5289323"/>
-            <a:ext cx="2133600" cy="923925"/>
-          </a:xfrm>
-          <a:prstGeom prst="rect">
-            <a:avLst/>
-          </a:prstGeom>
-        </p:spPr>
-      </p:pic>
-      <p:sp>
-        <p:nvSpPr>
-          <p:cNvPr id="14" name="Arrow: Right 13">
-            <a:extLst>
-              <a:ext uri="{FF2B5EF4-FFF2-40B4-BE49-F238E27FC236}">
-                <a16:creationId xmlns:a16="http://schemas.microsoft.com/office/drawing/2014/main" id="{BAAFC757-5F2E-4E59-AA66-8FD2B2B2CEE8}"/>
-              </a:ext>
-            </a:extLst>
-          </p:cNvPr>
-          <p:cNvSpPr/>
-          <p:nvPr/>
-        </p:nvSpPr>
-        <p:spPr>
-          <a:xfrm>
-            <a:off x="2969703" y="5629013"/>
-            <a:ext cx="335559" cy="282209"/>
-          </a:xfrm>
-          <a:prstGeom prst="rightArrow">
-            <a:avLst/>
-          </a:prstGeom>
-        </p:spPr>
-        <p:style>
-          <a:lnRef idx="2">
-            <a:schemeClr val="accent1">
-              <a:shade val="50000"/>
-            </a:schemeClr>
-          </a:lnRef>
-          <a:fillRef idx="1">
-            <a:schemeClr val="accent1"/>
-          </a:fillRef>
-          <a:effectRef idx="0">
-            <a:schemeClr val="accent1"/>
-          </a:effectRef>
-          <a:fontRef idx="minor">
-            <a:schemeClr val="lt1"/>
-          </a:fontRef>
-        </p:style>
-        <p:txBody>
-          <a:bodyPr rtlCol="0" anchor="ctr"/>
-          <a:lstStyle/>
-          <a:p>
-            <a:pPr algn="ctr"/>
-            <a:endParaRPr lang="en-US"/>
+            <a:endParaRPr lang="en-US" dirty="0"/>
           </a:p>
         </p:txBody>
       </p:sp>
     </p:spTree>
     <p:extLst>
       <p:ext uri="{BB962C8B-B14F-4D97-AF65-F5344CB8AC3E}">
-        <p14:creationId xmlns:p14="http://schemas.microsoft.com/office/powerpoint/2010/main" val="304911318"/>
-      </p:ext>
-    </p:extLst>
-  </p:cSld>
-  <p:clrMapOvr>
-    <a:masterClrMapping/>
-  </p:clrMapOvr>
-</p:sld>
-</file>
-
-<file path=ppt/slides/slide7.xml><?xml version="1.0" encoding="utf-8"?>
-<p:sld xmlns:a="http://schemas.openxmlformats.org/drawingml/2006/main" xmlns:r="http://schemas.openxmlformats.org/officeDocument/2006/relationships" xmlns:p="http://schemas.openxmlformats.org/presentationml/2006/main">
-  <p:cSld>
-    <p:spTree>
-      <p:nvGrpSpPr>
-        <p:cNvPr id="1" name=""/>
-        <p:cNvGrpSpPr/>
-        <p:nvPr/>
-      </p:nvGrpSpPr>
-      <p:grpSpPr>
-        <a:xfrm>
-          <a:off x="0" y="0"/>
-          <a:ext cx="0" cy="0"/>
-          <a:chOff x="0" y="0"/>
-          <a:chExt cx="0" cy="0"/>
-        </a:xfrm>
-      </p:grpSpPr>
-      <p:sp>
-        <p:nvSpPr>
-          <p:cNvPr id="2" name="Title 1">
-            <a:extLst>
-              <a:ext uri="{FF2B5EF4-FFF2-40B4-BE49-F238E27FC236}">
-                <a16:creationId xmlns:a16="http://schemas.microsoft.com/office/drawing/2014/main" id="{B1F465CF-F11F-42A1-A4A3-7A4CFE9595E2}"/>
-              </a:ext>
-            </a:extLst>
-          </p:cNvPr>
-          <p:cNvSpPr>
-            <a:spLocks noGrp="1"/>
-          </p:cNvSpPr>
-          <p:nvPr>
-            <p:ph type="title"/>
-          </p:nvPr>
-        </p:nvSpPr>
-        <p:spPr/>
-        <p:txBody>
-          <a:bodyPr/>
-          <a:lstStyle/>
-          <a:p>
-            <a:r>
-              <a:rPr lang="en-US" dirty="0"/>
-              <a:t>*.Designer </a:t>
-            </a:r>
-            <a:r>
-              <a:rPr lang="en-US" dirty="0" err="1"/>
-              <a:t>soubor</a:t>
-            </a:r>
-            <a:endParaRPr lang="en-US" dirty="0"/>
-          </a:p>
-        </p:txBody>
-      </p:sp>
-      <p:sp>
-        <p:nvSpPr>
-          <p:cNvPr id="3" name="Content Placeholder 2">
-            <a:extLst>
-              <a:ext uri="{FF2B5EF4-FFF2-40B4-BE49-F238E27FC236}">
-                <a16:creationId xmlns:a16="http://schemas.microsoft.com/office/drawing/2014/main" id="{B6D439DF-1002-47B0-A847-52B861B0C4E5}"/>
-              </a:ext>
-            </a:extLst>
-          </p:cNvPr>
-          <p:cNvSpPr>
-            <a:spLocks noGrp="1"/>
-          </p:cNvSpPr>
-          <p:nvPr>
-            <p:ph idx="1"/>
-          </p:nvPr>
-        </p:nvSpPr>
-        <p:spPr>
-          <a:xfrm>
-            <a:off x="2592925" y="1264555"/>
-            <a:ext cx="8915400" cy="4758740"/>
-          </a:xfrm>
-        </p:spPr>
-        <p:txBody>
-          <a:bodyPr/>
-          <a:lstStyle/>
-          <a:p>
-            <a:r>
-              <a:rPr lang="en-US" dirty="0"/>
-              <a:t>P</a:t>
-            </a:r>
-            <a:r>
-              <a:rPr lang="cs-CZ" dirty="0"/>
-              <a:t>říklad vygenerovaného kódu pro tlačítko.</a:t>
-            </a:r>
-          </a:p>
-          <a:p>
-            <a:endParaRPr lang="cs-CZ" dirty="0"/>
-          </a:p>
-          <a:p>
-            <a:endParaRPr lang="cs-CZ" dirty="0"/>
-          </a:p>
-          <a:p>
-            <a:endParaRPr lang="cs-CZ" dirty="0"/>
-          </a:p>
-          <a:p>
-            <a:endParaRPr lang="cs-CZ" dirty="0"/>
-          </a:p>
-          <a:p>
-            <a:endParaRPr lang="cs-CZ" dirty="0"/>
-          </a:p>
-          <a:p>
-            <a:endParaRPr lang="cs-CZ" dirty="0"/>
-          </a:p>
-          <a:p>
-            <a:endParaRPr lang="cs-CZ" dirty="0"/>
-          </a:p>
-          <a:p>
-            <a:r>
-              <a:rPr lang="en-US" dirty="0" err="1"/>
-              <a:t>Zde</a:t>
-            </a:r>
-            <a:r>
-              <a:rPr lang="en-US" dirty="0"/>
-              <a:t> je </a:t>
-            </a:r>
-            <a:r>
-              <a:rPr lang="en-US" dirty="0" err="1"/>
-              <a:t>možné</a:t>
-            </a:r>
-            <a:r>
-              <a:rPr lang="en-US" dirty="0"/>
-              <a:t> </a:t>
-            </a:r>
-            <a:r>
-              <a:rPr lang="en-US" dirty="0" err="1"/>
-              <a:t>vidět</a:t>
-            </a:r>
-            <a:r>
-              <a:rPr lang="en-US" dirty="0"/>
-              <a:t> </a:t>
-            </a:r>
-            <a:r>
-              <a:rPr lang="en-US" dirty="0" err="1"/>
-              <a:t>onu</a:t>
-            </a:r>
-            <a:r>
-              <a:rPr lang="en-US" dirty="0"/>
-              <a:t> </a:t>
-            </a:r>
-            <a:r>
-              <a:rPr lang="en-US" dirty="0" err="1"/>
-              <a:t>inicializaci</a:t>
-            </a:r>
-            <a:r>
-              <a:rPr lang="en-US" dirty="0"/>
-              <a:t> </a:t>
-            </a:r>
-            <a:r>
-              <a:rPr lang="en-US" dirty="0" err="1"/>
-              <a:t>vlastnosti</a:t>
-            </a:r>
-            <a:r>
-              <a:rPr lang="en-US" dirty="0"/>
-              <a:t> </a:t>
-            </a:r>
-            <a:r>
-              <a:rPr lang="en-US" dirty="0" err="1"/>
-              <a:t>na</a:t>
-            </a:r>
-            <a:r>
-              <a:rPr lang="en-US" dirty="0"/>
-              <a:t> </a:t>
-            </a:r>
-            <a:r>
-              <a:rPr lang="en-US" dirty="0" err="1"/>
-              <a:t>nějaké</a:t>
-            </a:r>
-            <a:r>
-              <a:rPr lang="en-US" dirty="0"/>
-              <a:t> </a:t>
-            </a:r>
-            <a:r>
-              <a:rPr lang="en-US" dirty="0" err="1"/>
-              <a:t>hodnoty</a:t>
-            </a:r>
-            <a:r>
-              <a:rPr lang="en-US" dirty="0"/>
-              <a:t>.</a:t>
-            </a:r>
-          </a:p>
-        </p:txBody>
-      </p:sp>
-      <p:sp>
-        <p:nvSpPr>
-          <p:cNvPr id="4" name="Rectangle 3">
-            <a:extLst>
-              <a:ext uri="{FF2B5EF4-FFF2-40B4-BE49-F238E27FC236}">
-                <a16:creationId xmlns:a16="http://schemas.microsoft.com/office/drawing/2014/main" id="{9E2E8564-8DA3-46F7-97AB-5B5C935B205C}"/>
-              </a:ext>
-            </a:extLst>
-          </p:cNvPr>
-          <p:cNvSpPr/>
-          <p:nvPr/>
-        </p:nvSpPr>
-        <p:spPr>
-          <a:xfrm>
-            <a:off x="1219201" y="1905000"/>
-            <a:ext cx="9468374" cy="2585323"/>
-          </a:xfrm>
-          <a:prstGeom prst="rect">
-            <a:avLst/>
-          </a:prstGeom>
-        </p:spPr>
-        <p:txBody>
-          <a:bodyPr wrap="square">
-            <a:spAutoFit/>
-          </a:bodyPr>
-          <a:lstStyle/>
-          <a:p>
-            <a:r>
-              <a:rPr lang="cs-CZ" dirty="0">
-                <a:solidFill>
-                  <a:srgbClr val="0000FF"/>
-                </a:solidFill>
-                <a:latin typeface="Consolas" panose="020B0609020204030204" pitchFamily="49" charset="0"/>
-              </a:rPr>
-              <a:t>            </a:t>
-            </a:r>
-            <a:r>
-              <a:rPr lang="en-US" dirty="0">
-                <a:solidFill>
-                  <a:srgbClr val="0000FF"/>
-                </a:solidFill>
-                <a:latin typeface="Consolas" panose="020B0609020204030204" pitchFamily="49" charset="0"/>
-              </a:rPr>
-              <a:t>this</a:t>
-            </a:r>
-            <a:r>
-              <a:rPr lang="en-US" dirty="0">
-                <a:solidFill>
-                  <a:srgbClr val="000000"/>
-                </a:solidFill>
-                <a:latin typeface="Consolas" panose="020B0609020204030204" pitchFamily="49" charset="0"/>
-              </a:rPr>
-              <a:t>.button1 = </a:t>
-            </a:r>
-            <a:r>
-              <a:rPr lang="en-US" dirty="0">
-                <a:solidFill>
-                  <a:srgbClr val="0000FF"/>
-                </a:solidFill>
-                <a:latin typeface="Consolas" panose="020B0609020204030204" pitchFamily="49" charset="0"/>
-              </a:rPr>
-              <a:t>new</a:t>
-            </a:r>
-            <a:r>
-              <a:rPr lang="en-US" dirty="0">
-                <a:solidFill>
-                  <a:srgbClr val="000000"/>
-                </a:solidFill>
-                <a:latin typeface="Consolas" panose="020B0609020204030204" pitchFamily="49" charset="0"/>
-              </a:rPr>
-              <a:t> </a:t>
-            </a:r>
-            <a:r>
-              <a:rPr lang="en-US" dirty="0" err="1">
-                <a:solidFill>
-                  <a:srgbClr val="000000"/>
-                </a:solidFill>
-                <a:latin typeface="Consolas" panose="020B0609020204030204" pitchFamily="49" charset="0"/>
-              </a:rPr>
-              <a:t>System.Windows.Forms.Button</a:t>
-            </a:r>
-            <a:r>
-              <a:rPr lang="en-US" dirty="0">
-                <a:solidFill>
-                  <a:srgbClr val="000000"/>
-                </a:solidFill>
-                <a:latin typeface="Consolas" panose="020B0609020204030204" pitchFamily="49" charset="0"/>
-              </a:rPr>
-              <a:t>();</a:t>
-            </a:r>
-          </a:p>
-          <a:p>
-            <a:r>
-              <a:rPr lang="en-US" dirty="0">
-                <a:solidFill>
-                  <a:srgbClr val="000000"/>
-                </a:solidFill>
-                <a:latin typeface="Consolas" panose="020B0609020204030204" pitchFamily="49" charset="0"/>
-              </a:rPr>
-              <a:t>            </a:t>
-            </a:r>
-            <a:r>
-              <a:rPr lang="en-US" dirty="0" err="1">
-                <a:solidFill>
-                  <a:srgbClr val="0000FF"/>
-                </a:solidFill>
-                <a:latin typeface="Consolas" panose="020B0609020204030204" pitchFamily="49" charset="0"/>
-              </a:rPr>
-              <a:t>this</a:t>
-            </a:r>
-            <a:r>
-              <a:rPr lang="en-US" dirty="0" err="1">
-                <a:solidFill>
-                  <a:srgbClr val="000000"/>
-                </a:solidFill>
-                <a:latin typeface="Consolas" panose="020B0609020204030204" pitchFamily="49" charset="0"/>
-              </a:rPr>
-              <a:t>.SuspendLayout</a:t>
-            </a:r>
-            <a:r>
-              <a:rPr lang="en-US" dirty="0">
-                <a:solidFill>
-                  <a:srgbClr val="000000"/>
-                </a:solidFill>
-                <a:latin typeface="Consolas" panose="020B0609020204030204" pitchFamily="49" charset="0"/>
-              </a:rPr>
-              <a:t>();</a:t>
-            </a:r>
-          </a:p>
-          <a:p>
-            <a:r>
-              <a:rPr lang="en-US" dirty="0">
-                <a:solidFill>
-                  <a:srgbClr val="000000"/>
-                </a:solidFill>
-                <a:latin typeface="Consolas" panose="020B0609020204030204" pitchFamily="49" charset="0"/>
-              </a:rPr>
-              <a:t>          </a:t>
-            </a:r>
-          </a:p>
-          <a:p>
-            <a:r>
-              <a:rPr lang="en-US" dirty="0">
-                <a:solidFill>
-                  <a:srgbClr val="000000"/>
-                </a:solidFill>
-                <a:latin typeface="Consolas" panose="020B0609020204030204" pitchFamily="49" charset="0"/>
-              </a:rPr>
-              <a:t>            </a:t>
-            </a:r>
-            <a:r>
-              <a:rPr lang="en-US" dirty="0">
-                <a:solidFill>
-                  <a:srgbClr val="0000FF"/>
-                </a:solidFill>
-                <a:latin typeface="Consolas" panose="020B0609020204030204" pitchFamily="49" charset="0"/>
-              </a:rPr>
-              <a:t>this</a:t>
-            </a:r>
-            <a:r>
-              <a:rPr lang="en-US" dirty="0">
-                <a:solidFill>
-                  <a:srgbClr val="000000"/>
-                </a:solidFill>
-                <a:latin typeface="Consolas" panose="020B0609020204030204" pitchFamily="49" charset="0"/>
-              </a:rPr>
-              <a:t>.button1.Location = </a:t>
-            </a:r>
-            <a:r>
-              <a:rPr lang="en-US" dirty="0">
-                <a:solidFill>
-                  <a:srgbClr val="0000FF"/>
-                </a:solidFill>
-                <a:latin typeface="Consolas" panose="020B0609020204030204" pitchFamily="49" charset="0"/>
-              </a:rPr>
-              <a:t>new</a:t>
-            </a:r>
-            <a:r>
-              <a:rPr lang="en-US" dirty="0">
-                <a:solidFill>
-                  <a:srgbClr val="000000"/>
-                </a:solidFill>
-                <a:latin typeface="Consolas" panose="020B0609020204030204" pitchFamily="49" charset="0"/>
-              </a:rPr>
-              <a:t> </a:t>
-            </a:r>
-            <a:r>
-              <a:rPr lang="en-US" dirty="0" err="1">
-                <a:solidFill>
-                  <a:srgbClr val="000000"/>
-                </a:solidFill>
-                <a:latin typeface="Consolas" panose="020B0609020204030204" pitchFamily="49" charset="0"/>
-              </a:rPr>
-              <a:t>System.Drawing.Point</a:t>
-            </a:r>
-            <a:r>
-              <a:rPr lang="en-US" dirty="0">
-                <a:solidFill>
-                  <a:srgbClr val="000000"/>
-                </a:solidFill>
-                <a:latin typeface="Consolas" panose="020B0609020204030204" pitchFamily="49" charset="0"/>
-              </a:rPr>
-              <a:t>(165, 119);</a:t>
-            </a:r>
-          </a:p>
-          <a:p>
-            <a:r>
-              <a:rPr lang="en-US" dirty="0">
-                <a:solidFill>
-                  <a:srgbClr val="000000"/>
-                </a:solidFill>
-                <a:latin typeface="Consolas" panose="020B0609020204030204" pitchFamily="49" charset="0"/>
-              </a:rPr>
-              <a:t>            </a:t>
-            </a:r>
-            <a:r>
-              <a:rPr lang="en-US" dirty="0">
-                <a:solidFill>
-                  <a:srgbClr val="0000FF"/>
-                </a:solidFill>
-                <a:latin typeface="Consolas" panose="020B0609020204030204" pitchFamily="49" charset="0"/>
-              </a:rPr>
-              <a:t>this</a:t>
-            </a:r>
-            <a:r>
-              <a:rPr lang="en-US" dirty="0">
-                <a:solidFill>
-                  <a:srgbClr val="000000"/>
-                </a:solidFill>
-                <a:latin typeface="Consolas" panose="020B0609020204030204" pitchFamily="49" charset="0"/>
-              </a:rPr>
-              <a:t>.button1.Name = </a:t>
-            </a:r>
-            <a:r>
-              <a:rPr lang="en-US" dirty="0">
-                <a:solidFill>
-                  <a:srgbClr val="A31515"/>
-                </a:solidFill>
-                <a:latin typeface="Consolas" panose="020B0609020204030204" pitchFamily="49" charset="0"/>
-              </a:rPr>
-              <a:t>"button1"</a:t>
-            </a:r>
-            <a:r>
-              <a:rPr lang="en-US" dirty="0">
-                <a:solidFill>
-                  <a:srgbClr val="000000"/>
-                </a:solidFill>
-                <a:latin typeface="Consolas" panose="020B0609020204030204" pitchFamily="49" charset="0"/>
-              </a:rPr>
-              <a:t>;</a:t>
-            </a:r>
-          </a:p>
-          <a:p>
-            <a:r>
-              <a:rPr lang="en-US" dirty="0">
-                <a:solidFill>
-                  <a:srgbClr val="000000"/>
-                </a:solidFill>
-                <a:latin typeface="Consolas" panose="020B0609020204030204" pitchFamily="49" charset="0"/>
-              </a:rPr>
-              <a:t>            </a:t>
-            </a:r>
-            <a:r>
-              <a:rPr lang="en-US" dirty="0">
-                <a:solidFill>
-                  <a:srgbClr val="0000FF"/>
-                </a:solidFill>
-                <a:latin typeface="Consolas" panose="020B0609020204030204" pitchFamily="49" charset="0"/>
-              </a:rPr>
-              <a:t>this</a:t>
-            </a:r>
-            <a:r>
-              <a:rPr lang="en-US" dirty="0">
-                <a:solidFill>
-                  <a:srgbClr val="000000"/>
-                </a:solidFill>
-                <a:latin typeface="Consolas" panose="020B0609020204030204" pitchFamily="49" charset="0"/>
-              </a:rPr>
-              <a:t>.button1.Size = </a:t>
-            </a:r>
-            <a:r>
-              <a:rPr lang="en-US" dirty="0">
-                <a:solidFill>
-                  <a:srgbClr val="0000FF"/>
-                </a:solidFill>
-                <a:latin typeface="Consolas" panose="020B0609020204030204" pitchFamily="49" charset="0"/>
-              </a:rPr>
-              <a:t>new</a:t>
-            </a:r>
-            <a:r>
-              <a:rPr lang="en-US" dirty="0">
-                <a:solidFill>
-                  <a:srgbClr val="000000"/>
-                </a:solidFill>
-                <a:latin typeface="Consolas" panose="020B0609020204030204" pitchFamily="49" charset="0"/>
-              </a:rPr>
-              <a:t> </a:t>
-            </a:r>
-            <a:r>
-              <a:rPr lang="en-US" dirty="0" err="1">
-                <a:solidFill>
-                  <a:srgbClr val="000000"/>
-                </a:solidFill>
-                <a:latin typeface="Consolas" panose="020B0609020204030204" pitchFamily="49" charset="0"/>
-              </a:rPr>
-              <a:t>System.Drawing.Size</a:t>
-            </a:r>
-            <a:r>
-              <a:rPr lang="en-US" dirty="0">
-                <a:solidFill>
-                  <a:srgbClr val="000000"/>
-                </a:solidFill>
-                <a:latin typeface="Consolas" panose="020B0609020204030204" pitchFamily="49" charset="0"/>
-              </a:rPr>
-              <a:t>(75, 23);</a:t>
-            </a:r>
-          </a:p>
-          <a:p>
-            <a:r>
-              <a:rPr lang="en-US" dirty="0">
-                <a:solidFill>
-                  <a:srgbClr val="000000"/>
-                </a:solidFill>
-                <a:latin typeface="Consolas" panose="020B0609020204030204" pitchFamily="49" charset="0"/>
-              </a:rPr>
-              <a:t>            </a:t>
-            </a:r>
-            <a:r>
-              <a:rPr lang="en-US" dirty="0">
-                <a:solidFill>
-                  <a:srgbClr val="0000FF"/>
-                </a:solidFill>
-                <a:latin typeface="Consolas" panose="020B0609020204030204" pitchFamily="49" charset="0"/>
-              </a:rPr>
-              <a:t>this</a:t>
-            </a:r>
-            <a:r>
-              <a:rPr lang="en-US" dirty="0">
-                <a:solidFill>
-                  <a:srgbClr val="000000"/>
-                </a:solidFill>
-                <a:latin typeface="Consolas" panose="020B0609020204030204" pitchFamily="49" charset="0"/>
-              </a:rPr>
-              <a:t>.button1.TabIndex = 0;</a:t>
-            </a:r>
-          </a:p>
-          <a:p>
-            <a:r>
-              <a:rPr lang="en-US" dirty="0">
-                <a:solidFill>
-                  <a:srgbClr val="000000"/>
-                </a:solidFill>
-                <a:latin typeface="Consolas" panose="020B0609020204030204" pitchFamily="49" charset="0"/>
-              </a:rPr>
-              <a:t>            </a:t>
-            </a:r>
-            <a:r>
-              <a:rPr lang="en-US" dirty="0">
-                <a:solidFill>
-                  <a:srgbClr val="0000FF"/>
-                </a:solidFill>
-                <a:latin typeface="Consolas" panose="020B0609020204030204" pitchFamily="49" charset="0"/>
-              </a:rPr>
-              <a:t>this</a:t>
-            </a:r>
-            <a:r>
-              <a:rPr lang="en-US" dirty="0">
-                <a:solidFill>
-                  <a:srgbClr val="000000"/>
-                </a:solidFill>
-                <a:latin typeface="Consolas" panose="020B0609020204030204" pitchFamily="49" charset="0"/>
-              </a:rPr>
-              <a:t>.button1.Text = </a:t>
-            </a:r>
-            <a:r>
-              <a:rPr lang="en-US" dirty="0">
-                <a:solidFill>
-                  <a:srgbClr val="A31515"/>
-                </a:solidFill>
-                <a:latin typeface="Consolas" panose="020B0609020204030204" pitchFamily="49" charset="0"/>
-              </a:rPr>
-              <a:t>"button1"</a:t>
-            </a:r>
-            <a:r>
-              <a:rPr lang="en-US" dirty="0">
-                <a:solidFill>
-                  <a:srgbClr val="000000"/>
-                </a:solidFill>
-                <a:latin typeface="Consolas" panose="020B0609020204030204" pitchFamily="49" charset="0"/>
-              </a:rPr>
-              <a:t>;</a:t>
-            </a:r>
-          </a:p>
-          <a:p>
-            <a:r>
-              <a:rPr lang="en-US" dirty="0">
-                <a:solidFill>
-                  <a:srgbClr val="000000"/>
-                </a:solidFill>
-                <a:latin typeface="Consolas" panose="020B0609020204030204" pitchFamily="49" charset="0"/>
-              </a:rPr>
-              <a:t>            </a:t>
-            </a:r>
-            <a:r>
-              <a:rPr lang="en-US" dirty="0">
-                <a:solidFill>
-                  <a:srgbClr val="0000FF"/>
-                </a:solidFill>
-                <a:latin typeface="Consolas" panose="020B0609020204030204" pitchFamily="49" charset="0"/>
-              </a:rPr>
-              <a:t>this</a:t>
-            </a:r>
-            <a:r>
-              <a:rPr lang="en-US" dirty="0">
-                <a:solidFill>
-                  <a:srgbClr val="000000"/>
-                </a:solidFill>
-                <a:latin typeface="Consolas" panose="020B0609020204030204" pitchFamily="49" charset="0"/>
-              </a:rPr>
-              <a:t>.button1.UseVisualStyleBackColor = </a:t>
-            </a:r>
-            <a:r>
-              <a:rPr lang="en-US" dirty="0">
-                <a:solidFill>
-                  <a:srgbClr val="0000FF"/>
-                </a:solidFill>
-                <a:latin typeface="Consolas" panose="020B0609020204030204" pitchFamily="49" charset="0"/>
-              </a:rPr>
-              <a:t>true</a:t>
-            </a:r>
-            <a:r>
-              <a:rPr lang="en-US" dirty="0">
-                <a:solidFill>
-                  <a:srgbClr val="000000"/>
-                </a:solidFill>
-                <a:latin typeface="Consolas" panose="020B0609020204030204" pitchFamily="49" charset="0"/>
-              </a:rPr>
-              <a:t>;</a:t>
-            </a:r>
-            <a:endParaRPr lang="en-US" dirty="0"/>
-          </a:p>
-        </p:txBody>
-      </p:sp>
-    </p:spTree>
-    <p:extLst>
-      <p:ext uri="{BB962C8B-B14F-4D97-AF65-F5344CB8AC3E}">
-        <p14:creationId xmlns:p14="http://schemas.microsoft.com/office/powerpoint/2010/main" val="3048996120"/>
-      </p:ext>
-    </p:extLst>
-  </p:cSld>
-  <p:clrMapOvr>
-    <a:masterClrMapping/>
-  </p:clrMapOvr>
-</p:sld>
-</file>
-
-<file path=ppt/slides/slide8.xml><?xml version="1.0" encoding="utf-8"?>
-<p:sld xmlns:a="http://schemas.openxmlformats.org/drawingml/2006/main" xmlns:r="http://schemas.openxmlformats.org/officeDocument/2006/relationships" xmlns:p="http://schemas.openxmlformats.org/presentationml/2006/main">
-  <p:cSld>
-    <p:spTree>
-      <p:nvGrpSpPr>
-        <p:cNvPr id="1" name=""/>
-        <p:cNvGrpSpPr/>
-        <p:nvPr/>
-      </p:nvGrpSpPr>
-      <p:grpSpPr>
-        <a:xfrm>
-          <a:off x="0" y="0"/>
-          <a:ext cx="0" cy="0"/>
-          <a:chOff x="0" y="0"/>
-          <a:chExt cx="0" cy="0"/>
-        </a:xfrm>
-      </p:grpSpPr>
-      <p:sp>
-        <p:nvSpPr>
-          <p:cNvPr id="2" name="Title 1">
-            <a:extLst>
-              <a:ext uri="{FF2B5EF4-FFF2-40B4-BE49-F238E27FC236}">
-                <a16:creationId xmlns:a16="http://schemas.microsoft.com/office/drawing/2014/main" id="{5DF55C1D-035E-4A32-8D11-AF04405D3D98}"/>
-              </a:ext>
-            </a:extLst>
-          </p:cNvPr>
-          <p:cNvSpPr>
-            <a:spLocks noGrp="1"/>
-          </p:cNvSpPr>
-          <p:nvPr>
-            <p:ph type="title"/>
-          </p:nvPr>
-        </p:nvSpPr>
-        <p:spPr>
-          <a:xfrm>
-            <a:off x="2592925" y="624110"/>
-            <a:ext cx="8911687" cy="718129"/>
-          </a:xfrm>
-        </p:spPr>
-        <p:txBody>
-          <a:bodyPr/>
-          <a:lstStyle/>
-          <a:p>
-            <a:r>
-              <a:rPr lang="cs-CZ" dirty="0"/>
-              <a:t>Příklad změny inicializace</a:t>
-            </a:r>
-            <a:endParaRPr lang="en-US" dirty="0"/>
-          </a:p>
-        </p:txBody>
-      </p:sp>
-      <p:sp>
-        <p:nvSpPr>
-          <p:cNvPr id="3" name="Content Placeholder 2">
-            <a:extLst>
-              <a:ext uri="{FF2B5EF4-FFF2-40B4-BE49-F238E27FC236}">
-                <a16:creationId xmlns:a16="http://schemas.microsoft.com/office/drawing/2014/main" id="{8E05ADEC-825C-4A94-BB10-20364C3023F5}"/>
-              </a:ext>
-            </a:extLst>
-          </p:cNvPr>
-          <p:cNvSpPr>
-            <a:spLocks noGrp="1"/>
-          </p:cNvSpPr>
-          <p:nvPr>
-            <p:ph idx="1"/>
-          </p:nvPr>
-        </p:nvSpPr>
-        <p:spPr>
-          <a:xfrm>
-            <a:off x="2589212" y="1434517"/>
-            <a:ext cx="8915400" cy="4476705"/>
-          </a:xfrm>
-        </p:spPr>
-        <p:txBody>
-          <a:bodyPr/>
-          <a:lstStyle/>
-          <a:p>
-            <a:r>
-              <a:rPr lang="en-US" dirty="0" err="1"/>
-              <a:t>Když</a:t>
-            </a:r>
-            <a:r>
-              <a:rPr lang="en-US" dirty="0"/>
-              <a:t> v </a:t>
-            </a:r>
-            <a:r>
-              <a:rPr lang="en-US" dirty="0" err="1"/>
-              <a:t>grafickém</a:t>
-            </a:r>
-            <a:r>
-              <a:rPr lang="en-US" dirty="0"/>
-              <a:t> </a:t>
-            </a:r>
-            <a:r>
-              <a:rPr lang="en-US" dirty="0" err="1"/>
-              <a:t>náhledu</a:t>
-            </a:r>
-            <a:r>
-              <a:rPr lang="en-US" dirty="0"/>
-              <a:t> </a:t>
-            </a:r>
-            <a:r>
-              <a:rPr lang="en-US" dirty="0" err="1"/>
-              <a:t>změníme</a:t>
-            </a:r>
-            <a:r>
-              <a:rPr lang="en-US" dirty="0"/>
-              <a:t> </a:t>
-            </a:r>
-            <a:r>
-              <a:rPr lang="en-US" dirty="0" err="1"/>
-              <a:t>ve</a:t>
-            </a:r>
-            <a:r>
-              <a:rPr lang="en-US" dirty="0"/>
-              <a:t> </a:t>
-            </a:r>
-            <a:r>
-              <a:rPr lang="en-US" dirty="0" err="1"/>
-              <a:t>vlastnostech</a:t>
-            </a:r>
-            <a:r>
-              <a:rPr lang="en-US" dirty="0"/>
-              <a:t> </a:t>
-            </a:r>
-            <a:r>
-              <a:rPr lang="en-US" dirty="0" err="1"/>
-              <a:t>komponenty</a:t>
-            </a:r>
-            <a:r>
-              <a:rPr lang="en-US" dirty="0"/>
-              <a:t> </a:t>
-            </a:r>
-            <a:r>
-              <a:rPr lang="en-US" dirty="0" err="1"/>
-              <a:t>její</a:t>
-            </a:r>
-            <a:r>
-              <a:rPr lang="en-US" dirty="0"/>
-              <a:t> </a:t>
-            </a:r>
-            <a:r>
-              <a:rPr lang="en-US" dirty="0" err="1"/>
-              <a:t>hodnotu</a:t>
-            </a:r>
-            <a:r>
-              <a:rPr lang="en-US" dirty="0"/>
-              <a:t>, </a:t>
-            </a:r>
-            <a:r>
-              <a:rPr lang="en-US" dirty="0" err="1"/>
-              <a:t>tak</a:t>
-            </a:r>
-            <a:r>
-              <a:rPr lang="en-US" dirty="0"/>
-              <a:t> se to </a:t>
-            </a:r>
-            <a:r>
-              <a:rPr lang="en-US" dirty="0" err="1"/>
-              <a:t>promítne</a:t>
-            </a:r>
-            <a:r>
-              <a:rPr lang="en-US" dirty="0"/>
-              <a:t> </a:t>
-            </a:r>
-            <a:r>
-              <a:rPr lang="en-US" dirty="0" err="1"/>
-              <a:t>i</a:t>
-            </a:r>
-            <a:r>
-              <a:rPr lang="en-US" dirty="0"/>
-              <a:t> do </a:t>
-            </a:r>
-            <a:r>
-              <a:rPr lang="en-US" dirty="0" err="1"/>
-              <a:t>vygenerovaného</a:t>
-            </a:r>
-            <a:r>
-              <a:rPr lang="en-US" dirty="0"/>
-              <a:t> </a:t>
-            </a:r>
-            <a:r>
-              <a:rPr lang="en-US" dirty="0" err="1"/>
-              <a:t>kódu</a:t>
-            </a:r>
-            <a:r>
-              <a:rPr lang="en-US" dirty="0"/>
-              <a:t>.</a:t>
-            </a:r>
-            <a:endParaRPr lang="cs-CZ" dirty="0"/>
-          </a:p>
-          <a:p>
-            <a:r>
-              <a:rPr lang="cs-CZ" dirty="0"/>
-              <a:t>Příklad </a:t>
-            </a:r>
-            <a:r>
-              <a:rPr lang="en-US" dirty="0"/>
-              <a:t>=&gt; </a:t>
-            </a:r>
-            <a:r>
-              <a:rPr lang="en-US" dirty="0" err="1"/>
-              <a:t>zm</a:t>
-            </a:r>
-            <a:r>
-              <a:rPr lang="cs-CZ" dirty="0"/>
-              <a:t>ěna textu tlačítka</a:t>
-            </a:r>
-          </a:p>
-          <a:p>
-            <a:endParaRPr lang="cs-CZ" dirty="0"/>
-          </a:p>
-          <a:p>
-            <a:pPr marL="0" indent="0">
-              <a:buNone/>
-            </a:pPr>
-            <a:endParaRPr lang="en-US" dirty="0"/>
-          </a:p>
-        </p:txBody>
-      </p:sp>
-      <p:sp>
-        <p:nvSpPr>
-          <p:cNvPr id="4" name="Rectangle 3">
-            <a:extLst>
-              <a:ext uri="{FF2B5EF4-FFF2-40B4-BE49-F238E27FC236}">
-                <a16:creationId xmlns:a16="http://schemas.microsoft.com/office/drawing/2014/main" id="{055D5961-0264-4468-9235-C72FA55AD067}"/>
-              </a:ext>
-            </a:extLst>
-          </p:cNvPr>
-          <p:cNvSpPr/>
-          <p:nvPr/>
-        </p:nvSpPr>
-        <p:spPr>
-          <a:xfrm>
-            <a:off x="6681777" y="3062950"/>
-            <a:ext cx="4237057" cy="369332"/>
-          </a:xfrm>
-          <a:prstGeom prst="rect">
-            <a:avLst/>
-          </a:prstGeom>
-        </p:spPr>
-        <p:txBody>
-          <a:bodyPr wrap="none">
-            <a:spAutoFit/>
-          </a:bodyPr>
-          <a:lstStyle/>
-          <a:p>
-            <a:r>
-              <a:rPr lang="en-US" dirty="0">
-                <a:solidFill>
-                  <a:srgbClr val="0000FF"/>
-                </a:solidFill>
-                <a:latin typeface="Consolas" panose="020B0609020204030204" pitchFamily="49" charset="0"/>
-              </a:rPr>
-              <a:t>this</a:t>
-            </a:r>
-            <a:r>
-              <a:rPr lang="en-US" dirty="0">
-                <a:solidFill>
-                  <a:srgbClr val="000000"/>
-                </a:solidFill>
-                <a:latin typeface="Consolas" panose="020B0609020204030204" pitchFamily="49" charset="0"/>
-              </a:rPr>
-              <a:t>.button1.Text = </a:t>
-            </a:r>
-            <a:r>
-              <a:rPr lang="en-US" dirty="0">
-                <a:solidFill>
-                  <a:srgbClr val="A31515"/>
-                </a:solidFill>
-                <a:latin typeface="Consolas" panose="020B0609020204030204" pitchFamily="49" charset="0"/>
-              </a:rPr>
-              <a:t>"My Button"</a:t>
-            </a:r>
-            <a:r>
-              <a:rPr lang="en-US" dirty="0">
-                <a:solidFill>
-                  <a:srgbClr val="000000"/>
-                </a:solidFill>
-                <a:latin typeface="Consolas" panose="020B0609020204030204" pitchFamily="49" charset="0"/>
-              </a:rPr>
-              <a:t>;</a:t>
-            </a:r>
-            <a:endParaRPr lang="en-US" dirty="0"/>
-          </a:p>
-        </p:txBody>
-      </p:sp>
-      <p:pic>
-        <p:nvPicPr>
-          <p:cNvPr id="5" name="Picture 4">
-            <a:extLst>
-              <a:ext uri="{FF2B5EF4-FFF2-40B4-BE49-F238E27FC236}">
-                <a16:creationId xmlns:a16="http://schemas.microsoft.com/office/drawing/2014/main" id="{A9D76356-3736-4CEE-A3FC-E9C73D9E63EF}"/>
-              </a:ext>
-            </a:extLst>
-          </p:cNvPr>
-          <p:cNvPicPr>
-            <a:picLocks noChangeAspect="1"/>
-          </p:cNvPicPr>
-          <p:nvPr/>
-        </p:nvPicPr>
-        <p:blipFill>
-          <a:blip r:embed="rId2"/>
-          <a:stretch>
-            <a:fillRect/>
-          </a:stretch>
-        </p:blipFill>
-        <p:spPr>
-          <a:xfrm>
-            <a:off x="3057525" y="2528887"/>
-            <a:ext cx="3038475" cy="1800225"/>
-          </a:xfrm>
-          <a:prstGeom prst="rect">
-            <a:avLst/>
-          </a:prstGeom>
-        </p:spPr>
-      </p:pic>
-      <p:sp>
-        <p:nvSpPr>
-          <p:cNvPr id="6" name="Arrow: Right 5">
-            <a:extLst>
-              <a:ext uri="{FF2B5EF4-FFF2-40B4-BE49-F238E27FC236}">
-                <a16:creationId xmlns:a16="http://schemas.microsoft.com/office/drawing/2014/main" id="{CFD93BB0-10BC-4BFB-99BE-7E68BC1637D8}"/>
-              </a:ext>
-            </a:extLst>
-          </p:cNvPr>
-          <p:cNvSpPr/>
-          <p:nvPr/>
-        </p:nvSpPr>
-        <p:spPr>
-          <a:xfrm>
-            <a:off x="6220690" y="3170380"/>
-            <a:ext cx="378691" cy="258619"/>
-          </a:xfrm>
-          <a:prstGeom prst="rightArrow">
-            <a:avLst/>
-          </a:prstGeom>
-        </p:spPr>
-        <p:style>
-          <a:lnRef idx="2">
-            <a:schemeClr val="accent1">
-              <a:shade val="50000"/>
-            </a:schemeClr>
-          </a:lnRef>
-          <a:fillRef idx="1">
-            <a:schemeClr val="accent1"/>
-          </a:fillRef>
-          <a:effectRef idx="0">
-            <a:schemeClr val="accent1"/>
-          </a:effectRef>
-          <a:fontRef idx="minor">
-            <a:schemeClr val="lt1"/>
-          </a:fontRef>
-        </p:style>
-        <p:txBody>
-          <a:bodyPr rtlCol="0" anchor="ctr"/>
-          <a:lstStyle/>
-          <a:p>
-            <a:pPr algn="ctr"/>
-            <a:endParaRPr lang="en-US"/>
-          </a:p>
-        </p:txBody>
-      </p:sp>
-    </p:spTree>
-    <p:extLst>
-      <p:ext uri="{BB962C8B-B14F-4D97-AF65-F5344CB8AC3E}">
-        <p14:creationId xmlns:p14="http://schemas.microsoft.com/office/powerpoint/2010/main" val="1578696716"/>
-      </p:ext>
-    </p:extLst>
-  </p:cSld>
-  <p:clrMapOvr>
-    <a:masterClrMapping/>
-  </p:clrMapOvr>
-</p:sld>
-</file>
-
-<file path=ppt/slides/slide9.xml><?xml version="1.0" encoding="utf-8"?>
-<p:sld xmlns:a="http://schemas.openxmlformats.org/drawingml/2006/main" xmlns:r="http://schemas.openxmlformats.org/officeDocument/2006/relationships" xmlns:p="http://schemas.openxmlformats.org/presentationml/2006/main">
-  <p:cSld>
-    <p:spTree>
-      <p:nvGrpSpPr>
-        <p:cNvPr id="1" name=""/>
-        <p:cNvGrpSpPr/>
-        <p:nvPr/>
-      </p:nvGrpSpPr>
-      <p:grpSpPr>
-        <a:xfrm>
-          <a:off x="0" y="0"/>
-          <a:ext cx="0" cy="0"/>
-          <a:chOff x="0" y="0"/>
-          <a:chExt cx="0" cy="0"/>
-        </a:xfrm>
-      </p:grpSpPr>
-      <p:sp>
-        <p:nvSpPr>
-          <p:cNvPr id="2" name="Title 1">
-            <a:extLst>
-              <a:ext uri="{FF2B5EF4-FFF2-40B4-BE49-F238E27FC236}">
-                <a16:creationId xmlns:a16="http://schemas.microsoft.com/office/drawing/2014/main" id="{D1E10BAE-A0FE-4646-A452-231DC65A092E}"/>
-              </a:ext>
-            </a:extLst>
-          </p:cNvPr>
-          <p:cNvSpPr>
-            <a:spLocks noGrp="1"/>
-          </p:cNvSpPr>
-          <p:nvPr>
-            <p:ph type="title"/>
-          </p:nvPr>
-        </p:nvSpPr>
-        <p:spPr>
-          <a:xfrm>
-            <a:off x="2592925" y="624110"/>
-            <a:ext cx="8911687" cy="692962"/>
-          </a:xfrm>
-        </p:spPr>
-        <p:txBody>
-          <a:bodyPr/>
-          <a:lstStyle/>
-          <a:p>
-            <a:r>
-              <a:rPr lang="cs-CZ" dirty="0"/>
-              <a:t>Vytvoření reakce na událost</a:t>
-            </a:r>
-            <a:endParaRPr lang="en-US" dirty="0"/>
-          </a:p>
-        </p:txBody>
-      </p:sp>
-      <p:sp>
-        <p:nvSpPr>
-          <p:cNvPr id="3" name="Content Placeholder 2">
-            <a:extLst>
-              <a:ext uri="{FF2B5EF4-FFF2-40B4-BE49-F238E27FC236}">
-                <a16:creationId xmlns:a16="http://schemas.microsoft.com/office/drawing/2014/main" id="{5BA3B1C5-CF40-4824-9F84-2C29606E91FB}"/>
-              </a:ext>
-            </a:extLst>
-          </p:cNvPr>
-          <p:cNvSpPr>
-            <a:spLocks noGrp="1"/>
-          </p:cNvSpPr>
-          <p:nvPr>
-            <p:ph idx="1"/>
-          </p:nvPr>
-        </p:nvSpPr>
-        <p:spPr>
-          <a:xfrm>
-            <a:off x="2589212" y="1317072"/>
-            <a:ext cx="8915400" cy="4594150"/>
-          </a:xfrm>
-        </p:spPr>
-        <p:txBody>
-          <a:bodyPr/>
-          <a:lstStyle/>
-          <a:p>
-            <a:r>
-              <a:rPr lang="en-US" dirty="0" err="1"/>
-              <a:t>Reakci</a:t>
-            </a:r>
-            <a:r>
-              <a:rPr lang="en-US" dirty="0"/>
-              <a:t> </a:t>
-            </a:r>
-            <a:r>
-              <a:rPr lang="en-US" dirty="0" err="1"/>
-              <a:t>na</a:t>
-            </a:r>
-            <a:r>
-              <a:rPr lang="en-US" dirty="0"/>
-              <a:t> (</a:t>
-            </a:r>
-            <a:r>
-              <a:rPr lang="en-US" dirty="0" err="1"/>
-              <a:t>defaultní</a:t>
-            </a:r>
-            <a:r>
-              <a:rPr lang="en-US" dirty="0"/>
-              <a:t>) </a:t>
-            </a:r>
-            <a:r>
-              <a:rPr lang="en-US" dirty="0" err="1"/>
-              <a:t>událost</a:t>
-            </a:r>
-            <a:r>
-              <a:rPr lang="en-US" dirty="0"/>
-              <a:t> </a:t>
-            </a:r>
-            <a:r>
-              <a:rPr lang="en-US" dirty="0" err="1"/>
-              <a:t>lze</a:t>
-            </a:r>
-            <a:r>
-              <a:rPr lang="en-US" dirty="0"/>
-              <a:t> </a:t>
-            </a:r>
-            <a:r>
-              <a:rPr lang="en-US" dirty="0" err="1"/>
-              <a:t>jednoduše</a:t>
-            </a:r>
-            <a:r>
-              <a:rPr lang="en-US" dirty="0"/>
-              <a:t> </a:t>
-            </a:r>
-            <a:r>
-              <a:rPr lang="en-US" dirty="0" err="1"/>
-              <a:t>vytvořit</a:t>
-            </a:r>
-            <a:r>
-              <a:rPr lang="en-US" dirty="0"/>
-              <a:t> </a:t>
-            </a:r>
-            <a:r>
-              <a:rPr lang="en-US" dirty="0" err="1"/>
-              <a:t>dvojklikem</a:t>
-            </a:r>
-            <a:r>
-              <a:rPr lang="en-US" dirty="0"/>
-              <a:t> </a:t>
-            </a:r>
-            <a:r>
-              <a:rPr lang="en-US" dirty="0" err="1"/>
-              <a:t>na</a:t>
-            </a:r>
-            <a:r>
-              <a:rPr lang="en-US" dirty="0"/>
-              <a:t> </a:t>
-            </a:r>
-            <a:r>
-              <a:rPr lang="en-US" dirty="0" err="1"/>
-              <a:t>komponentu</a:t>
-            </a:r>
-            <a:r>
-              <a:rPr lang="en-US" dirty="0"/>
-              <a:t> v </a:t>
-            </a:r>
-            <a:r>
-              <a:rPr lang="en-US" dirty="0" err="1"/>
-              <a:t>grafickém</a:t>
-            </a:r>
-            <a:r>
-              <a:rPr lang="en-US" dirty="0"/>
-              <a:t> </a:t>
-            </a:r>
-            <a:r>
-              <a:rPr lang="en-US" dirty="0" err="1"/>
-              <a:t>náhledu</a:t>
-            </a:r>
-            <a:r>
-              <a:rPr lang="en-US" dirty="0"/>
-              <a:t>.</a:t>
-            </a:r>
-            <a:endParaRPr lang="cs-CZ" dirty="0"/>
-          </a:p>
-          <a:p>
-            <a:r>
-              <a:rPr lang="en-US" dirty="0"/>
-              <a:t>V designer </a:t>
-            </a:r>
-            <a:r>
-              <a:rPr lang="en-US" dirty="0" err="1"/>
-              <a:t>souboru</a:t>
-            </a:r>
-            <a:r>
-              <a:rPr lang="en-US" dirty="0"/>
-              <a:t> =&gt; </a:t>
-            </a:r>
-            <a:r>
-              <a:rPr lang="en-US" dirty="0" err="1"/>
-              <a:t>registruje</a:t>
-            </a:r>
-            <a:r>
-              <a:rPr lang="en-US" dirty="0"/>
-              <a:t> se </a:t>
-            </a:r>
-            <a:r>
-              <a:rPr lang="en-US" dirty="0" err="1"/>
-              <a:t>událost</a:t>
-            </a:r>
-            <a:r>
-              <a:rPr lang="en-US" dirty="0"/>
-              <a:t> </a:t>
-            </a:r>
-            <a:r>
-              <a:rPr lang="en-US" dirty="0" err="1"/>
-              <a:t>přiřadí</a:t>
-            </a:r>
-            <a:r>
-              <a:rPr lang="en-US" dirty="0"/>
-              <a:t> se </a:t>
-            </a:r>
-            <a:r>
-              <a:rPr lang="en-US" dirty="0" err="1"/>
-              <a:t>metoda</a:t>
-            </a:r>
-            <a:r>
-              <a:rPr lang="en-US" dirty="0"/>
-              <a:t>, </a:t>
-            </a:r>
-            <a:r>
-              <a:rPr lang="en-US" dirty="0" err="1"/>
-              <a:t>která</a:t>
-            </a:r>
-            <a:r>
-              <a:rPr lang="en-US" dirty="0"/>
-              <a:t> </a:t>
-            </a:r>
-            <a:r>
-              <a:rPr lang="en-US" dirty="0" err="1"/>
-              <a:t>bude</a:t>
-            </a:r>
-            <a:r>
-              <a:rPr lang="en-US" dirty="0"/>
-              <a:t> </a:t>
-            </a:r>
-            <a:r>
-              <a:rPr lang="en-US" dirty="0" err="1"/>
-              <a:t>volána</a:t>
-            </a:r>
-            <a:r>
-              <a:rPr lang="en-US" dirty="0"/>
-              <a:t>.</a:t>
-            </a:r>
-            <a:endParaRPr lang="cs-CZ" dirty="0"/>
-          </a:p>
-          <a:p>
-            <a:endParaRPr lang="cs-CZ" dirty="0"/>
-          </a:p>
-          <a:p>
-            <a:r>
-              <a:rPr lang="en-US" dirty="0"/>
-              <a:t>V </a:t>
-            </a:r>
-            <a:r>
-              <a:rPr lang="en-US" dirty="0" err="1"/>
-              <a:t>souboru</a:t>
-            </a:r>
-            <a:r>
-              <a:rPr lang="en-US" dirty="0"/>
-              <a:t> s “custom” </a:t>
-            </a:r>
-            <a:r>
-              <a:rPr lang="en-US" dirty="0" err="1"/>
-              <a:t>kódem</a:t>
-            </a:r>
-            <a:r>
-              <a:rPr lang="en-US" dirty="0"/>
-              <a:t> se </a:t>
-            </a:r>
-            <a:r>
-              <a:rPr lang="en-US" dirty="0" err="1"/>
-              <a:t>vytvoří</a:t>
-            </a:r>
-            <a:r>
-              <a:rPr lang="en-US" dirty="0"/>
-              <a:t> </a:t>
-            </a:r>
-            <a:r>
-              <a:rPr lang="en-US" dirty="0" err="1"/>
-              <a:t>právě</a:t>
-            </a:r>
-            <a:r>
-              <a:rPr lang="en-US" dirty="0"/>
-              <a:t> ta </a:t>
-            </a:r>
-            <a:r>
-              <a:rPr lang="en-US" dirty="0" err="1"/>
-              <a:t>metoda</a:t>
-            </a:r>
-            <a:r>
-              <a:rPr lang="en-US" dirty="0"/>
-              <a:t>, </a:t>
-            </a:r>
-            <a:r>
-              <a:rPr lang="en-US" dirty="0" err="1"/>
-              <a:t>která</a:t>
-            </a:r>
-            <a:r>
-              <a:rPr lang="en-US" dirty="0"/>
-              <a:t> </a:t>
-            </a:r>
-            <a:r>
-              <a:rPr lang="en-US" dirty="0" err="1"/>
-              <a:t>bude</a:t>
-            </a:r>
-            <a:r>
-              <a:rPr lang="en-US" dirty="0"/>
-              <a:t> </a:t>
-            </a:r>
-            <a:r>
-              <a:rPr lang="en-US" dirty="0" err="1"/>
-              <a:t>volána</a:t>
-            </a:r>
-            <a:r>
-              <a:rPr lang="en-US" dirty="0"/>
-              <a:t>.</a:t>
-            </a:r>
-            <a:endParaRPr lang="cs-CZ" dirty="0"/>
-          </a:p>
-          <a:p>
-            <a:endParaRPr lang="en-US" dirty="0"/>
-          </a:p>
-        </p:txBody>
-      </p:sp>
-      <p:sp>
-        <p:nvSpPr>
-          <p:cNvPr id="4" name="Rectangle 3">
-            <a:extLst>
-              <a:ext uri="{FF2B5EF4-FFF2-40B4-BE49-F238E27FC236}">
-                <a16:creationId xmlns:a16="http://schemas.microsoft.com/office/drawing/2014/main" id="{F6C61067-3423-426F-9ED7-E1F26EB314EE}"/>
-              </a:ext>
-            </a:extLst>
-          </p:cNvPr>
-          <p:cNvSpPr/>
-          <p:nvPr/>
-        </p:nvSpPr>
-        <p:spPr>
-          <a:xfrm>
-            <a:off x="2872341" y="2745108"/>
-            <a:ext cx="8632271" cy="369332"/>
-          </a:xfrm>
-          <a:prstGeom prst="rect">
-            <a:avLst/>
-          </a:prstGeom>
-        </p:spPr>
-        <p:txBody>
-          <a:bodyPr wrap="square">
-            <a:spAutoFit/>
-          </a:bodyPr>
-          <a:lstStyle/>
-          <a:p>
-            <a:r>
-              <a:rPr lang="en-US" dirty="0">
-                <a:solidFill>
-                  <a:srgbClr val="0000FF"/>
-                </a:solidFill>
-                <a:latin typeface="Consolas" panose="020B0609020204030204" pitchFamily="49" charset="0"/>
-              </a:rPr>
-              <a:t>this</a:t>
-            </a:r>
-            <a:r>
-              <a:rPr lang="en-US" dirty="0">
-                <a:solidFill>
-                  <a:srgbClr val="000000"/>
-                </a:solidFill>
-                <a:latin typeface="Consolas" panose="020B0609020204030204" pitchFamily="49" charset="0"/>
-              </a:rPr>
-              <a:t>.button1.Click += </a:t>
-            </a:r>
-            <a:r>
-              <a:rPr lang="en-US" dirty="0">
-                <a:solidFill>
-                  <a:srgbClr val="0000FF"/>
-                </a:solidFill>
-                <a:latin typeface="Consolas" panose="020B0609020204030204" pitchFamily="49" charset="0"/>
-              </a:rPr>
-              <a:t>new</a:t>
-            </a:r>
-            <a:r>
-              <a:rPr lang="en-US" dirty="0">
-                <a:solidFill>
-                  <a:srgbClr val="000000"/>
-                </a:solidFill>
-                <a:latin typeface="Consolas" panose="020B0609020204030204" pitchFamily="49" charset="0"/>
-              </a:rPr>
-              <a:t> </a:t>
-            </a:r>
-            <a:r>
-              <a:rPr lang="en-US" dirty="0" err="1">
-                <a:solidFill>
-                  <a:srgbClr val="000000"/>
-                </a:solidFill>
-                <a:latin typeface="Consolas" panose="020B0609020204030204" pitchFamily="49" charset="0"/>
-              </a:rPr>
-              <a:t>System.EventHandler</a:t>
-            </a:r>
-            <a:r>
-              <a:rPr lang="en-US" dirty="0">
-                <a:solidFill>
-                  <a:srgbClr val="000000"/>
-                </a:solidFill>
-                <a:latin typeface="Consolas" panose="020B0609020204030204" pitchFamily="49" charset="0"/>
-              </a:rPr>
-              <a:t>(</a:t>
-            </a:r>
-            <a:r>
-              <a:rPr lang="en-US" dirty="0">
-                <a:solidFill>
-                  <a:srgbClr val="0000FF"/>
-                </a:solidFill>
-                <a:latin typeface="Consolas" panose="020B0609020204030204" pitchFamily="49" charset="0"/>
-              </a:rPr>
-              <a:t>this</a:t>
-            </a:r>
-            <a:r>
-              <a:rPr lang="en-US" dirty="0">
-                <a:solidFill>
-                  <a:srgbClr val="000000"/>
-                </a:solidFill>
-                <a:latin typeface="Consolas" panose="020B0609020204030204" pitchFamily="49" charset="0"/>
-              </a:rPr>
-              <a:t>.button1_Click);</a:t>
-            </a:r>
-            <a:endParaRPr lang="en-US" dirty="0"/>
-          </a:p>
-        </p:txBody>
-      </p:sp>
-      <p:sp>
-        <p:nvSpPr>
-          <p:cNvPr id="5" name="Rectangle 4">
-            <a:extLst>
-              <a:ext uri="{FF2B5EF4-FFF2-40B4-BE49-F238E27FC236}">
-                <a16:creationId xmlns:a16="http://schemas.microsoft.com/office/drawing/2014/main" id="{8347642B-8193-4DF3-8D65-5FF6EBD36ED9}"/>
-              </a:ext>
-            </a:extLst>
-          </p:cNvPr>
-          <p:cNvSpPr/>
-          <p:nvPr/>
-        </p:nvSpPr>
-        <p:spPr>
-          <a:xfrm>
-            <a:off x="2872341" y="3807402"/>
-            <a:ext cx="7345960" cy="923330"/>
-          </a:xfrm>
-          <a:prstGeom prst="rect">
-            <a:avLst/>
-          </a:prstGeom>
-        </p:spPr>
-        <p:txBody>
-          <a:bodyPr wrap="square">
-            <a:spAutoFit/>
-          </a:bodyPr>
-          <a:lstStyle/>
-          <a:p>
-            <a:r>
-              <a:rPr lang="en-US" dirty="0">
-                <a:solidFill>
-                  <a:srgbClr val="000000"/>
-                </a:solidFill>
-                <a:latin typeface="Consolas" panose="020B0609020204030204" pitchFamily="49" charset="0"/>
-              </a:rPr>
-              <a:t> </a:t>
-            </a:r>
-            <a:r>
-              <a:rPr lang="en-US" dirty="0">
-                <a:solidFill>
-                  <a:srgbClr val="0000FF"/>
-                </a:solidFill>
-                <a:latin typeface="Consolas" panose="020B0609020204030204" pitchFamily="49" charset="0"/>
-              </a:rPr>
-              <a:t>private</a:t>
-            </a:r>
-            <a:r>
-              <a:rPr lang="en-US" dirty="0">
-                <a:solidFill>
-                  <a:srgbClr val="000000"/>
-                </a:solidFill>
-                <a:latin typeface="Consolas" panose="020B0609020204030204" pitchFamily="49" charset="0"/>
-              </a:rPr>
-              <a:t> </a:t>
-            </a:r>
-            <a:r>
-              <a:rPr lang="en-US" dirty="0">
-                <a:solidFill>
-                  <a:srgbClr val="0000FF"/>
-                </a:solidFill>
-                <a:latin typeface="Consolas" panose="020B0609020204030204" pitchFamily="49" charset="0"/>
-              </a:rPr>
-              <a:t>void</a:t>
-            </a:r>
-            <a:r>
-              <a:rPr lang="en-US" dirty="0">
-                <a:solidFill>
-                  <a:srgbClr val="000000"/>
-                </a:solidFill>
-                <a:latin typeface="Consolas" panose="020B0609020204030204" pitchFamily="49" charset="0"/>
-              </a:rPr>
-              <a:t> button1_Click(</a:t>
-            </a:r>
-            <a:r>
-              <a:rPr lang="en-US" dirty="0">
-                <a:solidFill>
-                  <a:srgbClr val="0000FF"/>
-                </a:solidFill>
-                <a:latin typeface="Consolas" panose="020B0609020204030204" pitchFamily="49" charset="0"/>
-              </a:rPr>
-              <a:t>object</a:t>
-            </a:r>
-            <a:r>
-              <a:rPr lang="en-US" dirty="0">
-                <a:solidFill>
-                  <a:srgbClr val="000000"/>
-                </a:solidFill>
-                <a:latin typeface="Consolas" panose="020B0609020204030204" pitchFamily="49" charset="0"/>
-              </a:rPr>
-              <a:t> sender, </a:t>
-            </a:r>
-            <a:r>
-              <a:rPr lang="en-US" dirty="0" err="1">
-                <a:solidFill>
-                  <a:srgbClr val="000000"/>
-                </a:solidFill>
-                <a:latin typeface="Consolas" panose="020B0609020204030204" pitchFamily="49" charset="0"/>
-              </a:rPr>
-              <a:t>EventArgs</a:t>
-            </a:r>
-            <a:r>
-              <a:rPr lang="en-US" dirty="0">
-                <a:solidFill>
-                  <a:srgbClr val="000000"/>
-                </a:solidFill>
-                <a:latin typeface="Consolas" panose="020B0609020204030204" pitchFamily="49" charset="0"/>
-              </a:rPr>
-              <a:t> e)</a:t>
-            </a:r>
-          </a:p>
-          <a:p>
-            <a:r>
-              <a:rPr lang="en-US" dirty="0">
-                <a:solidFill>
-                  <a:srgbClr val="000000"/>
-                </a:solidFill>
-                <a:latin typeface="Consolas" panose="020B0609020204030204" pitchFamily="49" charset="0"/>
-              </a:rPr>
-              <a:t> {</a:t>
-            </a:r>
-          </a:p>
-          <a:p>
-            <a:r>
-              <a:rPr lang="cs-CZ" dirty="0">
-                <a:solidFill>
-                  <a:srgbClr val="000000"/>
-                </a:solidFill>
-                <a:latin typeface="Consolas" panose="020B0609020204030204" pitchFamily="49" charset="0"/>
-              </a:rPr>
-              <a:t> </a:t>
-            </a:r>
-            <a:r>
-              <a:rPr lang="en-US" dirty="0">
-                <a:solidFill>
-                  <a:srgbClr val="000000"/>
-                </a:solidFill>
-                <a:latin typeface="Consolas" panose="020B0609020204030204" pitchFamily="49" charset="0"/>
-              </a:rPr>
-              <a:t>}</a:t>
-            </a:r>
-            <a:endParaRPr lang="en-US" dirty="0"/>
-          </a:p>
-        </p:txBody>
-      </p:sp>
-    </p:spTree>
-    <p:extLst>
-      <p:ext uri="{BB962C8B-B14F-4D97-AF65-F5344CB8AC3E}">
-        <p14:creationId xmlns:p14="http://schemas.microsoft.com/office/powerpoint/2010/main" val="1391209079"/>
+        <p14:creationId xmlns:p14="http://schemas.microsoft.com/office/powerpoint/2010/main" val="2461437553"/>
       </p:ext>
     </p:extLst>
   </p:cSld>
@@ -13204,4 +8836,193 @@
     </a:ext>
   </a:extLst>
 </a:theme>
+</file>
+
+<file path=customXml/item1.xml><?xml version="1.0" encoding="utf-8"?>
+<?mso-contentType ?>
+<FormTemplates xmlns="http://schemas.microsoft.com/sharepoint/v3/contenttype/forms">
+  <Display>DocumentLibraryForm</Display>
+  <Edit>DocumentLibraryForm</Edit>
+  <New>DocumentLibraryForm</New>
+</FormTemplates>
+</file>
+
+<file path=customXml/item2.xml><?xml version="1.0" encoding="utf-8"?>
+<ct:contentTypeSchema xmlns:ct="http://schemas.microsoft.com/office/2006/metadata/contentType" xmlns:ma="http://schemas.microsoft.com/office/2006/metadata/properties/metaAttributes" ct:_="" ma:_="" ma:contentTypeName="Dokument" ma:contentTypeID="0x010100F1BF2EF4AC7D1B4D917CE0C32D319946" ma:contentTypeVersion="2" ma:contentTypeDescription="Vytvoří nový dokument" ma:contentTypeScope="" ma:versionID="ff7b5ba52d9df0ef6d77e4ee0d9fb7aa">
+  <xsd:schema xmlns:xsd="http://www.w3.org/2001/XMLSchema" xmlns:xs="http://www.w3.org/2001/XMLSchema" xmlns:p="http://schemas.microsoft.com/office/2006/metadata/properties" xmlns:ns3="99fe7779-3784-4b3f-ab11-2faeab639ec4" targetNamespace="http://schemas.microsoft.com/office/2006/metadata/properties" ma:root="true" ma:fieldsID="5e3b831de3a2a2b888c42cc351620f27" ns3:_="">
+    <xsd:import namespace="99fe7779-3784-4b3f-ab11-2faeab639ec4"/>
+    <xsd:element name="properties">
+      <xsd:complexType>
+        <xsd:sequence>
+          <xsd:element name="documentManagement">
+            <xsd:complexType>
+              <xsd:all>
+                <xsd:element ref="ns3:MediaServiceMetadata" minOccurs="0"/>
+                <xsd:element ref="ns3:MediaServiceFastMetadata" minOccurs="0"/>
+              </xsd:all>
+            </xsd:complexType>
+          </xsd:element>
+        </xsd:sequence>
+      </xsd:complexType>
+    </xsd:element>
+  </xsd:schema>
+  <xsd:schema xmlns:xsd="http://www.w3.org/2001/XMLSchema" xmlns:xs="http://www.w3.org/2001/XMLSchema" xmlns:dms="http://schemas.microsoft.com/office/2006/documentManagement/types" xmlns:pc="http://schemas.microsoft.com/office/infopath/2007/PartnerControls" targetNamespace="99fe7779-3784-4b3f-ab11-2faeab639ec4" elementFormDefault="qualified">
+    <xsd:import namespace="http://schemas.microsoft.com/office/2006/documentManagement/types"/>
+    <xsd:import namespace="http://schemas.microsoft.com/office/infopath/2007/PartnerControls"/>
+    <xsd:element name="MediaServiceMetadata" ma:index="8" nillable="true" ma:displayName="MediaServiceMetadata" ma:hidden="true" ma:internalName="MediaServiceMetadata" ma:readOnly="true">
+      <xsd:simpleType>
+        <xsd:restriction base="dms:Note"/>
+      </xsd:simpleType>
+    </xsd:element>
+    <xsd:element name="MediaServiceFastMetadata" ma:index="9" nillable="true" ma:displayName="MediaServiceFastMetadata" ma:hidden="true" ma:internalName="MediaServiceFastMetadata" ma:readOnly="true">
+      <xsd:simpleType>
+        <xsd:restriction base="dms:Note"/>
+      </xsd:simpleType>
+    </xsd:element>
+  </xsd:schema>
+  <xsd:schema xmlns="http://schemas.openxmlformats.org/package/2006/metadata/core-properties" xmlns:xsd="http://www.w3.org/2001/XMLSchema" xmlns:xsi="http://www.w3.org/2001/XMLSchema-instance" xmlns:dc="http://purl.org/dc/elements/1.1/" xmlns:dcterms="http://purl.org/dc/terms/" xmlns:odoc="http://schemas.microsoft.com/internal/obd" targetNamespace="http://schemas.openxmlformats.org/package/2006/metadata/core-properties" elementFormDefault="qualified" attributeFormDefault="unqualified" blockDefault="#all">
+    <xsd:import namespace="http://purl.org/dc/elements/1.1/" schemaLocation="http://dublincore.org/schemas/xmls/qdc/2003/04/02/dc.xsd"/>
+    <xsd:import namespace="http://purl.org/dc/terms/" schemaLocation="http://dublincore.org/schemas/xmls/qdc/2003/04/02/dcterms.xsd"/>
+    <xsd:element name="coreProperties" type="CT_coreProperties"/>
+    <xsd:complexType name="CT_coreProperties">
+      <xsd:all>
+        <xsd:element ref="dc:creator" minOccurs="0" maxOccurs="1"/>
+        <xsd:element ref="dcterms:created" minOccurs="0" maxOccurs="1"/>
+        <xsd:element ref="dc:identifier" minOccurs="0" maxOccurs="1"/>
+        <xsd:element name="contentType" minOccurs="0" maxOccurs="1" type="xsd:string" ma:index="0" ma:displayName="Typ obsahu"/>
+        <xsd:element ref="dc:title" minOccurs="0" maxOccurs="1" ma:index="4" ma:displayName="Nadpis"/>
+        <xsd:element ref="dc:subject" minOccurs="0" maxOccurs="1"/>
+        <xsd:element ref="dc:description" minOccurs="0" maxOccurs="1"/>
+        <xsd:element name="keywords" minOccurs="0" maxOccurs="1" type="xsd:string"/>
+        <xsd:element ref="dc:language" minOccurs="0" maxOccurs="1"/>
+        <xsd:element name="category" minOccurs="0" maxOccurs="1" type="xsd:string"/>
+        <xsd:element name="version" minOccurs="0" maxOccurs="1" type="xsd:string"/>
+        <xsd:element name="revision" minOccurs="0" maxOccurs="1" type="xsd:string">
+          <xsd:annotation>
+            <xsd:documentation>
+                        This value indicates the number of saves or revisions. The application is responsible for updating this value after each revision.
+                    </xsd:documentation>
+          </xsd:annotation>
+        </xsd:element>
+        <xsd:element name="lastModifiedBy" minOccurs="0" maxOccurs="1" type="xsd:string"/>
+        <xsd:element ref="dcterms:modified" minOccurs="0" maxOccurs="1"/>
+        <xsd:element name="contentStatus" minOccurs="0" maxOccurs="1" type="xsd:string"/>
+      </xsd:all>
+    </xsd:complexType>
+  </xsd:schema>
+  <xs:schema xmlns:pc="http://schemas.microsoft.com/office/infopath/2007/PartnerControls" xmlns:xs="http://www.w3.org/2001/XMLSchema" targetNamespace="http://schemas.microsoft.com/office/infopath/2007/PartnerControls" elementFormDefault="qualified" attributeFormDefault="unqualified">
+    <xs:element name="Person">
+      <xs:complexType>
+        <xs:sequence>
+          <xs:element ref="pc:DisplayName" minOccurs="0"/>
+          <xs:element ref="pc:AccountId" minOccurs="0"/>
+          <xs:element ref="pc:AccountType" minOccurs="0"/>
+        </xs:sequence>
+      </xs:complexType>
+    </xs:element>
+    <xs:element name="DisplayName" type="xs:string"/>
+    <xs:element name="AccountId" type="xs:string"/>
+    <xs:element name="AccountType" type="xs:string"/>
+    <xs:element name="BDCAssociatedEntity">
+      <xs:complexType>
+        <xs:sequence>
+          <xs:element ref="pc:BDCEntity" minOccurs="0" maxOccurs="unbounded"/>
+        </xs:sequence>
+        <xs:attribute ref="pc:EntityNamespace"/>
+        <xs:attribute ref="pc:EntityName"/>
+        <xs:attribute ref="pc:SystemInstanceName"/>
+        <xs:attribute ref="pc:AssociationName"/>
+      </xs:complexType>
+    </xs:element>
+    <xs:attribute name="EntityNamespace" type="xs:string"/>
+    <xs:attribute name="EntityName" type="xs:string"/>
+    <xs:attribute name="SystemInstanceName" type="xs:string"/>
+    <xs:attribute name="AssociationName" type="xs:string"/>
+    <xs:element name="BDCEntity">
+      <xs:complexType>
+        <xs:sequence>
+          <xs:element ref="pc:EntityDisplayName" minOccurs="0"/>
+          <xs:element ref="pc:EntityInstanceReference" minOccurs="0"/>
+          <xs:element ref="pc:EntityId1" minOccurs="0"/>
+          <xs:element ref="pc:EntityId2" minOccurs="0"/>
+          <xs:element ref="pc:EntityId3" minOccurs="0"/>
+          <xs:element ref="pc:EntityId4" minOccurs="0"/>
+          <xs:element ref="pc:EntityId5" minOccurs="0"/>
+        </xs:sequence>
+      </xs:complexType>
+    </xs:element>
+    <xs:element name="EntityDisplayName" type="xs:string"/>
+    <xs:element name="EntityInstanceReference" type="xs:string"/>
+    <xs:element name="EntityId1" type="xs:string"/>
+    <xs:element name="EntityId2" type="xs:string"/>
+    <xs:element name="EntityId3" type="xs:string"/>
+    <xs:element name="EntityId4" type="xs:string"/>
+    <xs:element name="EntityId5" type="xs:string"/>
+    <xs:element name="Terms">
+      <xs:complexType>
+        <xs:sequence>
+          <xs:element ref="pc:TermInfo" minOccurs="0" maxOccurs="unbounded"/>
+        </xs:sequence>
+      </xs:complexType>
+    </xs:element>
+    <xs:element name="TermInfo">
+      <xs:complexType>
+        <xs:sequence>
+          <xs:element ref="pc:TermName" minOccurs="0"/>
+          <xs:element ref="pc:TermId" minOccurs="0"/>
+        </xs:sequence>
+      </xs:complexType>
+    </xs:element>
+    <xs:element name="TermName" type="xs:string"/>
+    <xs:element name="TermId" type="xs:string"/>
+  </xs:schema>
+</ct:contentTypeSchema>
+</file>
+
+<file path=customXml/item3.xml><?xml version="1.0" encoding="utf-8"?>
+<p:properties xmlns:p="http://schemas.microsoft.com/office/2006/metadata/properties" xmlns:xsi="http://www.w3.org/2001/XMLSchema-instance" xmlns:pc="http://schemas.microsoft.com/office/infopath/2007/PartnerControls">
+  <documentManagement/>
+</p:properties>
+</file>
+
+<file path=customXml/itemProps1.xml><?xml version="1.0" encoding="utf-8"?>
+<ds:datastoreItem xmlns:ds="http://schemas.openxmlformats.org/officeDocument/2006/customXml" ds:itemID="{403FA540-BE7C-4904-A2F0-20220CC8AB2B}">
+  <ds:schemaRefs>
+    <ds:schemaRef ds:uri="http://schemas.microsoft.com/sharepoint/v3/contenttype/forms"/>
+  </ds:schemaRefs>
+</ds:datastoreItem>
+</file>
+
+<file path=customXml/itemProps2.xml><?xml version="1.0" encoding="utf-8"?>
+<ds:datastoreItem xmlns:ds="http://schemas.openxmlformats.org/officeDocument/2006/customXml" ds:itemID="{2EE089B7-13FB-4FC9-9EDC-46FB870DBED6}">
+  <ds:schemaRefs>
+    <ds:schemaRef ds:uri="http://schemas.microsoft.com/office/2006/metadata/contentType"/>
+    <ds:schemaRef ds:uri="http://schemas.microsoft.com/office/2006/metadata/properties/metaAttributes"/>
+    <ds:schemaRef ds:uri="http://www.w3.org/2001/XMLSchema"/>
+    <ds:schemaRef ds:uri="http://schemas.microsoft.com/office/2006/metadata/properties"/>
+    <ds:schemaRef ds:uri="99fe7779-3784-4b3f-ab11-2faeab639ec4"/>
+    <ds:schemaRef ds:uri="http://schemas.microsoft.com/office/2006/documentManagement/types"/>
+    <ds:schemaRef ds:uri="http://schemas.microsoft.com/office/infopath/2007/PartnerControls"/>
+    <ds:schemaRef ds:uri="http://schemas.openxmlformats.org/package/2006/metadata/core-properties"/>
+    <ds:schemaRef ds:uri="http://purl.org/dc/elements/1.1/"/>
+    <ds:schemaRef ds:uri="http://purl.org/dc/terms/"/>
+    <ds:schemaRef ds:uri="http://schemas.microsoft.com/internal/obd"/>
+  </ds:schemaRefs>
+</ds:datastoreItem>
+</file>
+
+<file path=customXml/itemProps3.xml><?xml version="1.0" encoding="utf-8"?>
+<ds:datastoreItem xmlns:ds="http://schemas.openxmlformats.org/officeDocument/2006/customXml" ds:itemID="{BC64FBCD-03AE-4E1C-B976-5029A26506CB}">
+  <ds:schemaRefs>
+    <ds:schemaRef ds:uri="http://www.w3.org/XML/1998/namespace"/>
+    <ds:schemaRef ds:uri="http://schemas.openxmlformats.org/package/2006/metadata/core-properties"/>
+    <ds:schemaRef ds:uri="http://schemas.microsoft.com/office/2006/documentManagement/types"/>
+    <ds:schemaRef ds:uri="99fe7779-3784-4b3f-ab11-2faeab639ec4"/>
+    <ds:schemaRef ds:uri="http://purl.org/dc/terms/"/>
+    <ds:schemaRef ds:uri="http://schemas.microsoft.com/office/infopath/2007/PartnerControls"/>
+    <ds:schemaRef ds:uri="http://schemas.microsoft.com/office/2006/metadata/properties"/>
+    <ds:schemaRef ds:uri="http://purl.org/dc/dcmitype/"/>
+    <ds:schemaRef ds:uri="http://purl.org/dc/elements/1.1/"/>
+  </ds:schemaRefs>
+</ds:datastoreItem>
 </file>
--- a/UnitTests.pptx
+++ b/UnitTests.pptx
@@ -7853,9 +7853,12 @@
             </a:r>
             <a:r>
               <a:rPr lang="en-US" dirty="0" err="1"/>
-              <a:t>specifikaci</a:t>
-            </a:r>
-            <a:endParaRPr lang="cs-CZ" dirty="0"/>
+              <a:t>specifikac</a:t>
+            </a:r>
+            <a:r>
+              <a:rPr lang="cs-CZ" dirty="0"/>
+              <a:t>í</a:t>
+            </a:r>
           </a:p>
           <a:p>
             <a:r>
@@ -8158,32 +8161,24 @@
               <a:t> </a:t>
             </a:r>
             <a:r>
-              <a:rPr lang="en-US" dirty="0" err="1"/>
-              <a:t>část</a:t>
+              <a:rPr lang="cs-CZ" dirty="0"/>
+              <a:t>testovanou</a:t>
             </a:r>
             <a:r>
               <a:rPr lang="en-US" dirty="0"/>
               <a:t> </a:t>
             </a:r>
             <a:r>
-              <a:rPr lang="en-US" dirty="0" err="1"/>
-              <a:t>programu</a:t>
+              <a:rPr lang="cs-CZ" dirty="0"/>
+              <a:t>část</a:t>
             </a:r>
             <a:r>
               <a:rPr lang="en-US" dirty="0"/>
               <a:t> je </a:t>
             </a:r>
             <a:r>
-              <a:rPr lang="en-US" dirty="0" err="1"/>
-              <a:t>možných</a:t>
-            </a:r>
-            <a:r>
-              <a:rPr lang="en-US" dirty="0"/>
-              <a:t> </a:t>
-            </a:r>
-            <a:r>
-              <a:rPr lang="en-US" dirty="0" err="1"/>
-              <a:t>hodně</a:t>
+              <a:rPr lang="cs-CZ" dirty="0"/>
+              <a:t>možno uvažovat velké množství</a:t>
             </a:r>
             <a:r>
               <a:rPr lang="en-US" dirty="0"/>
@@ -8839,12 +8834,9 @@
 </file>
 
 <file path=customXml/item1.xml><?xml version="1.0" encoding="utf-8"?>
-<?mso-contentType ?>
-<FormTemplates xmlns="http://schemas.microsoft.com/sharepoint/v3/contenttype/forms">
-  <Display>DocumentLibraryForm</Display>
-  <Edit>DocumentLibraryForm</Edit>
-  <New>DocumentLibraryForm</New>
-</FormTemplates>
+<p:properties xmlns:p="http://schemas.microsoft.com/office/2006/metadata/properties" xmlns:xsi="http://www.w3.org/2001/XMLSchema-instance" xmlns:pc="http://schemas.microsoft.com/office/infopath/2007/PartnerControls">
+  <documentManagement/>
+</p:properties>
 </file>
 
 <file path=customXml/item2.xml><?xml version="1.0" encoding="utf-8"?>
@@ -8980,15 +8972,26 @@
 </file>
 
 <file path=customXml/item3.xml><?xml version="1.0" encoding="utf-8"?>
-<p:properties xmlns:p="http://schemas.microsoft.com/office/2006/metadata/properties" xmlns:xsi="http://www.w3.org/2001/XMLSchema-instance" xmlns:pc="http://schemas.microsoft.com/office/infopath/2007/PartnerControls">
-  <documentManagement/>
-</p:properties>
+<?mso-contentType ?>
+<FormTemplates xmlns="http://schemas.microsoft.com/sharepoint/v3/contenttype/forms">
+  <Display>DocumentLibraryForm</Display>
+  <Edit>DocumentLibraryForm</Edit>
+  <New>DocumentLibraryForm</New>
+</FormTemplates>
 </file>
 
 <file path=customXml/itemProps1.xml><?xml version="1.0" encoding="utf-8"?>
-<ds:datastoreItem xmlns:ds="http://schemas.openxmlformats.org/officeDocument/2006/customXml" ds:itemID="{403FA540-BE7C-4904-A2F0-20220CC8AB2B}">
+<ds:datastoreItem xmlns:ds="http://schemas.openxmlformats.org/officeDocument/2006/customXml" ds:itemID="{BC64FBCD-03AE-4E1C-B976-5029A26506CB}">
   <ds:schemaRefs>
-    <ds:schemaRef ds:uri="http://schemas.microsoft.com/sharepoint/v3/contenttype/forms"/>
+    <ds:schemaRef ds:uri="http://www.w3.org/XML/1998/namespace"/>
+    <ds:schemaRef ds:uri="http://schemas.openxmlformats.org/package/2006/metadata/core-properties"/>
+    <ds:schemaRef ds:uri="http://schemas.microsoft.com/office/2006/documentManagement/types"/>
+    <ds:schemaRef ds:uri="99fe7779-3784-4b3f-ab11-2faeab639ec4"/>
+    <ds:schemaRef ds:uri="http://purl.org/dc/terms/"/>
+    <ds:schemaRef ds:uri="http://schemas.microsoft.com/office/infopath/2007/PartnerControls"/>
+    <ds:schemaRef ds:uri="http://schemas.microsoft.com/office/2006/metadata/properties"/>
+    <ds:schemaRef ds:uri="http://purl.org/dc/dcmitype/"/>
+    <ds:schemaRef ds:uri="http://purl.org/dc/elements/1.1/"/>
   </ds:schemaRefs>
 </ds:datastoreItem>
 </file>
@@ -9012,17 +9015,9 @@
 </file>
 
 <file path=customXml/itemProps3.xml><?xml version="1.0" encoding="utf-8"?>
-<ds:datastoreItem xmlns:ds="http://schemas.openxmlformats.org/officeDocument/2006/customXml" ds:itemID="{BC64FBCD-03AE-4E1C-B976-5029A26506CB}">
+<ds:datastoreItem xmlns:ds="http://schemas.openxmlformats.org/officeDocument/2006/customXml" ds:itemID="{403FA540-BE7C-4904-A2F0-20220CC8AB2B}">
   <ds:schemaRefs>
-    <ds:schemaRef ds:uri="http://www.w3.org/XML/1998/namespace"/>
-    <ds:schemaRef ds:uri="http://schemas.openxmlformats.org/package/2006/metadata/core-properties"/>
-    <ds:schemaRef ds:uri="http://schemas.microsoft.com/office/2006/documentManagement/types"/>
-    <ds:schemaRef ds:uri="99fe7779-3784-4b3f-ab11-2faeab639ec4"/>
-    <ds:schemaRef ds:uri="http://purl.org/dc/terms/"/>
-    <ds:schemaRef ds:uri="http://schemas.microsoft.com/office/infopath/2007/PartnerControls"/>
-    <ds:schemaRef ds:uri="http://schemas.microsoft.com/office/2006/metadata/properties"/>
-    <ds:schemaRef ds:uri="http://purl.org/dc/dcmitype/"/>
-    <ds:schemaRef ds:uri="http://purl.org/dc/elements/1.1/"/>
+    <ds:schemaRef ds:uri="http://schemas.microsoft.com/sharepoint/v3/contenttype/forms"/>
   </ds:schemaRefs>
 </ds:datastoreItem>
 </file>
--- a/UnitTests.pptx
+++ b/UnitTests.pptx
@@ -314,7 +314,7 @@
             <a:fld id="{B61BEF0D-F0BB-DE4B-95CE-6DB70DBA9567}" type="datetimeFigureOut">
               <a:rPr lang="en-US" dirty="0"/>
               <a:pPr/>
-              <a:t>10/18/2020</a:t>
+              <a:t>10/19/2020</a:t>
             </a:fld>
             <a:endParaRPr lang="en-US" dirty="0"/>
           </a:p>
@@ -649,7 +649,7 @@
             <a:fld id="{B61BEF0D-F0BB-DE4B-95CE-6DB70DBA9567}" type="datetimeFigureOut">
               <a:rPr lang="en-US" dirty="0"/>
               <a:pPr/>
-              <a:t>10/18/2020</a:t>
+              <a:t>10/19/2020</a:t>
             </a:fld>
             <a:endParaRPr lang="en-US" dirty="0"/>
           </a:p>
@@ -1047,7 +1047,7 @@
             <a:fld id="{B61BEF0D-F0BB-DE4B-95CE-6DB70DBA9567}" type="datetimeFigureOut">
               <a:rPr lang="en-US" dirty="0"/>
               <a:pPr/>
-              <a:t>10/18/2020</a:t>
+              <a:t>10/19/2020</a:t>
             </a:fld>
             <a:endParaRPr lang="en-US" dirty="0"/>
           </a:p>
@@ -1380,7 +1380,7 @@
             <a:fld id="{B61BEF0D-F0BB-DE4B-95CE-6DB70DBA9567}" type="datetimeFigureOut">
               <a:rPr lang="en-US" dirty="0"/>
               <a:pPr/>
-              <a:t>10/18/2020</a:t>
+              <a:t>10/19/2020</a:t>
             </a:fld>
             <a:endParaRPr lang="en-US" dirty="0"/>
           </a:p>
@@ -1697,7 +1697,7 @@
             <a:fld id="{B61BEF0D-F0BB-DE4B-95CE-6DB70DBA9567}" type="datetimeFigureOut">
               <a:rPr lang="en-US" dirty="0"/>
               <a:pPr/>
-              <a:t>10/18/2020</a:t>
+              <a:t>10/19/2020</a:t>
             </a:fld>
             <a:endParaRPr lang="en-US" dirty="0"/>
           </a:p>
@@ -2090,7 +2090,7 @@
             <a:fld id="{B61BEF0D-F0BB-DE4B-95CE-6DB70DBA9567}" type="datetimeFigureOut">
               <a:rPr lang="en-US" dirty="0"/>
               <a:pPr/>
-              <a:t>10/18/2020</a:t>
+              <a:t>10/19/2020</a:t>
             </a:fld>
             <a:endParaRPr lang="en-US" dirty="0"/>
           </a:p>
@@ -2344,7 +2344,7 @@
             <a:fld id="{B61BEF0D-F0BB-DE4B-95CE-6DB70DBA9567}" type="datetimeFigureOut">
               <a:rPr lang="en-US" dirty="0"/>
               <a:pPr/>
-              <a:t>10/18/2020</a:t>
+              <a:t>10/19/2020</a:t>
             </a:fld>
             <a:endParaRPr lang="en-US" dirty="0"/>
           </a:p>
@@ -2603,7 +2603,7 @@
             <a:fld id="{B61BEF0D-F0BB-DE4B-95CE-6DB70DBA9567}" type="datetimeFigureOut">
               <a:rPr lang="en-US" dirty="0"/>
               <a:pPr/>
-              <a:t>10/18/2020</a:t>
+              <a:t>10/19/2020</a:t>
             </a:fld>
             <a:endParaRPr lang="en-US" dirty="0"/>
           </a:p>
@@ -2862,7 +2862,7 @@
             <a:fld id="{B61BEF0D-F0BB-DE4B-95CE-6DB70DBA9567}" type="datetimeFigureOut">
               <a:rPr lang="en-US" dirty="0"/>
               <a:pPr/>
-              <a:t>10/18/2020</a:t>
+              <a:t>10/19/2020</a:t>
             </a:fld>
             <a:endParaRPr lang="en-US" dirty="0"/>
           </a:p>
@@ -3188,7 +3188,7 @@
             <a:fld id="{B61BEF0D-F0BB-DE4B-95CE-6DB70DBA9567}" type="datetimeFigureOut">
               <a:rPr lang="en-US" dirty="0"/>
               <a:pPr/>
-              <a:t>10/18/2020</a:t>
+              <a:t>10/19/2020</a:t>
             </a:fld>
             <a:endParaRPr lang="en-US" dirty="0"/>
           </a:p>
@@ -3508,7 +3508,7 @@
             <a:fld id="{B61BEF0D-F0BB-DE4B-95CE-6DB70DBA9567}" type="datetimeFigureOut">
               <a:rPr lang="en-US" dirty="0"/>
               <a:pPr/>
-              <a:t>10/18/2020</a:t>
+              <a:t>10/19/2020</a:t>
             </a:fld>
             <a:endParaRPr lang="en-US" dirty="0"/>
           </a:p>
@@ -3962,7 +3962,7 @@
             <a:fld id="{B61BEF0D-F0BB-DE4B-95CE-6DB70DBA9567}" type="datetimeFigureOut">
               <a:rPr lang="en-US" dirty="0"/>
               <a:pPr/>
-              <a:t>10/18/2020</a:t>
+              <a:t>10/19/2020</a:t>
             </a:fld>
             <a:endParaRPr lang="en-US" dirty="0"/>
           </a:p>
@@ -4164,7 +4164,7 @@
             <a:fld id="{B61BEF0D-F0BB-DE4B-95CE-6DB70DBA9567}" type="datetimeFigureOut">
               <a:rPr lang="en-US" dirty="0"/>
               <a:pPr/>
-              <a:t>10/18/2020</a:t>
+              <a:t>10/19/2020</a:t>
             </a:fld>
             <a:endParaRPr lang="en-US" dirty="0"/>
           </a:p>
@@ -4338,7 +4338,7 @@
             <a:fld id="{B61BEF0D-F0BB-DE4B-95CE-6DB70DBA9567}" type="datetimeFigureOut">
               <a:rPr lang="en-US" dirty="0"/>
               <a:pPr/>
-              <a:t>10/18/2020</a:t>
+              <a:t>10/19/2020</a:t>
             </a:fld>
             <a:endParaRPr lang="en-US" dirty="0"/>
           </a:p>
@@ -4668,7 +4668,7 @@
             <a:fld id="{B61BEF0D-F0BB-DE4B-95CE-6DB70DBA9567}" type="datetimeFigureOut">
               <a:rPr lang="en-US" dirty="0"/>
               <a:pPr/>
-              <a:t>10/18/2020</a:t>
+              <a:t>10/19/2020</a:t>
             </a:fld>
             <a:endParaRPr lang="en-US" dirty="0"/>
           </a:p>
@@ -5010,7 +5010,7 @@
             <a:fld id="{B61BEF0D-F0BB-DE4B-95CE-6DB70DBA9567}" type="datetimeFigureOut">
               <a:rPr lang="en-US" dirty="0"/>
               <a:pPr/>
-              <a:t>10/18/2020</a:t>
+              <a:t>10/19/2020</a:t>
             </a:fld>
             <a:endParaRPr lang="en-US" dirty="0"/>
           </a:p>
@@ -7124,7 +7124,7 @@
             <a:fld id="{B61BEF0D-F0BB-DE4B-95CE-6DB70DBA9567}" type="datetimeFigureOut">
               <a:rPr lang="en-US" dirty="0"/>
               <a:pPr/>
-              <a:t>10/18/2020</a:t>
+              <a:t>10/19/2020</a:t>
             </a:fld>
             <a:endParaRPr lang="en-US" dirty="0"/>
           </a:p>
@@ -8568,11 +8568,77 @@
             <p:ph idx="1"/>
           </p:nvPr>
         </p:nvSpPr>
-        <p:spPr/>
+        <p:spPr>
+          <a:xfrm>
+            <a:off x="2589212" y="1367406"/>
+            <a:ext cx="8915400" cy="4543816"/>
+          </a:xfrm>
+        </p:spPr>
         <p:txBody>
           <a:bodyPr/>
           <a:lstStyle/>
           <a:p>
+            <a:r>
+              <a:rPr lang="en-US" dirty="0" err="1"/>
+              <a:t>Vytvo</a:t>
+            </a:r>
+            <a:r>
+              <a:rPr lang="cs-CZ" dirty="0"/>
+              <a:t>řte testovací připady pro všechny ještě neotestované metody ve třídě Algorithms.</a:t>
+            </a:r>
+          </a:p>
+          <a:p>
+            <a:r>
+              <a:rPr lang="cs-CZ" dirty="0"/>
+              <a:t>Vytvořte novou testovací třídů pro UserDataService</a:t>
+            </a:r>
+            <a:r>
+              <a:rPr lang="en-US" dirty="0"/>
+              <a:t>.</a:t>
+            </a:r>
+            <a:endParaRPr lang="cs-CZ" dirty="0"/>
+          </a:p>
+          <a:p>
+            <a:pPr lvl="1"/>
+            <a:r>
+              <a:rPr lang="cs-CZ" dirty="0"/>
+              <a:t>Pro práci s DB použíjte in-memory konfiguraci DbContextu.</a:t>
+            </a:r>
+          </a:p>
+          <a:p>
+            <a:pPr lvl="1"/>
+            <a:r>
+              <a:rPr lang="cs-CZ" dirty="0"/>
+              <a:t>Pro závisloti vytvořte Mock a nahraďte implementaci metod u kterých to bude potřeba.</a:t>
+            </a:r>
+          </a:p>
+          <a:p>
+            <a:pPr lvl="1"/>
+            <a:r>
+              <a:rPr lang="cs-CZ" dirty="0"/>
+              <a:t>Vytvořte testovací připady pro všechny metody ve třidě UserDataService.</a:t>
+            </a:r>
+          </a:p>
+          <a:p>
+            <a:pPr marL="400050" indent="-285750"/>
+            <a:r>
+              <a:rPr lang="cs-CZ" dirty="0"/>
+              <a:t>Jako řešení zasílejte pouze tyto </a:t>
+            </a:r>
+            <a:r>
+              <a:rPr lang="cs-CZ"/>
+              <a:t>dvě třídy</a:t>
+            </a:r>
+            <a:r>
+              <a:rPr lang="cs-CZ" dirty="0"/>
+              <a:t>.</a:t>
+            </a:r>
+            <a:endParaRPr lang="en-US" dirty="0"/>
+          </a:p>
+          <a:p>
+            <a:pPr marL="3657600" lvl="8" indent="0">
+              <a:buNone/>
+            </a:pPr>
             <a:endParaRPr lang="en-US" dirty="0"/>
           </a:p>
         </p:txBody>
@@ -8834,9 +8900,12 @@
 </file>
 
 <file path=customXml/item1.xml><?xml version="1.0" encoding="utf-8"?>
-<p:properties xmlns:p="http://schemas.microsoft.com/office/2006/metadata/properties" xmlns:xsi="http://www.w3.org/2001/XMLSchema-instance" xmlns:pc="http://schemas.microsoft.com/office/infopath/2007/PartnerControls">
-  <documentManagement/>
-</p:properties>
+<?mso-contentType ?>
+<FormTemplates xmlns="http://schemas.microsoft.com/sharepoint/v3/contenttype/forms">
+  <Display>DocumentLibraryForm</Display>
+  <Edit>DocumentLibraryForm</Edit>
+  <New>DocumentLibraryForm</New>
+</FormTemplates>
 </file>
 
 <file path=customXml/item2.xml><?xml version="1.0" encoding="utf-8"?>
@@ -8972,26 +9041,15 @@
 </file>
 
 <file path=customXml/item3.xml><?xml version="1.0" encoding="utf-8"?>
-<?mso-contentType ?>
-<FormTemplates xmlns="http://schemas.microsoft.com/sharepoint/v3/contenttype/forms">
-  <Display>DocumentLibraryForm</Display>
-  <Edit>DocumentLibraryForm</Edit>
-  <New>DocumentLibraryForm</New>
-</FormTemplates>
+<p:properties xmlns:p="http://schemas.microsoft.com/office/2006/metadata/properties" xmlns:xsi="http://www.w3.org/2001/XMLSchema-instance" xmlns:pc="http://schemas.microsoft.com/office/infopath/2007/PartnerControls">
+  <documentManagement/>
+</p:properties>
 </file>
 
 <file path=customXml/itemProps1.xml><?xml version="1.0" encoding="utf-8"?>
-<ds:datastoreItem xmlns:ds="http://schemas.openxmlformats.org/officeDocument/2006/customXml" ds:itemID="{BC64FBCD-03AE-4E1C-B976-5029A26506CB}">
+<ds:datastoreItem xmlns:ds="http://schemas.openxmlformats.org/officeDocument/2006/customXml" ds:itemID="{403FA540-BE7C-4904-A2F0-20220CC8AB2B}">
   <ds:schemaRefs>
-    <ds:schemaRef ds:uri="http://www.w3.org/XML/1998/namespace"/>
-    <ds:schemaRef ds:uri="http://schemas.openxmlformats.org/package/2006/metadata/core-properties"/>
-    <ds:schemaRef ds:uri="http://schemas.microsoft.com/office/2006/documentManagement/types"/>
-    <ds:schemaRef ds:uri="99fe7779-3784-4b3f-ab11-2faeab639ec4"/>
-    <ds:schemaRef ds:uri="http://purl.org/dc/terms/"/>
-    <ds:schemaRef ds:uri="http://schemas.microsoft.com/office/infopath/2007/PartnerControls"/>
-    <ds:schemaRef ds:uri="http://schemas.microsoft.com/office/2006/metadata/properties"/>
-    <ds:schemaRef ds:uri="http://purl.org/dc/dcmitype/"/>
-    <ds:schemaRef ds:uri="http://purl.org/dc/elements/1.1/"/>
+    <ds:schemaRef ds:uri="http://schemas.microsoft.com/sharepoint/v3/contenttype/forms"/>
   </ds:schemaRefs>
 </ds:datastoreItem>
 </file>
@@ -9015,9 +9073,17 @@
 </file>
 
 <file path=customXml/itemProps3.xml><?xml version="1.0" encoding="utf-8"?>
-<ds:datastoreItem xmlns:ds="http://schemas.openxmlformats.org/officeDocument/2006/customXml" ds:itemID="{403FA540-BE7C-4904-A2F0-20220CC8AB2B}">
+<ds:datastoreItem xmlns:ds="http://schemas.openxmlformats.org/officeDocument/2006/customXml" ds:itemID="{BC64FBCD-03AE-4E1C-B976-5029A26506CB}">
   <ds:schemaRefs>
-    <ds:schemaRef ds:uri="http://schemas.microsoft.com/sharepoint/v3/contenttype/forms"/>
+    <ds:schemaRef ds:uri="http://www.w3.org/XML/1998/namespace"/>
+    <ds:schemaRef ds:uri="http://schemas.openxmlformats.org/package/2006/metadata/core-properties"/>
+    <ds:schemaRef ds:uri="http://schemas.microsoft.com/office/2006/documentManagement/types"/>
+    <ds:schemaRef ds:uri="99fe7779-3784-4b3f-ab11-2faeab639ec4"/>
+    <ds:schemaRef ds:uri="http://purl.org/dc/terms/"/>
+    <ds:schemaRef ds:uri="http://schemas.microsoft.com/office/infopath/2007/PartnerControls"/>
+    <ds:schemaRef ds:uri="http://schemas.microsoft.com/office/2006/metadata/properties"/>
+    <ds:schemaRef ds:uri="http://purl.org/dc/dcmitype/"/>
+    <ds:schemaRef ds:uri="http://purl.org/dc/elements/1.1/"/>
   </ds:schemaRefs>
 </ds:datastoreItem>
 </file>